--- a/Presentatie.pptx
+++ b/Presentatie.pptx
@@ -5,21 +5,25 @@
     <p:sldMasterId id="2147483684" r:id="rId1"/>
   </p:sldMasterIdLst>
   <p:notesMasterIdLst>
-    <p:notesMasterId r:id="rId14"/>
+    <p:notesMasterId r:id="rId15"/>
   </p:notesMasterIdLst>
+  <p:handoutMasterIdLst>
+    <p:handoutMasterId r:id="rId16"/>
+  </p:handoutMasterIdLst>
   <p:sldIdLst>
-    <p:sldId id="256" r:id="rId2"/>
-    <p:sldId id="257" r:id="rId3"/>
-    <p:sldId id="260" r:id="rId4"/>
-    <p:sldId id="259" r:id="rId5"/>
-    <p:sldId id="261" r:id="rId6"/>
-    <p:sldId id="263" r:id="rId7"/>
-    <p:sldId id="265" r:id="rId8"/>
-    <p:sldId id="266" r:id="rId9"/>
-    <p:sldId id="264" r:id="rId10"/>
-    <p:sldId id="267" r:id="rId11"/>
-    <p:sldId id="268" r:id="rId12"/>
-    <p:sldId id="269" r:id="rId13"/>
+    <p:sldId id="273" r:id="rId2"/>
+    <p:sldId id="271" r:id="rId3"/>
+    <p:sldId id="276" r:id="rId4"/>
+    <p:sldId id="270" r:id="rId5"/>
+    <p:sldId id="277" r:id="rId6"/>
+    <p:sldId id="259" r:id="rId7"/>
+    <p:sldId id="278" r:id="rId8"/>
+    <p:sldId id="265" r:id="rId9"/>
+    <p:sldId id="280" r:id="rId10"/>
+    <p:sldId id="279" r:id="rId11"/>
+    <p:sldId id="281" r:id="rId12"/>
+    <p:sldId id="282" r:id="rId13"/>
+    <p:sldId id="272" r:id="rId14"/>
   </p:sldIdLst>
   <p:sldSz cx="12192000" cy="6858000"/>
   <p:notesSz cx="6858000" cy="9144000"/>
@@ -118,6 +122,11 @@
       </a:defRPr>
     </a:lvl9pPr>
   </p:defaultTextStyle>
+  <p:extLst>
+    <p:ext uri="{EFAFB233-063F-42B5-8137-9DF3F51BA10A}">
+      <p15:sldGuideLst xmlns:p15="http://schemas.microsoft.com/office/powerpoint/2012/main"/>
+    </p:ext>
+  </p:extLst>
 </p:presentation>
 </file>
 
@@ -131,6 +140,196 @@
     </p:extLst>
   </p:cmAuthor>
 </p:cmAuthorLst>
+</file>
+
+<file path=ppt/handoutMasters/handoutMaster1.xml><?xml version="1.0" encoding="utf-8"?>
+<p:handoutMaster xmlns:a="http://schemas.openxmlformats.org/drawingml/2006/main" xmlns:r="http://schemas.openxmlformats.org/officeDocument/2006/relationships" xmlns:p="http://schemas.openxmlformats.org/presentationml/2006/main">
+  <p:cSld>
+    <p:bg>
+      <p:bgRef idx="1001">
+        <a:schemeClr val="bg1"/>
+      </p:bgRef>
+    </p:bg>
+    <p:spTree>
+      <p:nvGrpSpPr>
+        <p:cNvPr id="1" name=""/>
+        <p:cNvGrpSpPr/>
+        <p:nvPr/>
+      </p:nvGrpSpPr>
+      <p:grpSpPr>
+        <a:xfrm>
+          <a:off x="0" y="0"/>
+          <a:ext cx="0" cy="0"/>
+          <a:chOff x="0" y="0"/>
+          <a:chExt cx="0" cy="0"/>
+        </a:xfrm>
+      </p:grpSpPr>
+      <p:sp>
+        <p:nvSpPr>
+          <p:cNvPr id="2" name="Tijdelijke aanduiding voor koptekst 1">
+            <a:extLst>
+              <a:ext uri="{FF2B5EF4-FFF2-40B4-BE49-F238E27FC236}">
+                <a16:creationId xmlns:a16="http://schemas.microsoft.com/office/drawing/2014/main" id="{0A238AD0-482A-41C7-8A84-22E5BDCEA083}"/>
+              </a:ext>
+            </a:extLst>
+          </p:cNvPr>
+          <p:cNvSpPr>
+            <a:spLocks noGrp="1"/>
+          </p:cNvSpPr>
+          <p:nvPr>
+            <p:ph type="hdr" sz="quarter"/>
+          </p:nvPr>
+        </p:nvSpPr>
+        <p:spPr>
+          <a:xfrm>
+            <a:off x="0" y="0"/>
+            <a:ext cx="2971800" cy="458788"/>
+          </a:xfrm>
+          <a:prstGeom prst="rect">
+            <a:avLst/>
+          </a:prstGeom>
+        </p:spPr>
+        <p:txBody>
+          <a:bodyPr vert="horz" lIns="91440" tIns="45720" rIns="91440" bIns="45720" rtlCol="0"/>
+          <a:lstStyle>
+            <a:lvl1pPr algn="l">
+              <a:defRPr sz="1200"/>
+            </a:lvl1pPr>
+          </a:lstStyle>
+          <a:p>
+            <a:endParaRPr lang="nl-BE"/>
+          </a:p>
+        </p:txBody>
+      </p:sp>
+      <p:sp>
+        <p:nvSpPr>
+          <p:cNvPr id="3" name="Tijdelijke aanduiding voor datum 2">
+            <a:extLst>
+              <a:ext uri="{FF2B5EF4-FFF2-40B4-BE49-F238E27FC236}">
+                <a16:creationId xmlns:a16="http://schemas.microsoft.com/office/drawing/2014/main" id="{4F0F09FA-1D60-4D86-9D96-CC18E2B57FFB}"/>
+              </a:ext>
+            </a:extLst>
+          </p:cNvPr>
+          <p:cNvSpPr>
+            <a:spLocks noGrp="1"/>
+          </p:cNvSpPr>
+          <p:nvPr>
+            <p:ph type="dt" sz="quarter" idx="1"/>
+          </p:nvPr>
+        </p:nvSpPr>
+        <p:spPr>
+          <a:xfrm>
+            <a:off x="3884613" y="0"/>
+            <a:ext cx="2971800" cy="458788"/>
+          </a:xfrm>
+          <a:prstGeom prst="rect">
+            <a:avLst/>
+          </a:prstGeom>
+        </p:spPr>
+        <p:txBody>
+          <a:bodyPr vert="horz" lIns="91440" tIns="45720" rIns="91440" bIns="45720" rtlCol="0"/>
+          <a:lstStyle>
+            <a:lvl1pPr algn="r">
+              <a:defRPr sz="1200"/>
+            </a:lvl1pPr>
+          </a:lstStyle>
+          <a:p>
+            <a:fld id="{66D9D700-79FC-4036-B5A9-53B07183D822}" type="datetimeFigureOut">
+              <a:rPr lang="nl-BE" smtClean="0"/>
+              <a:t>14/04/2021</a:t>
+            </a:fld>
+            <a:endParaRPr lang="nl-BE"/>
+          </a:p>
+        </p:txBody>
+      </p:sp>
+      <p:sp>
+        <p:nvSpPr>
+          <p:cNvPr id="4" name="Tijdelijke aanduiding voor voettekst 3">
+            <a:extLst>
+              <a:ext uri="{FF2B5EF4-FFF2-40B4-BE49-F238E27FC236}">
+                <a16:creationId xmlns:a16="http://schemas.microsoft.com/office/drawing/2014/main" id="{A4DACDBB-EE5F-46EC-AEE5-BB982A2255AB}"/>
+              </a:ext>
+            </a:extLst>
+          </p:cNvPr>
+          <p:cNvSpPr>
+            <a:spLocks noGrp="1"/>
+          </p:cNvSpPr>
+          <p:nvPr>
+            <p:ph type="ftr" sz="quarter" idx="2"/>
+          </p:nvPr>
+        </p:nvSpPr>
+        <p:spPr>
+          <a:xfrm>
+            <a:off x="0" y="8685213"/>
+            <a:ext cx="2971800" cy="458787"/>
+          </a:xfrm>
+          <a:prstGeom prst="rect">
+            <a:avLst/>
+          </a:prstGeom>
+        </p:spPr>
+        <p:txBody>
+          <a:bodyPr vert="horz" lIns="91440" tIns="45720" rIns="91440" bIns="45720" rtlCol="0" anchor="b"/>
+          <a:lstStyle>
+            <a:lvl1pPr algn="l">
+              <a:defRPr sz="1200"/>
+            </a:lvl1pPr>
+          </a:lstStyle>
+          <a:p>
+            <a:endParaRPr lang="nl-BE"/>
+          </a:p>
+        </p:txBody>
+      </p:sp>
+      <p:sp>
+        <p:nvSpPr>
+          <p:cNvPr id="5" name="Tijdelijke aanduiding voor dianummer 4">
+            <a:extLst>
+              <a:ext uri="{FF2B5EF4-FFF2-40B4-BE49-F238E27FC236}">
+                <a16:creationId xmlns:a16="http://schemas.microsoft.com/office/drawing/2014/main" id="{80A23E24-D812-47B6-871B-9EA1E4882BC1}"/>
+              </a:ext>
+            </a:extLst>
+          </p:cNvPr>
+          <p:cNvSpPr>
+            <a:spLocks noGrp="1"/>
+          </p:cNvSpPr>
+          <p:nvPr>
+            <p:ph type="sldNum" sz="quarter" idx="3"/>
+          </p:nvPr>
+        </p:nvSpPr>
+        <p:spPr>
+          <a:xfrm>
+            <a:off x="3884613" y="8685213"/>
+            <a:ext cx="2971800" cy="458787"/>
+          </a:xfrm>
+          <a:prstGeom prst="rect">
+            <a:avLst/>
+          </a:prstGeom>
+        </p:spPr>
+        <p:txBody>
+          <a:bodyPr vert="horz" lIns="91440" tIns="45720" rIns="91440" bIns="45720" rtlCol="0" anchor="b"/>
+          <a:lstStyle>
+            <a:lvl1pPr algn="r">
+              <a:defRPr sz="1200"/>
+            </a:lvl1pPr>
+          </a:lstStyle>
+          <a:p>
+            <a:fld id="{C324D562-8C1E-4931-BF78-5B3FBAB03993}" type="slidenum">
+              <a:rPr lang="nl-BE" smtClean="0"/>
+              <a:t>‹nr.›</a:t>
+            </a:fld>
+            <a:endParaRPr lang="nl-BE"/>
+          </a:p>
+        </p:txBody>
+      </p:sp>
+    </p:spTree>
+    <p:extLst>
+      <p:ext uri="{BB962C8B-B14F-4D97-AF65-F5344CB8AC3E}">
+        <p14:creationId xmlns:p14="http://schemas.microsoft.com/office/powerpoint/2010/main" val="1677048780"/>
+      </p:ext>
+    </p:extLst>
+  </p:cSld>
+  <p:clrMap bg1="lt1" tx1="dk1" bg2="lt2" tx2="dk2" accent1="accent1" accent2="accent2" accent3="accent3" accent4="accent4" accent5="accent5" accent6="accent6" hlink="hlink" folHlink="folHlink"/>
+  <p:hf sldNum="0" hdr="0" ftr="0" dt="0"/>
+</p:handoutMaster>
 </file>
 
 <file path=ppt/notesMasters/notesMaster1.xml><?xml version="1.0" encoding="utf-8"?>
@@ -215,7 +414,7 @@
           <a:p>
             <a:fld id="{7F554DD4-6F65-41DB-9D57-C4EA34654FE6}" type="datetimeFigureOut">
               <a:rPr lang="nl-BE" smtClean="0"/>
-              <a:t>11/04/2021</a:t>
+              <a:t>14/04/2021</a:t>
             </a:fld>
             <a:endParaRPr lang="nl-BE"/>
           </a:p>
@@ -388,6 +587,7 @@
     </p:extLst>
   </p:cSld>
   <p:clrMap bg1="lt1" tx1="dk1" bg2="lt2" tx2="dk2" accent1="accent1" accent2="accent2" accent3="accent3" accent4="accent4" accent5="accent5" accent6="accent6" hlink="hlink" folHlink="folHlink"/>
+  <p:hf sldNum="0" hdr="0" ftr="0" dt="0"/>
   <p:notesStyle>
     <a:lvl1pPr marL="0" algn="l" defTabSz="914400" rtl="0" eaLnBrk="1" latinLnBrk="0" hangingPunct="1">
       <a:defRPr sz="1200" kern="1200">
@@ -884,9 +1084,9 @@
           <a:bodyPr/>
           <a:lstStyle/>
           <a:p>
-            <a:fld id="{95163308-D689-4499-A5F5-7694B1F812BB}" type="datetime1">
+            <a:fld id="{A4441D4A-5F45-4DDE-B29C-9DDA1FFA002F}" type="datetime1">
               <a:rPr lang="nl-BE" smtClean="0"/>
-              <a:t>11/04/2021</a:t>
+              <a:t>14/04/2021</a:t>
             </a:fld>
             <a:endParaRPr lang="nl-BE"/>
           </a:p>
@@ -907,10 +1107,7 @@
           <a:bodyPr/>
           <a:lstStyle/>
           <a:p>
-            <a:r>
-              <a:rPr lang="nl-BE"/>
-              <a:t>Vesta Tech</a:t>
-            </a:r>
+            <a:endParaRPr lang="nl-BE"/>
           </a:p>
         </p:txBody>
       </p:sp>
@@ -1066,9 +1263,9 @@
           <a:bodyPr/>
           <a:lstStyle/>
           <a:p>
-            <a:fld id="{6CE80ACE-4C72-4BF9-A84F-B235AC73FDA2}" type="datetime1">
+            <a:fld id="{F1C65BA1-5540-4050-939E-D80E0971D7A0}" type="datetime1">
               <a:rPr lang="nl-BE" smtClean="0"/>
-              <a:t>11/04/2021</a:t>
+              <a:t>14/04/2021</a:t>
             </a:fld>
             <a:endParaRPr lang="nl-BE"/>
           </a:p>
@@ -1089,10 +1286,7 @@
           <a:bodyPr/>
           <a:lstStyle/>
           <a:p>
-            <a:r>
-              <a:rPr lang="nl-BE"/>
-              <a:t>Vesta Tech</a:t>
-            </a:r>
+            <a:endParaRPr lang="nl-BE"/>
           </a:p>
         </p:txBody>
       </p:sp>
@@ -1249,9 +1443,9 @@
           <a:bodyPr/>
           <a:lstStyle/>
           <a:p>
-            <a:fld id="{C2120876-9175-4D07-8F11-2E5F1B05B99E}" type="datetime1">
+            <a:fld id="{4A55C20D-FA3D-48B1-B1D3-730F754B4916}" type="datetime1">
               <a:rPr lang="nl-BE" smtClean="0"/>
-              <a:t>11/04/2021</a:t>
+              <a:t>14/04/2021</a:t>
             </a:fld>
             <a:endParaRPr lang="nl-BE"/>
           </a:p>
@@ -1272,10 +1466,7 @@
           <a:bodyPr/>
           <a:lstStyle/>
           <a:p>
-            <a:r>
-              <a:rPr lang="nl-BE"/>
-              <a:t>Vesta Tech</a:t>
-            </a:r>
+            <a:endParaRPr lang="nl-BE"/>
           </a:p>
         </p:txBody>
       </p:sp>
@@ -1422,9 +1613,9 @@
           <a:bodyPr/>
           <a:lstStyle/>
           <a:p>
-            <a:fld id="{E4DB5864-5D30-4461-B572-6C171452EEFC}" type="datetime1">
+            <a:fld id="{F8B767CE-EBF5-45DA-A3CA-A2B24B3436B3}" type="datetime1">
               <a:rPr lang="nl-BE" smtClean="0"/>
-              <a:t>11/04/2021</a:t>
+              <a:t>14/04/2021</a:t>
             </a:fld>
             <a:endParaRPr lang="nl-BE"/>
           </a:p>
@@ -1445,10 +1636,7 @@
           <a:bodyPr/>
           <a:lstStyle/>
           <a:p>
-            <a:r>
-              <a:rPr lang="nl-BE"/>
-              <a:t>Vesta Tech</a:t>
-            </a:r>
+            <a:endParaRPr lang="nl-BE"/>
           </a:p>
         </p:txBody>
       </p:sp>
@@ -1738,9 +1926,9 @@
           <a:bodyPr/>
           <a:lstStyle/>
           <a:p>
-            <a:fld id="{42771E9E-9A32-4B34-86C3-9E3C52A9A091}" type="datetime1">
+            <a:fld id="{ECD02019-2679-4B32-91ED-CC7F0E861EB0}" type="datetime1">
               <a:rPr lang="nl-BE" smtClean="0"/>
-              <a:t>11/04/2021</a:t>
+              <a:t>14/04/2021</a:t>
             </a:fld>
             <a:endParaRPr lang="nl-BE"/>
           </a:p>
@@ -1766,10 +1954,7 @@
           <a:bodyPr/>
           <a:lstStyle/>
           <a:p>
-            <a:r>
-              <a:rPr lang="nl-BE"/>
-              <a:t>Vesta Tech</a:t>
-            </a:r>
+            <a:endParaRPr lang="nl-BE"/>
           </a:p>
         </p:txBody>
       </p:sp>
@@ -2127,9 +2312,9 @@
           <a:bodyPr/>
           <a:lstStyle/>
           <a:p>
-            <a:fld id="{912B9D34-1C24-4328-AD6B-419029BE7C79}" type="datetime1">
+            <a:fld id="{C2A5B16D-D154-44AF-941F-C6130B8F4D4C}" type="datetime1">
               <a:rPr lang="nl-BE" smtClean="0"/>
-              <a:t>11/04/2021</a:t>
+              <a:t>14/04/2021</a:t>
             </a:fld>
             <a:endParaRPr lang="nl-BE"/>
           </a:p>
@@ -2150,10 +2335,7 @@
           <a:bodyPr/>
           <a:lstStyle/>
           <a:p>
-            <a:r>
-              <a:rPr lang="nl-BE"/>
-              <a:t>Vesta Tech</a:t>
-            </a:r>
+            <a:endParaRPr lang="nl-BE"/>
           </a:p>
         </p:txBody>
       </p:sp>
@@ -2564,9 +2746,9 @@
           <a:bodyPr/>
           <a:lstStyle/>
           <a:p>
-            <a:fld id="{724D43B0-F37F-4830-A3FD-159339551FDF}" type="datetime1">
+            <a:fld id="{BDD6E23C-BEF4-4910-8759-999E245EA05B}" type="datetime1">
               <a:rPr lang="nl-BE" smtClean="0"/>
-              <a:t>11/04/2021</a:t>
+              <a:t>14/04/2021</a:t>
             </a:fld>
             <a:endParaRPr lang="nl-BE"/>
           </a:p>
@@ -2587,10 +2769,7 @@
           <a:bodyPr/>
           <a:lstStyle/>
           <a:p>
-            <a:r>
-              <a:rPr lang="nl-BE"/>
-              <a:t>Vesta Tech</a:t>
-            </a:r>
+            <a:endParaRPr lang="nl-BE"/>
           </a:p>
         </p:txBody>
       </p:sp>
@@ -2685,9 +2864,9 @@
           <a:bodyPr/>
           <a:lstStyle/>
           <a:p>
-            <a:fld id="{D7FF68C3-8203-4D60-BC07-680189321DC3}" type="datetime1">
+            <a:fld id="{C898580A-DFD2-4F8D-97C2-2B7798106AA2}" type="datetime1">
               <a:rPr lang="nl-BE" smtClean="0"/>
-              <a:t>11/04/2021</a:t>
+              <a:t>14/04/2021</a:t>
             </a:fld>
             <a:endParaRPr lang="nl-BE"/>
           </a:p>
@@ -2708,10 +2887,7 @@
           <a:bodyPr/>
           <a:lstStyle/>
           <a:p>
-            <a:r>
-              <a:rPr lang="nl-BE"/>
-              <a:t>Vesta Tech</a:t>
-            </a:r>
+            <a:endParaRPr lang="nl-BE"/>
           </a:p>
         </p:txBody>
       </p:sp>
@@ -2783,9 +2959,9 @@
           <a:bodyPr/>
           <a:lstStyle/>
           <a:p>
-            <a:fld id="{DDB1F753-7ED8-4E46-9221-B0BD0367FB05}" type="datetime1">
+            <a:fld id="{4583C4F4-8F40-4444-A748-D3159FB77ADC}" type="datetime1">
               <a:rPr lang="nl-BE" smtClean="0"/>
-              <a:t>11/04/2021</a:t>
+              <a:t>14/04/2021</a:t>
             </a:fld>
             <a:endParaRPr lang="nl-BE"/>
           </a:p>
@@ -2806,10 +2982,7 @@
           <a:bodyPr/>
           <a:lstStyle/>
           <a:p>
-            <a:r>
-              <a:rPr lang="nl-BE"/>
-              <a:t>Vesta Tech</a:t>
-            </a:r>
+            <a:endParaRPr lang="nl-BE"/>
           </a:p>
         </p:txBody>
       </p:sp>
@@ -3136,9 +3309,9 @@
           <a:bodyPr/>
           <a:lstStyle/>
           <a:p>
-            <a:fld id="{28DE08F7-692D-4B51-A2B0-9422180F5A7D}" type="datetime1">
+            <a:fld id="{6BCDDF7B-C605-4BDD-88AB-134029D85CDA}" type="datetime1">
               <a:rPr lang="nl-BE" smtClean="0"/>
-              <a:t>11/04/2021</a:t>
+              <a:t>14/04/2021</a:t>
             </a:fld>
             <a:endParaRPr lang="nl-BE"/>
           </a:p>
@@ -3159,10 +3332,7 @@
           <a:bodyPr/>
           <a:lstStyle/>
           <a:p>
-            <a:r>
-              <a:rPr lang="nl-BE"/>
-              <a:t>Vesta Tech</a:t>
-            </a:r>
+            <a:endParaRPr lang="nl-BE"/>
           </a:p>
         </p:txBody>
       </p:sp>
@@ -3564,9 +3734,9 @@
           <a:bodyPr/>
           <a:lstStyle/>
           <a:p>
-            <a:fld id="{01781A09-0EBC-4AF3-92BC-F7E30546CE6A}" type="datetime1">
+            <a:fld id="{4E1F9EBD-407C-4898-84C1-F542F8C2F7FD}" type="datetime1">
               <a:rPr lang="nl-BE" smtClean="0"/>
-              <a:t>11/04/2021</a:t>
+              <a:t>14/04/2021</a:t>
             </a:fld>
             <a:endParaRPr lang="nl-BE"/>
           </a:p>
@@ -3845,9 +4015,9 @@
             </a:lvl1pPr>
           </a:lstStyle>
           <a:p>
-            <a:fld id="{E3F10C3C-B9B9-46B0-B27D-AA683196BEF2}" type="datetime1">
+            <a:fld id="{D69C3A6E-622D-4192-879A-8144A850B047}" type="datetime1">
               <a:rPr lang="nl-BE" smtClean="0"/>
-              <a:t>11/04/2021</a:t>
+              <a:t>14/04/2021</a:t>
             </a:fld>
             <a:endParaRPr lang="nl-BE"/>
           </a:p>
@@ -3884,10 +4054,7 @@
             </a:lvl1pPr>
           </a:lstStyle>
           <a:p>
-            <a:r>
-              <a:rPr lang="nl-BE"/>
-              <a:t>Vesta Tech</a:t>
-            </a:r>
+            <a:endParaRPr lang="nl-BE"/>
           </a:p>
         </p:txBody>
       </p:sp>
@@ -4041,7 +4208,7 @@
     <p:sldLayoutId id="2147483694" r:id="rId10"/>
     <p:sldLayoutId id="2147483695" r:id="rId11"/>
   </p:sldLayoutIdLst>
-  <p:hf sldNum="0" hdr="0" dt="0"/>
+  <p:hf sldNum="0" hdr="0" ftr="0" dt="0"/>
   <p:txStyles>
     <p:titleStyle>
       <a:lvl1pPr algn="l" defTabSz="914400" rtl="0" eaLnBrk="1" latinLnBrk="0" hangingPunct="1">
@@ -4434,10 +4601,10 @@
       </p:grpSpPr>
       <p:sp>
         <p:nvSpPr>
-          <p:cNvPr id="3" name="Ondertitel 2">
+          <p:cNvPr id="2" name="Titel 1">
             <a:extLst>
               <a:ext uri="{FF2B5EF4-FFF2-40B4-BE49-F238E27FC236}">
-                <a16:creationId xmlns:a16="http://schemas.microsoft.com/office/drawing/2014/main" id="{2B1E960F-FE23-4A36-88D6-707EE12915F8}"/>
+                <a16:creationId xmlns:a16="http://schemas.microsoft.com/office/drawing/2014/main" id="{2E937CB8-DDAB-453B-999C-4D2AAC848033}"/>
               </a:ext>
             </a:extLst>
           </p:cNvPr>
@@ -4445,13 +4612,13 @@
             <a:spLocks noGrp="1"/>
           </p:cNvSpPr>
           <p:nvPr>
-            <p:ph type="subTitle" idx="1"/>
-          </p:nvPr>
-        </p:nvSpPr>
-        <p:spPr>
-          <a:xfrm>
-            <a:off x="1186319" y="5307597"/>
-            <a:ext cx="10747014" cy="1036657"/>
+            <p:ph type="title"/>
+          </p:nvPr>
+        </p:nvSpPr>
+        <p:spPr>
+          <a:xfrm>
+            <a:off x="1063752" y="1884782"/>
+            <a:ext cx="10058400" cy="1609344"/>
           </a:xfrm>
         </p:spPr>
         <p:txBody>
@@ -4460,19 +4627,21 @@
           </a:bodyPr>
           <a:lstStyle/>
           <a:p>
-            <a:r>
-              <a:rPr lang="nl-BE" sz="1800" dirty="0"/>
-              <a:t>Brian Werbrouck			Jensen Caestecker		Mashal Momand</a:t>
-            </a:r>
-          </a:p>
-        </p:txBody>
-      </p:sp>
-      <p:sp>
-        <p:nvSpPr>
-          <p:cNvPr id="24" name="Titel 1">
+            <a:pPr algn="ctr"/>
+            <a:r>
+              <a:rPr lang="nl-NL" sz="5500" dirty="0"/>
+              <a:t>Bedrijfsbezoek</a:t>
+            </a:r>
+            <a:endParaRPr lang="nl-BE" sz="5500" dirty="0"/>
+          </a:p>
+        </p:txBody>
+      </p:sp>
+      <p:sp>
+        <p:nvSpPr>
+          <p:cNvPr id="3" name="Tijdelijke aanduiding voor inhoud 2">
             <a:extLst>
               <a:ext uri="{FF2B5EF4-FFF2-40B4-BE49-F238E27FC236}">
-                <a16:creationId xmlns:a16="http://schemas.microsoft.com/office/drawing/2014/main" id="{1206FE66-64B7-4037-8770-8F9F9A3E6901}"/>
+                <a16:creationId xmlns:a16="http://schemas.microsoft.com/office/drawing/2014/main" id="{E800CB1F-BD8A-4F49-9AB0-FD428E25C5E9}"/>
               </a:ext>
             </a:extLst>
           </p:cNvPr>
@@ -4480,31 +4649,136 @@
             <a:spLocks noGrp="1"/>
           </p:cNvSpPr>
           <p:nvPr>
-            <p:ph type="ctrTitle"/>
-          </p:nvPr>
-        </p:nvSpPr>
-        <p:spPr>
-          <a:xfrm>
-            <a:off x="1051560" y="1432223"/>
-            <a:ext cx="9966960" cy="3035808"/>
-          </a:xfrm>
-        </p:spPr>
+            <p:ph idx="1"/>
+          </p:nvPr>
+        </p:nvSpPr>
+        <p:spPr/>
         <p:txBody>
           <a:bodyPr/>
           <a:lstStyle/>
           <a:p>
-            <a:pPr algn="ctr"/>
-            <a:r>
-              <a:rPr lang="nl-BE" dirty="0"/>
-              <a:t>Vesta Tech</a:t>
-            </a:r>
-          </a:p>
-        </p:txBody>
-      </p:sp>
+            <a:endParaRPr lang="nl-NL" dirty="0"/>
+          </a:p>
+          <a:p>
+            <a:endParaRPr lang="nl-BE" dirty="0"/>
+          </a:p>
+          <a:p>
+            <a:endParaRPr lang="nl-BE" dirty="0"/>
+          </a:p>
+          <a:p>
+            <a:endParaRPr lang="nl-BE" dirty="0"/>
+          </a:p>
+          <a:p>
+            <a:endParaRPr lang="nl-BE" dirty="0"/>
+          </a:p>
+        </p:txBody>
+      </p:sp>
+      <p:pic>
+        <p:nvPicPr>
+          <p:cNvPr id="8" name="Afbeelding 7">
+            <a:extLst>
+              <a:ext uri="{FF2B5EF4-FFF2-40B4-BE49-F238E27FC236}">
+                <a16:creationId xmlns:a16="http://schemas.microsoft.com/office/drawing/2014/main" id="{5EFBA9C6-DFEA-432E-A657-C5304FAA7B19}"/>
+              </a:ext>
+            </a:extLst>
+          </p:cNvPr>
+          <p:cNvPicPr>
+            <a:picLocks noChangeAspect="1"/>
+          </p:cNvPicPr>
+          <p:nvPr/>
+        </p:nvPicPr>
+        <p:blipFill>
+          <a:blip r:embed="rId2"/>
+          <a:stretch>
+            <a:fillRect/>
+          </a:stretch>
+        </p:blipFill>
+        <p:spPr>
+          <a:xfrm>
+            <a:off x="2895800" y="629161"/>
+            <a:ext cx="7221493" cy="967025"/>
+          </a:xfrm>
+          <a:prstGeom prst="rect">
+            <a:avLst/>
+          </a:prstGeom>
+        </p:spPr>
+      </p:pic>
+      <p:pic>
+        <p:nvPicPr>
+          <p:cNvPr id="10" name="Afbeelding 9" descr="Afbeelding met persoon, person, staand&#10;&#10;Automatisch gegenereerde beschrijving">
+            <a:extLst>
+              <a:ext uri="{FF2B5EF4-FFF2-40B4-BE49-F238E27FC236}">
+                <a16:creationId xmlns:a16="http://schemas.microsoft.com/office/drawing/2014/main" id="{AFEAF509-27C1-4F23-A427-7E208246F63B}"/>
+              </a:ext>
+            </a:extLst>
+          </p:cNvPr>
+          <p:cNvPicPr>
+            <a:picLocks noChangeAspect="1"/>
+          </p:cNvPicPr>
+          <p:nvPr/>
+        </p:nvPicPr>
+        <p:blipFill>
+          <a:blip r:embed="rId3">
+            <a:extLst>
+              <a:ext uri="{28A0092B-C50C-407E-A947-70E740481C1C}">
+                <a14:useLocalDpi xmlns:a14="http://schemas.microsoft.com/office/drawing/2010/main" val="0"/>
+              </a:ext>
+            </a:extLst>
+          </a:blip>
+          <a:stretch>
+            <a:fillRect/>
+          </a:stretch>
+        </p:blipFill>
+        <p:spPr>
+          <a:xfrm>
+            <a:off x="6412667" y="3382100"/>
+            <a:ext cx="4721677" cy="3147784"/>
+          </a:xfrm>
+          <a:prstGeom prst="rect">
+            <a:avLst/>
+          </a:prstGeom>
+        </p:spPr>
+      </p:pic>
+      <p:pic>
+        <p:nvPicPr>
+          <p:cNvPr id="12" name="Afbeelding 11" descr="Afbeelding met binnen, plafond, vloer&#10;&#10;Automatisch gegenereerde beschrijving">
+            <a:extLst>
+              <a:ext uri="{FF2B5EF4-FFF2-40B4-BE49-F238E27FC236}">
+                <a16:creationId xmlns:a16="http://schemas.microsoft.com/office/drawing/2014/main" id="{37095683-DE90-4CFF-B4BA-3EF393FA6006}"/>
+              </a:ext>
+            </a:extLst>
+          </p:cNvPr>
+          <p:cNvPicPr>
+            <a:picLocks noChangeAspect="1"/>
+          </p:cNvPicPr>
+          <p:nvPr/>
+        </p:nvPicPr>
+        <p:blipFill>
+          <a:blip r:embed="rId4">
+            <a:extLst>
+              <a:ext uri="{28A0092B-C50C-407E-A947-70E740481C1C}">
+                <a14:useLocalDpi xmlns:a14="http://schemas.microsoft.com/office/drawing/2010/main" val="0"/>
+              </a:ext>
+            </a:extLst>
+          </a:blip>
+          <a:stretch>
+            <a:fillRect/>
+          </a:stretch>
+        </p:blipFill>
+        <p:spPr>
+          <a:xfrm>
+            <a:off x="1057656" y="3382100"/>
+            <a:ext cx="4752536" cy="3147784"/>
+          </a:xfrm>
+          <a:prstGeom prst="rect">
+            <a:avLst/>
+          </a:prstGeom>
+        </p:spPr>
+      </p:pic>
     </p:spTree>
     <p:extLst>
       <p:ext uri="{BB962C8B-B14F-4D97-AF65-F5344CB8AC3E}">
-        <p14:creationId xmlns:p14="http://schemas.microsoft.com/office/powerpoint/2010/main" val="2241345733"/>
+        <p14:creationId xmlns:p14="http://schemas.microsoft.com/office/powerpoint/2010/main" val="53895302"/>
       </p:ext>
     </p:extLst>
   </p:cSld>
@@ -4517,6 +4791,14 @@
 <file path=ppt/slides/slide10.xml><?xml version="1.0" encoding="utf-8"?>
 <p:sld xmlns:a="http://schemas.openxmlformats.org/drawingml/2006/main" xmlns:r="http://schemas.openxmlformats.org/officeDocument/2006/relationships" xmlns:p="http://schemas.openxmlformats.org/presentationml/2006/main">
   <p:cSld>
+    <p:bg>
+      <p:bgPr>
+        <a:solidFill>
+          <a:schemeClr val="bg1"/>
+        </a:solidFill>
+        <a:effectLst/>
+      </p:bgPr>
+    </p:bg>
     <p:spTree>
       <p:nvGrpSpPr>
         <p:cNvPr id="1" name=""/>
@@ -4536,7 +4818,7 @@
           <p:cNvPr id="2" name="Titel 1">
             <a:extLst>
               <a:ext uri="{FF2B5EF4-FFF2-40B4-BE49-F238E27FC236}">
-                <a16:creationId xmlns:a16="http://schemas.microsoft.com/office/drawing/2014/main" id="{60C9325F-6050-4E77-905E-3727A4CFD5E7}"/>
+                <a16:creationId xmlns:a16="http://schemas.microsoft.com/office/drawing/2014/main" id="{DC58BEB4-7D22-4D3D-A743-317FAAF29619}"/>
               </a:ext>
             </a:extLst>
           </p:cNvPr>
@@ -4547,21 +4829,32 @@
             <p:ph type="title"/>
           </p:nvPr>
         </p:nvSpPr>
-        <p:spPr/>
-        <p:txBody>
-          <a:bodyPr/>
+        <p:spPr>
+          <a:xfrm>
+            <a:off x="1069848" y="484632"/>
+            <a:ext cx="10058400" cy="1609344"/>
+          </a:xfrm>
+        </p:spPr>
+        <p:txBody>
+          <a:bodyPr>
+            <a:normAutofit/>
+          </a:bodyPr>
           <a:lstStyle/>
           <a:p>
-            <a:endParaRPr lang="nl-BE"/>
-          </a:p>
-        </p:txBody>
-      </p:sp>
-      <p:sp>
-        <p:nvSpPr>
-          <p:cNvPr id="3" name="Tijdelijke aanduiding voor inhoud 2">
+            <a:r>
+              <a:rPr lang="nl-NL" sz="3000" dirty="0"/>
+              <a:t>Soft-skills binnen het bedrijf</a:t>
+            </a:r>
+            <a:endParaRPr lang="nl-BE" sz="3000" dirty="0"/>
+          </a:p>
+        </p:txBody>
+      </p:sp>
+      <p:sp>
+        <p:nvSpPr>
+          <p:cNvPr id="9" name="Content Placeholder 8">
             <a:extLst>
               <a:ext uri="{FF2B5EF4-FFF2-40B4-BE49-F238E27FC236}">
-                <a16:creationId xmlns:a16="http://schemas.microsoft.com/office/drawing/2014/main" id="{F3104991-7DAF-4ADF-8F45-076106BCC6CB}"/>
+                <a16:creationId xmlns:a16="http://schemas.microsoft.com/office/drawing/2014/main" id="{10F59025-194D-4726-B6A2-1270EA3F4636}"/>
               </a:ext>
             </a:extLst>
           </p:cNvPr>
@@ -4572,47 +4865,78 @@
             <p:ph idx="1"/>
           </p:nvPr>
         </p:nvSpPr>
-        <p:spPr/>
-        <p:txBody>
-          <a:bodyPr/>
+        <p:spPr>
+          <a:xfrm>
+            <a:off x="1069848" y="2121408"/>
+            <a:ext cx="4759452" cy="4050792"/>
+          </a:xfrm>
+        </p:spPr>
+        <p:txBody>
+          <a:bodyPr>
+            <a:normAutofit/>
+          </a:bodyPr>
           <a:lstStyle/>
           <a:p>
-            <a:endParaRPr lang="nl-BE"/>
-          </a:p>
-        </p:txBody>
-      </p:sp>
-      <p:sp>
-        <p:nvSpPr>
-          <p:cNvPr id="4" name="Tijdelijke aanduiding voor voettekst 3">
+            <a:r>
+              <a:rPr lang="en-US" dirty="0">
+                <a:highlight>
+                  <a:srgbClr val="FFFF00"/>
+                </a:highlight>
+              </a:rPr>
+              <a:t>NOG AAN TE VULLEN</a:t>
+            </a:r>
+          </a:p>
+        </p:txBody>
+      </p:sp>
+      <p:pic>
+        <p:nvPicPr>
+          <p:cNvPr id="6" name="Picture 4" descr="Free download Starting a Campus Wide Competency Development Program  Different [961x600] for your Desktop, Mobile &amp; Tablet | Explore 39+ Common  Backgrounds | Common Backgrounds, Common Loon Wallpaper Border, Common Cell  Phone Wallpaper Sizes">
             <a:extLst>
               <a:ext uri="{FF2B5EF4-FFF2-40B4-BE49-F238E27FC236}">
-                <a16:creationId xmlns:a16="http://schemas.microsoft.com/office/drawing/2014/main" id="{901E35B9-277D-4E39-8E66-0AFAAB59533A}"/>
+                <a16:creationId xmlns:a16="http://schemas.microsoft.com/office/drawing/2014/main" id="{D562BF87-EC30-44E3-B5D7-BA3B5F183E81}"/>
               </a:ext>
             </a:extLst>
           </p:cNvPr>
-          <p:cNvSpPr>
-            <a:spLocks noGrp="1"/>
-          </p:cNvSpPr>
-          <p:nvPr>
-            <p:ph type="ftr" sz="quarter" idx="11"/>
-          </p:nvPr>
-        </p:nvSpPr>
-        <p:spPr/>
-        <p:txBody>
-          <a:bodyPr/>
-          <a:lstStyle/>
-          <a:p>
-            <a:r>
-              <a:rPr lang="nl-BE"/>
-              <a:t>Vesta Tech</a:t>
-            </a:r>
-          </a:p>
-        </p:txBody>
-      </p:sp>
+          <p:cNvPicPr>
+            <a:picLocks noChangeAspect="1" noChangeArrowheads="1"/>
+          </p:cNvPicPr>
+          <p:nvPr/>
+        </p:nvPicPr>
+        <p:blipFill rotWithShape="1">
+          <a:blip r:embed="rId2">
+            <a:extLst>
+              <a:ext uri="{28A0092B-C50C-407E-A947-70E740481C1C}">
+                <a14:useLocalDpi xmlns:a14="http://schemas.microsoft.com/office/drawing/2010/main" val="0"/>
+              </a:ext>
+            </a:extLst>
+          </a:blip>
+          <a:srcRect l="15832" t="-1330" r="16486" b="-2921"/>
+          <a:stretch/>
+        </p:blipFill>
+        <p:spPr bwMode="auto">
+          <a:xfrm>
+            <a:off x="7083023" y="1994210"/>
+            <a:ext cx="4039129" cy="3888476"/>
+          </a:xfrm>
+          <a:prstGeom prst="rect">
+            <a:avLst/>
+          </a:prstGeom>
+          <a:noFill/>
+          <a:extLst>
+            <a:ext uri="{909E8E84-426E-40DD-AFC4-6F175D3DCCD1}">
+              <a14:hiddenFill xmlns:a14="http://schemas.microsoft.com/office/drawing/2010/main">
+                <a:solidFill>
+                  <a:srgbClr val="FFFFFF"/>
+                </a:solidFill>
+              </a14:hiddenFill>
+            </a:ext>
+          </a:extLst>
+        </p:spPr>
+      </p:pic>
     </p:spTree>
     <p:extLst>
       <p:ext uri="{BB962C8B-B14F-4D97-AF65-F5344CB8AC3E}">
-        <p14:creationId xmlns:p14="http://schemas.microsoft.com/office/powerpoint/2010/main" val="4196018589"/>
+        <p14:creationId xmlns:p14="http://schemas.microsoft.com/office/powerpoint/2010/main" val="1317700619"/>
       </p:ext>
     </p:extLst>
   </p:cSld>
@@ -4644,7 +4968,7 @@
           <p:cNvPr id="2" name="Titel 1">
             <a:extLst>
               <a:ext uri="{FF2B5EF4-FFF2-40B4-BE49-F238E27FC236}">
-                <a16:creationId xmlns:a16="http://schemas.microsoft.com/office/drawing/2014/main" id="{FDCF992C-E1CC-4545-911B-911AC587BD46}"/>
+                <a16:creationId xmlns:a16="http://schemas.microsoft.com/office/drawing/2014/main" id="{8A366717-BB07-4383-8441-9315118D613F}"/>
               </a:ext>
             </a:extLst>
           </p:cNvPr>
@@ -4655,72 +4979,114 @@
             <p:ph type="title"/>
           </p:nvPr>
         </p:nvSpPr>
-        <p:spPr/>
-        <p:txBody>
-          <a:bodyPr/>
+        <p:spPr>
+          <a:xfrm>
+            <a:off x="1069848" y="484632"/>
+            <a:ext cx="10058400" cy="1464366"/>
+          </a:xfrm>
+        </p:spPr>
+        <p:txBody>
+          <a:bodyPr>
+            <a:normAutofit/>
+          </a:bodyPr>
           <a:lstStyle/>
           <a:p>
-            <a:endParaRPr lang="nl-BE"/>
-          </a:p>
-        </p:txBody>
-      </p:sp>
-      <p:sp>
-        <p:nvSpPr>
-          <p:cNvPr id="3" name="Tijdelijke aanduiding voor inhoud 2">
+            <a:r>
+              <a:rPr lang="nl-NL" sz="3000" dirty="0"/>
+              <a:t>Programma</a:t>
+            </a:r>
+            <a:endParaRPr lang="nl-BE" sz="3000" dirty="0"/>
+          </a:p>
+        </p:txBody>
+      </p:sp>
+      <p:sp>
+        <p:nvSpPr>
+          <p:cNvPr id="8" name="Rechthoek: afgeronde hoeken 7">
             <a:extLst>
               <a:ext uri="{FF2B5EF4-FFF2-40B4-BE49-F238E27FC236}">
-                <a16:creationId xmlns:a16="http://schemas.microsoft.com/office/drawing/2014/main" id="{BD9B5F21-B17C-4BF4-A53D-51741D1C3895}"/>
+                <a16:creationId xmlns:a16="http://schemas.microsoft.com/office/drawing/2014/main" id="{D489265B-0CF1-4F6B-AF3F-1B407F984688}"/>
               </a:ext>
             </a:extLst>
           </p:cNvPr>
-          <p:cNvSpPr>
-            <a:spLocks noGrp="1"/>
-          </p:cNvSpPr>
-          <p:nvPr>
-            <p:ph idx="1"/>
-          </p:nvPr>
-        </p:nvSpPr>
-        <p:spPr/>
-        <p:txBody>
-          <a:bodyPr/>
+          <p:cNvSpPr/>
+          <p:nvPr/>
+        </p:nvSpPr>
+        <p:spPr>
+          <a:xfrm>
+            <a:off x="9252855" y="2153319"/>
+            <a:ext cx="2453951" cy="3489649"/>
+          </a:xfrm>
+          <a:prstGeom prst="roundRect">
+            <a:avLst/>
+          </a:prstGeom>
+        </p:spPr>
+        <p:style>
+          <a:lnRef idx="2">
+            <a:schemeClr val="accent6"/>
+          </a:lnRef>
+          <a:fillRef idx="1">
+            <a:schemeClr val="lt1"/>
+          </a:fillRef>
+          <a:effectRef idx="0">
+            <a:schemeClr val="accent6"/>
+          </a:effectRef>
+          <a:fontRef idx="minor">
+            <a:schemeClr val="dk1"/>
+          </a:fontRef>
+        </p:style>
+        <p:txBody>
+          <a:bodyPr rtlCol="0" anchor="ctr"/>
           <a:lstStyle/>
           <a:p>
-            <a:endParaRPr lang="nl-BE"/>
-          </a:p>
-        </p:txBody>
-      </p:sp>
-      <p:sp>
-        <p:nvSpPr>
-          <p:cNvPr id="4" name="Tijdelijke aanduiding voor voettekst 3">
+            <a:pPr algn="ctr"/>
+            <a:r>
+              <a:rPr lang="nl-NL" dirty="0"/>
+              <a:t>Soft-skills bij te schaven</a:t>
+            </a:r>
+            <a:endParaRPr lang="nl-BE" dirty="0"/>
+          </a:p>
+        </p:txBody>
+      </p:sp>
+      <p:pic>
+        <p:nvPicPr>
+          <p:cNvPr id="16" name="Afbeelding 15">
             <a:extLst>
               <a:ext uri="{FF2B5EF4-FFF2-40B4-BE49-F238E27FC236}">
-                <a16:creationId xmlns:a16="http://schemas.microsoft.com/office/drawing/2014/main" id="{836A5228-C6F0-4A66-AB74-EBEAC6F891B0}"/>
+                <a16:creationId xmlns:a16="http://schemas.microsoft.com/office/drawing/2014/main" id="{3C297358-F4F7-4202-AE34-FC1FC0652112}"/>
               </a:ext>
             </a:extLst>
           </p:cNvPr>
-          <p:cNvSpPr>
-            <a:spLocks noGrp="1"/>
-          </p:cNvSpPr>
-          <p:nvPr>
-            <p:ph type="ftr" sz="quarter" idx="11"/>
-          </p:nvPr>
-        </p:nvSpPr>
-        <p:spPr/>
-        <p:txBody>
-          <a:bodyPr/>
-          <a:lstStyle/>
-          <a:p>
-            <a:r>
-              <a:rPr lang="nl-BE"/>
-              <a:t>Vesta Tech</a:t>
-            </a:r>
-          </a:p>
-        </p:txBody>
-      </p:sp>
+          <p:cNvPicPr>
+            <a:picLocks noChangeAspect="1"/>
+          </p:cNvPicPr>
+          <p:nvPr/>
+        </p:nvPicPr>
+        <p:blipFill>
+          <a:blip r:embed="rId2">
+            <a:extLst>
+              <a:ext uri="{28A0092B-C50C-407E-A947-70E740481C1C}">
+                <a14:useLocalDpi xmlns:a14="http://schemas.microsoft.com/office/drawing/2010/main" val="0"/>
+              </a:ext>
+            </a:extLst>
+          </a:blip>
+          <a:stretch>
+            <a:fillRect/>
+          </a:stretch>
+        </p:blipFill>
+        <p:spPr>
+          <a:xfrm>
+            <a:off x="9845846" y="2425325"/>
+            <a:ext cx="1173607" cy="1173607"/>
+          </a:xfrm>
+          <a:prstGeom prst="rect">
+            <a:avLst/>
+          </a:prstGeom>
+        </p:spPr>
+      </p:pic>
     </p:spTree>
     <p:extLst>
       <p:ext uri="{BB962C8B-B14F-4D97-AF65-F5344CB8AC3E}">
-        <p14:creationId xmlns:p14="http://schemas.microsoft.com/office/powerpoint/2010/main" val="2347237809"/>
+        <p14:creationId xmlns:p14="http://schemas.microsoft.com/office/powerpoint/2010/main" val="1346236096"/>
       </p:ext>
     </p:extLst>
   </p:cSld>
@@ -4733,14 +5099,6 @@
 <file path=ppt/slides/slide12.xml><?xml version="1.0" encoding="utf-8"?>
 <p:sld xmlns:a="http://schemas.openxmlformats.org/drawingml/2006/main" xmlns:r="http://schemas.openxmlformats.org/officeDocument/2006/relationships" xmlns:p="http://schemas.openxmlformats.org/presentationml/2006/main">
   <p:cSld>
-    <p:bg>
-      <p:bgPr>
-        <a:solidFill>
-          <a:schemeClr val="bg1"/>
-        </a:solidFill>
-        <a:effectLst/>
-      </p:bgPr>
-    </p:bg>
     <p:spTree>
       <p:nvGrpSpPr>
         <p:cNvPr id="1" name=""/>
@@ -4757,1249 +5115,353 @@
       </p:grpSpPr>
       <p:sp>
         <p:nvSpPr>
-          <p:cNvPr id="71" name="Rectangle 70">
+          <p:cNvPr id="2" name="Titel 1">
             <a:extLst>
               <a:ext uri="{FF2B5EF4-FFF2-40B4-BE49-F238E27FC236}">
-                <a16:creationId xmlns:a16="http://schemas.microsoft.com/office/drawing/2014/main" id="{5CCCD99C-7D8E-4797-981B-A22148DEBAD1}"/>
-              </a:ext>
-              <a:ext uri="{C183D7F6-B498-43B3-948B-1728B52AA6E4}">
-                <adec:decorative xmlns:adec="http://schemas.microsoft.com/office/drawing/2017/decorative" val="1"/>
+                <a16:creationId xmlns:a16="http://schemas.microsoft.com/office/drawing/2014/main" id="{DC58BEB4-7D22-4D3D-A743-317FAAF29619}"/>
               </a:ext>
             </a:extLst>
           </p:cNvPr>
           <p:cNvSpPr>
-            <a:spLocks noGrp="1" noRot="1" noChangeAspect="1" noMove="1" noResize="1" noEditPoints="1" noAdjustHandles="1" noChangeArrowheads="1" noChangeShapeType="1" noTextEdit="1"/>
-          </p:cNvSpPr>
-          <p:nvPr>
-            <p:extLst>
-              <p:ext uri="{386F3935-93C4-4BCD-93E2-E3B085C9AB24}">
-                <p16:designElem xmlns:p16="http://schemas.microsoft.com/office/powerpoint/2015/main" val="1"/>
-              </p:ext>
-            </p:extLst>
-          </p:nvPr>
-        </p:nvSpPr>
-        <p:spPr>
-          <a:xfrm>
-            <a:off x="920834" y="1346946"/>
-            <a:ext cx="10222992" cy="80683"/>
-          </a:xfrm>
-          <a:prstGeom prst="rect">
-            <a:avLst/>
-          </a:prstGeom>
-          <a:blipFill dpi="0" rotWithShape="1">
-            <a:blip r:embed="rId2">
-              <a:alphaModFix amt="83000"/>
-              <a:lum bright="70000" contrast="-70000"/>
-              <a:extLst>
-                <a:ext uri="{BEBA8EAE-BF5A-486C-A8C5-ECC9F3942E4B}">
-                  <a14:imgProps xmlns:a14="http://schemas.microsoft.com/office/drawing/2010/main">
-                    <a14:imgLayer r:embed="rId3">
-                      <a14:imgEffect>
-                        <a14:sharpenSoften amount="61000"/>
-                      </a14:imgEffect>
-                    </a14:imgLayer>
-                  </a14:imgProps>
-                </a:ext>
-                <a:ext uri="{28A0092B-C50C-407E-A947-70E740481C1C}">
-                  <a14:useLocalDpi xmlns:a14="http://schemas.microsoft.com/office/drawing/2010/main" val="0"/>
-                </a:ext>
-              </a:extLst>
-            </a:blip>
-            <a:srcRect/>
-            <a:tile tx="0" ty="-762000" sx="92000" sy="89000" flip="xy" algn="ctr"/>
-          </a:blipFill>
-          <a:ln>
-            <a:noFill/>
-          </a:ln>
-        </p:spPr>
-        <p:style>
-          <a:lnRef idx="2">
-            <a:schemeClr val="accent1">
-              <a:shade val="50000"/>
-            </a:schemeClr>
-          </a:lnRef>
-          <a:fillRef idx="1">
-            <a:schemeClr val="accent1"/>
-          </a:fillRef>
-          <a:effectRef idx="0">
-            <a:schemeClr val="accent1"/>
-          </a:effectRef>
-          <a:fontRef idx="minor">
-            <a:schemeClr val="lt1"/>
-          </a:fontRef>
-        </p:style>
-        <p:txBody>
-          <a:bodyPr rtlCol="0" anchor="ctr"/>
+            <a:spLocks noGrp="1"/>
+          </p:cNvSpPr>
+          <p:nvPr>
+            <p:ph type="title"/>
+          </p:nvPr>
+        </p:nvSpPr>
+        <p:spPr>
+          <a:xfrm>
+            <a:off x="1069848" y="484632"/>
+            <a:ext cx="10058400" cy="1609344"/>
+          </a:xfrm>
+        </p:spPr>
+        <p:txBody>
+          <a:bodyPr>
+            <a:normAutofit/>
+          </a:bodyPr>
           <a:lstStyle/>
           <a:p>
-            <a:pPr algn="ctr"/>
-            <a:endParaRPr lang="en-US"/>
-          </a:p>
-        </p:txBody>
-      </p:sp>
-      <p:sp>
-        <p:nvSpPr>
-          <p:cNvPr id="73" name="Rectangle 72">
+            <a:r>
+              <a:rPr lang="nl-NL" sz="3000" dirty="0"/>
+              <a:t>Soft-skills bij te schaven</a:t>
+            </a:r>
+            <a:endParaRPr lang="nl-BE" sz="3000" dirty="0"/>
+          </a:p>
+        </p:txBody>
+      </p:sp>
+      <p:sp>
+        <p:nvSpPr>
+          <p:cNvPr id="9" name="Content Placeholder 8">
             <a:extLst>
               <a:ext uri="{FF2B5EF4-FFF2-40B4-BE49-F238E27FC236}">
-                <a16:creationId xmlns:a16="http://schemas.microsoft.com/office/drawing/2014/main" id="{090C743A-8661-482F-9A41-8A7025172C5C}"/>
-              </a:ext>
-              <a:ext uri="{C183D7F6-B498-43B3-948B-1728B52AA6E4}">
-                <adec:decorative xmlns:adec="http://schemas.microsoft.com/office/drawing/2017/decorative" val="1"/>
+                <a16:creationId xmlns:a16="http://schemas.microsoft.com/office/drawing/2014/main" id="{10F59025-194D-4726-B6A2-1270EA3F4636}"/>
               </a:ext>
             </a:extLst>
           </p:cNvPr>
           <p:cNvSpPr>
-            <a:spLocks noGrp="1" noRot="1" noChangeAspect="1" noMove="1" noResize="1" noEditPoints="1" noAdjustHandles="1" noChangeArrowheads="1" noChangeShapeType="1" noTextEdit="1"/>
-          </p:cNvSpPr>
-          <p:nvPr>
-            <p:extLst>
-              <p:ext uri="{386F3935-93C4-4BCD-93E2-E3B085C9AB24}">
-                <p16:designElem xmlns:p16="http://schemas.microsoft.com/office/powerpoint/2015/main" val="1"/>
-              </p:ext>
-            </p:extLst>
-          </p:nvPr>
-        </p:nvSpPr>
-        <p:spPr>
-          <a:xfrm>
-            <a:off x="920834" y="4299696"/>
-            <a:ext cx="10222992" cy="80683"/>
-          </a:xfrm>
-          <a:prstGeom prst="rect">
-            <a:avLst/>
-          </a:prstGeom>
-          <a:blipFill dpi="0" rotWithShape="1">
-            <a:blip r:embed="rId2">
-              <a:alphaModFix amt="83000"/>
-              <a:lum bright="70000" contrast="-70000"/>
-              <a:extLst>
-                <a:ext uri="{BEBA8EAE-BF5A-486C-A8C5-ECC9F3942E4B}">
-                  <a14:imgProps xmlns:a14="http://schemas.microsoft.com/office/drawing/2010/main">
-                    <a14:imgLayer r:embed="rId3">
-                      <a14:imgEffect>
-                        <a14:sharpenSoften amount="61000"/>
-                      </a14:imgEffect>
-                    </a14:imgLayer>
-                  </a14:imgProps>
-                </a:ext>
-                <a:ext uri="{28A0092B-C50C-407E-A947-70E740481C1C}">
-                  <a14:useLocalDpi xmlns:a14="http://schemas.microsoft.com/office/drawing/2010/main" val="0"/>
-                </a:ext>
-              </a:extLst>
-            </a:blip>
-            <a:srcRect/>
-            <a:tile tx="0" ty="-717550" sx="92000" sy="89000" flip="xy" algn="ctr"/>
-          </a:blipFill>
-          <a:ln>
-            <a:noFill/>
-          </a:ln>
-        </p:spPr>
-        <p:style>
-          <a:lnRef idx="2">
-            <a:schemeClr val="accent1">
-              <a:shade val="50000"/>
-            </a:schemeClr>
-          </a:lnRef>
-          <a:fillRef idx="1">
-            <a:schemeClr val="accent1"/>
-          </a:fillRef>
-          <a:effectRef idx="0">
-            <a:schemeClr val="accent1"/>
-          </a:effectRef>
-          <a:fontRef idx="minor">
-            <a:schemeClr val="lt1"/>
-          </a:fontRef>
-        </p:style>
-        <p:txBody>
-          <a:bodyPr rtlCol="0" anchor="ctr"/>
+            <a:spLocks noGrp="1"/>
+          </p:cNvSpPr>
+          <p:nvPr>
+            <p:ph idx="1"/>
+          </p:nvPr>
+        </p:nvSpPr>
+        <p:spPr>
+          <a:xfrm>
+            <a:off x="1069848" y="2121408"/>
+            <a:ext cx="4759452" cy="4050792"/>
+          </a:xfrm>
+        </p:spPr>
+        <p:txBody>
+          <a:bodyPr>
+            <a:normAutofit/>
+          </a:bodyPr>
           <a:lstStyle/>
           <a:p>
-            <a:pPr algn="ctr"/>
-            <a:endParaRPr lang="en-US"/>
-          </a:p>
-        </p:txBody>
-      </p:sp>
-      <p:sp>
-        <p:nvSpPr>
-          <p:cNvPr id="75" name="Rectangle 74">
+            <a:r>
+              <a:rPr lang="en-US" dirty="0">
+                <a:highlight>
+                  <a:srgbClr val="FFFF00"/>
+                </a:highlight>
+              </a:rPr>
+              <a:t>NOG AAN TE VULLEN</a:t>
+            </a:r>
+          </a:p>
+        </p:txBody>
+      </p:sp>
+    </p:spTree>
+    <p:extLst>
+      <p:ext uri="{BB962C8B-B14F-4D97-AF65-F5344CB8AC3E}">
+        <p14:creationId xmlns:p14="http://schemas.microsoft.com/office/powerpoint/2010/main" val="4270059302"/>
+      </p:ext>
+    </p:extLst>
+  </p:cSld>
+  <p:clrMapOvr>
+    <a:masterClrMapping/>
+  </p:clrMapOvr>
+</p:sld>
+</file>
+
+<file path=ppt/slides/slide13.xml><?xml version="1.0" encoding="utf-8"?>
+<p:sld xmlns:a="http://schemas.openxmlformats.org/drawingml/2006/main" xmlns:r="http://schemas.openxmlformats.org/officeDocument/2006/relationships" xmlns:p="http://schemas.openxmlformats.org/presentationml/2006/main">
+  <p:cSld>
+    <p:spTree>
+      <p:nvGrpSpPr>
+        <p:cNvPr id="1" name=""/>
+        <p:cNvGrpSpPr/>
+        <p:nvPr/>
+      </p:nvGrpSpPr>
+      <p:grpSpPr>
+        <a:xfrm>
+          <a:off x="0" y="0"/>
+          <a:ext cx="0" cy="0"/>
+          <a:chOff x="0" y="0"/>
+          <a:chExt cx="0" cy="0"/>
+        </a:xfrm>
+      </p:grpSpPr>
+      <p:sp>
+        <p:nvSpPr>
+          <p:cNvPr id="2" name="Titel 1">
             <a:extLst>
               <a:ext uri="{FF2B5EF4-FFF2-40B4-BE49-F238E27FC236}">
-                <a16:creationId xmlns:a16="http://schemas.microsoft.com/office/drawing/2014/main" id="{594477E0-CE85-4388-9987-2E6C9BFECBE2}"/>
-              </a:ext>
-              <a:ext uri="{C183D7F6-B498-43B3-948B-1728B52AA6E4}">
-                <adec:decorative xmlns:adec="http://schemas.microsoft.com/office/drawing/2017/decorative" val="1"/>
+                <a16:creationId xmlns:a16="http://schemas.microsoft.com/office/drawing/2014/main" id="{DCD77A11-3EFE-4A88-834D-CF39A1A85886}"/>
               </a:ext>
             </a:extLst>
           </p:cNvPr>
           <p:cNvSpPr>
-            <a:spLocks noGrp="1" noRot="1" noChangeAspect="1" noMove="1" noResize="1" noEditPoints="1" noAdjustHandles="1" noChangeArrowheads="1" noChangeShapeType="1" noTextEdit="1"/>
-          </p:cNvSpPr>
-          <p:nvPr>
-            <p:extLst>
-              <p:ext uri="{386F3935-93C4-4BCD-93E2-E3B085C9AB24}">
-                <p16:designElem xmlns:p16="http://schemas.microsoft.com/office/powerpoint/2015/main" val="1"/>
-              </p:ext>
-            </p:extLst>
-          </p:nvPr>
-        </p:nvSpPr>
-        <p:spPr>
-          <a:xfrm>
-            <a:off x="920834" y="1484779"/>
-            <a:ext cx="10222992" cy="2743200"/>
-          </a:xfrm>
-          <a:prstGeom prst="rect">
-            <a:avLst/>
-          </a:prstGeom>
-          <a:blipFill dpi="0" rotWithShape="1">
-            <a:blip r:embed="rId2">
-              <a:alphaModFix amt="83000"/>
-              <a:lum bright="70000" contrast="-70000"/>
-              <a:extLst>
-                <a:ext uri="{BEBA8EAE-BF5A-486C-A8C5-ECC9F3942E4B}">
-                  <a14:imgProps xmlns:a14="http://schemas.microsoft.com/office/drawing/2010/main">
-                    <a14:imgLayer r:embed="rId3">
-                      <a14:imgEffect>
-                        <a14:sharpenSoften amount="61000"/>
-                      </a14:imgEffect>
-                    </a14:imgLayer>
-                  </a14:imgProps>
-                </a:ext>
-                <a:ext uri="{28A0092B-C50C-407E-A947-70E740481C1C}">
-                  <a14:useLocalDpi xmlns:a14="http://schemas.microsoft.com/office/drawing/2010/main" val="0"/>
-                </a:ext>
-              </a:extLst>
-            </a:blip>
-            <a:srcRect/>
-            <a:tile tx="0" ty="-704850" sx="92000" sy="89000" flip="xy" algn="ctr"/>
-          </a:blipFill>
-          <a:ln>
-            <a:noFill/>
-          </a:ln>
-        </p:spPr>
-        <p:style>
-          <a:lnRef idx="2">
-            <a:schemeClr val="accent1">
-              <a:shade val="50000"/>
-            </a:schemeClr>
-          </a:lnRef>
-          <a:fillRef idx="1">
-            <a:schemeClr val="accent1"/>
-          </a:fillRef>
-          <a:effectRef idx="0">
-            <a:schemeClr val="accent1"/>
-          </a:effectRef>
-          <a:fontRef idx="minor">
-            <a:schemeClr val="lt1"/>
-          </a:fontRef>
-        </p:style>
-        <p:txBody>
-          <a:bodyPr rtlCol="0" anchor="ctr"/>
+            <a:spLocks noGrp="1"/>
+          </p:cNvSpPr>
+          <p:nvPr>
+            <p:ph type="title"/>
+          </p:nvPr>
+        </p:nvSpPr>
+        <p:spPr/>
+        <p:txBody>
+          <a:bodyPr/>
           <a:lstStyle/>
           <a:p>
-            <a:pPr algn="ctr"/>
-            <a:endParaRPr lang="en-US"/>
-          </a:p>
-        </p:txBody>
-      </p:sp>
-      <p:grpSp>
-        <p:nvGrpSpPr>
-          <p:cNvPr id="77" name="Group 76">
+            <a:r>
+              <a:rPr lang="nl-NL" dirty="0"/>
+              <a:t>Antwoord</a:t>
+            </a:r>
+            <a:endParaRPr lang="nl-BE" dirty="0"/>
+          </a:p>
+        </p:txBody>
+      </p:sp>
+      <p:sp>
+        <p:nvSpPr>
+          <p:cNvPr id="8" name="Tijdelijke aanduiding voor inhoud 7">
             <a:extLst>
               <a:ext uri="{FF2B5EF4-FFF2-40B4-BE49-F238E27FC236}">
-                <a16:creationId xmlns:a16="http://schemas.microsoft.com/office/drawing/2014/main" id="{1D10CA79-B03E-42D2-AD45-46B9BA89E128}"/>
-              </a:ext>
-              <a:ext uri="{C183D7F6-B498-43B3-948B-1728B52AA6E4}">
-                <adec:decorative xmlns:adec="http://schemas.microsoft.com/office/drawing/2017/decorative" val="1"/>
+                <a16:creationId xmlns:a16="http://schemas.microsoft.com/office/drawing/2014/main" id="{0B80FA26-ED1F-4D57-942C-9E7B5337BA73}"/>
               </a:ext>
             </a:extLst>
           </p:cNvPr>
-          <p:cNvGrpSpPr>
-            <a:grpSpLocks noGrp="1" noUngrp="1" noRot="1" noChangeAspect="1" noMove="1" noResize="1"/>
-          </p:cNvGrpSpPr>
-          <p:nvPr>
-            <p:extLst>
-              <p:ext uri="{386F3935-93C4-4BCD-93E2-E3B085C9AB24}">
-                <p16:designElem xmlns:p16="http://schemas.microsoft.com/office/powerpoint/2015/main" val="1"/>
-              </p:ext>
-            </p:extLst>
-          </p:nvPr>
-        </p:nvGrpSpPr>
-        <p:grpSpPr>
-          <a:xfrm>
-            <a:off x="9649215" y="4068923"/>
-            <a:ext cx="1080904" cy="1080902"/>
-            <a:chOff x="9685338" y="4460675"/>
-            <a:chExt cx="1080904" cy="1080902"/>
-          </a:xfrm>
-        </p:grpSpPr>
-        <p:sp>
-          <p:nvSpPr>
-            <p:cNvPr id="78" name="Oval 77">
-              <a:extLst>
-                <a:ext uri="{FF2B5EF4-FFF2-40B4-BE49-F238E27FC236}">
-                  <a16:creationId xmlns:a16="http://schemas.microsoft.com/office/drawing/2014/main" id="{985D6C09-FCD4-49C5-90D8-D91E4018255A}"/>
-                </a:ext>
-                <a:ext uri="{C183D7F6-B498-43B3-948B-1728B52AA6E4}">
-                  <adec:decorative xmlns:adec="http://schemas.microsoft.com/office/drawing/2017/decorative" val="1"/>
-                </a:ext>
-              </a:extLst>
-            </p:cNvPr>
-            <p:cNvSpPr/>
-            <p:nvPr>
-              <p:extLst>
-                <p:ext uri="{386F3935-93C4-4BCD-93E2-E3B085C9AB24}">
-                  <p16:designElem xmlns:p16="http://schemas.microsoft.com/office/powerpoint/2015/main" val="1"/>
-                </p:ext>
-              </p:extLst>
-            </p:nvPr>
-          </p:nvSpPr>
-          <p:spPr>
-            <a:xfrm>
-              <a:off x="9685338" y="4460675"/>
-              <a:ext cx="1080904" cy="1080902"/>
-            </a:xfrm>
-            <a:prstGeom prst="ellipse">
-              <a:avLst/>
-            </a:prstGeom>
-            <a:blipFill dpi="0" rotWithShape="1">
-              <a:blip r:embed="rId4">
-                <a:duotone>
-                  <a:schemeClr val="accent1">
-                    <a:shade val="45000"/>
-                    <a:satMod val="135000"/>
-                  </a:schemeClr>
-                  <a:prstClr val="white"/>
-                </a:duotone>
-                <a:extLst>
-                  <a:ext uri="{BEBA8EAE-BF5A-486C-A8C5-ECC9F3942E4B}">
-                    <a14:imgProps xmlns:a14="http://schemas.microsoft.com/office/drawing/2010/main">
-                      <a14:imgLayer r:embed="rId5">
-                        <a14:imgEffect>
-                          <a14:saturation sat="95000"/>
-                        </a14:imgEffect>
-                      </a14:imgLayer>
-                    </a14:imgProps>
-                  </a:ext>
-                </a:extLst>
-              </a:blip>
-              <a:srcRect/>
-              <a:tile tx="0" ty="0" sx="85000" sy="85000" flip="none" algn="tl"/>
-            </a:blipFill>
-            <a:ln w="25400" cap="flat" cmpd="sng" algn="ctr">
-              <a:noFill/>
-              <a:prstDash val="solid"/>
-            </a:ln>
-            <a:effectLst/>
-          </p:spPr>
-          <p:txBody>
-            <a:bodyPr lIns="0" tIns="0" rIns="0" bIns="0" rtlCol="0" anchor="ctr"/>
-            <a:lstStyle/>
-            <a:p>
-              <a:pPr marL="0" marR="0" lvl="0" indent="0" algn="ctr" defTabSz="914400" eaLnBrk="1" fontAlgn="auto" latinLnBrk="0" hangingPunct="1">
-                <a:lnSpc>
-                  <a:spcPct val="100000"/>
-                </a:lnSpc>
-                <a:spcBef>
-                  <a:spcPts val="0"/>
-                </a:spcBef>
-                <a:spcAft>
-                  <a:spcPts val="0"/>
-                </a:spcAft>
-                <a:buClrTx/>
-                <a:buSzTx/>
-                <a:buFontTx/>
-                <a:buNone/>
-                <a:tabLst/>
-                <a:defRPr/>
-              </a:pPr>
-              <a:endParaRPr kumimoji="0" lang="en-US" sz="2000" b="0" i="0" u="none" strike="noStrike" kern="0" cap="none" spc="0" normalizeH="0" baseline="0" noProof="0" dirty="0">
-                <a:ln>
-                  <a:noFill/>
-                </a:ln>
-                <a:solidFill>
-                  <a:prstClr val="white"/>
-                </a:solidFill>
-                <a:effectLst/>
-                <a:uLnTx/>
-                <a:uFillTx/>
-                <a:latin typeface="Rockwell Extra Bold" pitchFamily="18" charset="0"/>
-                <a:ea typeface="+mn-ea"/>
-                <a:cs typeface="+mn-cs"/>
-              </a:endParaRPr>
-            </a:p>
-          </p:txBody>
-        </p:sp>
-        <p:sp>
-          <p:nvSpPr>
-            <p:cNvPr id="79" name="Oval 78">
-              <a:extLst>
-                <a:ext uri="{FF2B5EF4-FFF2-40B4-BE49-F238E27FC236}">
-                  <a16:creationId xmlns:a16="http://schemas.microsoft.com/office/drawing/2014/main" id="{CA2921E5-E3D2-4B5A-A07C-316D34C3529D}"/>
-                </a:ext>
-                <a:ext uri="{C183D7F6-B498-43B3-948B-1728B52AA6E4}">
-                  <adec:decorative xmlns:adec="http://schemas.microsoft.com/office/drawing/2017/decorative" val="1"/>
-                </a:ext>
-              </a:extLst>
-            </p:cNvPr>
-            <p:cNvSpPr/>
-            <p:nvPr>
-              <p:extLst>
-                <p:ext uri="{386F3935-93C4-4BCD-93E2-E3B085C9AB24}">
-                  <p16:designElem xmlns:p16="http://schemas.microsoft.com/office/powerpoint/2015/main" val="1"/>
-                </p:ext>
-              </p:extLst>
-            </p:nvPr>
-          </p:nvSpPr>
-          <p:spPr>
-            <a:xfrm>
-              <a:off x="9793429" y="4568765"/>
-              <a:ext cx="864723" cy="864722"/>
-            </a:xfrm>
-            <a:prstGeom prst="ellipse">
-              <a:avLst/>
-            </a:prstGeom>
-            <a:noFill/>
-            <a:ln w="25400" cap="flat" cmpd="sng" algn="ctr">
-              <a:solidFill>
-                <a:sysClr val="window" lastClr="FFFFFF"/>
-              </a:solidFill>
-              <a:prstDash val="solid"/>
-            </a:ln>
-            <a:effectLst/>
-          </p:spPr>
-          <p:txBody>
-            <a:bodyPr rtlCol="0" anchor="ctr"/>
-            <a:lstStyle/>
-            <a:p>
-              <a:pPr marL="0" marR="0" lvl="0" indent="0" algn="ctr" defTabSz="914400" eaLnBrk="1" fontAlgn="auto" latinLnBrk="0" hangingPunct="1">
-                <a:lnSpc>
-                  <a:spcPct val="100000"/>
-                </a:lnSpc>
-                <a:spcBef>
-                  <a:spcPts val="0"/>
-                </a:spcBef>
-                <a:spcAft>
-                  <a:spcPts val="0"/>
-                </a:spcAft>
-                <a:buClrTx/>
-                <a:buSzTx/>
-                <a:buFontTx/>
-                <a:buNone/>
-                <a:tabLst/>
-                <a:defRPr/>
-              </a:pPr>
-              <a:endParaRPr kumimoji="0" lang="en-US" sz="1800" b="0" i="0" u="none" strike="noStrike" kern="0" cap="none" spc="0" normalizeH="0" baseline="0" noProof="0" dirty="0">
-                <a:ln>
-                  <a:noFill/>
-                </a:ln>
-                <a:solidFill>
-                  <a:prstClr val="white"/>
-                </a:solidFill>
-                <a:effectLst/>
-                <a:uLnTx/>
-                <a:uFillTx/>
-                <a:latin typeface="Calibri"/>
-                <a:ea typeface="+mn-ea"/>
-                <a:cs typeface="+mn-cs"/>
-              </a:endParaRPr>
-            </a:p>
-          </p:txBody>
-        </p:sp>
-      </p:grpSp>
-      <p:sp useBgFill="1">
-        <p:nvSpPr>
-          <p:cNvPr id="81" name="Rectangle 80">
+          <p:cNvSpPr>
+            <a:spLocks noGrp="1"/>
+          </p:cNvSpPr>
+          <p:nvPr>
+            <p:ph idx="1"/>
+          </p:nvPr>
+        </p:nvSpPr>
+        <p:spPr/>
+        <p:txBody>
+          <a:bodyPr/>
+          <a:lstStyle/>
+          <a:p>
+            <a:pPr marL="0" indent="0">
+              <a:buNone/>
+            </a:pPr>
+            <a:r>
+              <a:rPr lang="nl-NL" dirty="0"/>
+              <a:t>We kennen ondertussen al heel wat over de programmeertaal C# maar hoeveel programmeertalen bestaan er nu in werkelijkheid?</a:t>
+            </a:r>
+          </a:p>
+          <a:p>
+            <a:pPr marL="0" indent="0">
+              <a:buNone/>
+            </a:pPr>
+            <a:endParaRPr lang="nl-NL" dirty="0"/>
+          </a:p>
+          <a:p>
+            <a:pPr marL="0" indent="0">
+              <a:buNone/>
+            </a:pPr>
+            <a:endParaRPr lang="nl-BE" dirty="0"/>
+          </a:p>
+        </p:txBody>
+      </p:sp>
+      <p:sp>
+        <p:nvSpPr>
+          <p:cNvPr id="11" name="Rechthoek 10">
             <a:extLst>
               <a:ext uri="{FF2B5EF4-FFF2-40B4-BE49-F238E27FC236}">
-                <a16:creationId xmlns:a16="http://schemas.microsoft.com/office/drawing/2014/main" id="{4BE46399-0DA3-4208-8B07-71B095BF5540}"/>
-              </a:ext>
-              <a:ext uri="{C183D7F6-B498-43B3-948B-1728B52AA6E4}">
-                <adec:decorative xmlns:adec="http://schemas.microsoft.com/office/drawing/2017/decorative" val="1"/>
+                <a16:creationId xmlns:a16="http://schemas.microsoft.com/office/drawing/2014/main" id="{8C33966A-52EC-424A-93F7-8885BFB91B5A}"/>
               </a:ext>
             </a:extLst>
           </p:cNvPr>
-          <p:cNvSpPr>
-            <a:spLocks noGrp="1" noRot="1" noChangeAspect="1" noMove="1" noResize="1" noEditPoints="1" noAdjustHandles="1" noChangeArrowheads="1" noChangeShapeType="1" noTextEdit="1"/>
-          </p:cNvSpPr>
-          <p:nvPr>
-            <p:extLst>
-              <p:ext uri="{386F3935-93C4-4BCD-93E2-E3B085C9AB24}">
-                <p16:designElem xmlns:p16="http://schemas.microsoft.com/office/powerpoint/2015/main" val="1"/>
-              </p:ext>
-            </p:extLst>
-          </p:nvPr>
-        </p:nvSpPr>
-        <p:spPr bwMode="white">
-          <a:xfrm>
-            <a:off x="0" y="0"/>
-            <a:ext cx="12188952" cy="6858001"/>
+          <p:cNvSpPr/>
+          <p:nvPr/>
+        </p:nvSpPr>
+        <p:spPr>
+          <a:xfrm>
+            <a:off x="1376039" y="3217443"/>
+            <a:ext cx="7927759" cy="870011"/>
           </a:xfrm>
           <a:prstGeom prst="rect">
             <a:avLst/>
           </a:prstGeom>
           <a:ln>
-            <a:noFill/>
+            <a:solidFill>
+              <a:schemeClr val="bg1"/>
+            </a:solidFill>
           </a:ln>
         </p:spPr>
         <p:style>
           <a:lnRef idx="2">
-            <a:schemeClr val="accent1">
-              <a:shade val="50000"/>
-            </a:schemeClr>
+            <a:schemeClr val="accent6"/>
           </a:lnRef>
           <a:fillRef idx="1">
-            <a:schemeClr val="accent1"/>
+            <a:schemeClr val="lt1"/>
           </a:fillRef>
           <a:effectRef idx="0">
-            <a:schemeClr val="accent1"/>
+            <a:schemeClr val="accent6"/>
           </a:effectRef>
           <a:fontRef idx="minor">
-            <a:schemeClr val="lt1"/>
+            <a:schemeClr val="dk1"/>
           </a:fontRef>
         </p:style>
         <p:txBody>
-          <a:bodyPr rot="0" spcFirstLastPara="0" vert="horz" wrap="square" lIns="91440" tIns="45720" rIns="91440" bIns="45720" numCol="1" spcCol="0" rtlCol="0" fromWordArt="0" anchor="ctr" anchorCtr="0" forceAA="0" compatLnSpc="1">
-            <a:prstTxWarp prst="textNoShape">
-              <a:avLst/>
-            </a:prstTxWarp>
-            <a:noAutofit/>
-          </a:bodyPr>
-          <a:lstStyle>
-            <a:defPPr>
-              <a:defRPr lang="en-US"/>
-            </a:defPPr>
-            <a:lvl1pPr marL="0" algn="l" defTabSz="914400" rtl="0" eaLnBrk="1" latinLnBrk="0" hangingPunct="1">
-              <a:defRPr sz="1800" kern="1200">
-                <a:solidFill>
-                  <a:schemeClr val="lt1"/>
-                </a:solidFill>
-                <a:latin typeface="+mn-lt"/>
-                <a:ea typeface="+mn-ea"/>
-                <a:cs typeface="+mn-cs"/>
-              </a:defRPr>
-            </a:lvl1pPr>
-            <a:lvl2pPr marL="457200" algn="l" defTabSz="914400" rtl="0" eaLnBrk="1" latinLnBrk="0" hangingPunct="1">
-              <a:defRPr sz="1800" kern="1200">
-                <a:solidFill>
-                  <a:schemeClr val="lt1"/>
-                </a:solidFill>
-                <a:latin typeface="+mn-lt"/>
-                <a:ea typeface="+mn-ea"/>
-                <a:cs typeface="+mn-cs"/>
-              </a:defRPr>
-            </a:lvl2pPr>
-            <a:lvl3pPr marL="914400" algn="l" defTabSz="914400" rtl="0" eaLnBrk="1" latinLnBrk="0" hangingPunct="1">
-              <a:defRPr sz="1800" kern="1200">
-                <a:solidFill>
-                  <a:schemeClr val="lt1"/>
-                </a:solidFill>
-                <a:latin typeface="+mn-lt"/>
-                <a:ea typeface="+mn-ea"/>
-                <a:cs typeface="+mn-cs"/>
-              </a:defRPr>
-            </a:lvl3pPr>
-            <a:lvl4pPr marL="1371600" algn="l" defTabSz="914400" rtl="0" eaLnBrk="1" latinLnBrk="0" hangingPunct="1">
-              <a:defRPr sz="1800" kern="1200">
-                <a:solidFill>
-                  <a:schemeClr val="lt1"/>
-                </a:solidFill>
-                <a:latin typeface="+mn-lt"/>
-                <a:ea typeface="+mn-ea"/>
-                <a:cs typeface="+mn-cs"/>
-              </a:defRPr>
-            </a:lvl4pPr>
-            <a:lvl5pPr marL="1828800" algn="l" defTabSz="914400" rtl="0" eaLnBrk="1" latinLnBrk="0" hangingPunct="1">
-              <a:defRPr sz="1800" kern="1200">
-                <a:solidFill>
-                  <a:schemeClr val="lt1"/>
-                </a:solidFill>
-                <a:latin typeface="+mn-lt"/>
-                <a:ea typeface="+mn-ea"/>
-                <a:cs typeface="+mn-cs"/>
-              </a:defRPr>
-            </a:lvl5pPr>
-            <a:lvl6pPr marL="2286000" algn="l" defTabSz="914400" rtl="0" eaLnBrk="1" latinLnBrk="0" hangingPunct="1">
-              <a:defRPr sz="1800" kern="1200">
-                <a:solidFill>
-                  <a:schemeClr val="lt1"/>
-                </a:solidFill>
-                <a:latin typeface="+mn-lt"/>
-                <a:ea typeface="+mn-ea"/>
-                <a:cs typeface="+mn-cs"/>
-              </a:defRPr>
-            </a:lvl6pPr>
-            <a:lvl7pPr marL="2743200" algn="l" defTabSz="914400" rtl="0" eaLnBrk="1" latinLnBrk="0" hangingPunct="1">
-              <a:defRPr sz="1800" kern="1200">
-                <a:solidFill>
-                  <a:schemeClr val="lt1"/>
-                </a:solidFill>
-                <a:latin typeface="+mn-lt"/>
-                <a:ea typeface="+mn-ea"/>
-                <a:cs typeface="+mn-cs"/>
-              </a:defRPr>
-            </a:lvl7pPr>
-            <a:lvl8pPr marL="3200400" algn="l" defTabSz="914400" rtl="0" eaLnBrk="1" latinLnBrk="0" hangingPunct="1">
-              <a:defRPr sz="1800" kern="1200">
-                <a:solidFill>
-                  <a:schemeClr val="lt1"/>
-                </a:solidFill>
-                <a:latin typeface="+mn-lt"/>
-                <a:ea typeface="+mn-ea"/>
-                <a:cs typeface="+mn-cs"/>
-              </a:defRPr>
-            </a:lvl8pPr>
-            <a:lvl9pPr marL="3657600" algn="l" defTabSz="914400" rtl="0" eaLnBrk="1" latinLnBrk="0" hangingPunct="1">
-              <a:defRPr sz="1800" kern="1200">
-                <a:solidFill>
-                  <a:schemeClr val="lt1"/>
-                </a:solidFill>
-                <a:latin typeface="+mn-lt"/>
-                <a:ea typeface="+mn-ea"/>
-                <a:cs typeface="+mn-cs"/>
-              </a:defRPr>
-            </a:lvl9pPr>
-          </a:lstStyle>
-          <a:p>
-            <a:pPr algn="ctr"/>
-            <a:endParaRPr lang="en-US"/>
-          </a:p>
-        </p:txBody>
-      </p:sp>
-      <p:sp>
-        <p:nvSpPr>
-          <p:cNvPr id="83" name="Rectangle 82">
+          <a:bodyPr rtlCol="0" anchor="ctr"/>
+          <a:lstStyle/>
+          <a:p>
+            <a:pPr marL="285750" indent="-285750">
+              <a:buFont typeface="Wingdings" panose="05000000000000000000" pitchFamily="2" charset="2"/>
+              <a:buChar char="q"/>
+            </a:pPr>
+            <a:r>
+              <a:rPr lang="nl-NL" dirty="0"/>
+              <a:t>245</a:t>
+            </a:r>
+            <a:endParaRPr lang="nl-BE" dirty="0"/>
+          </a:p>
+        </p:txBody>
+      </p:sp>
+      <p:sp>
+        <p:nvSpPr>
+          <p:cNvPr id="12" name="Rechthoek 11">
             <a:extLst>
               <a:ext uri="{FF2B5EF4-FFF2-40B4-BE49-F238E27FC236}">
-                <a16:creationId xmlns:a16="http://schemas.microsoft.com/office/drawing/2014/main" id="{CE9D39BB-2EF8-4EB2-ACF4-8987641C54FF}"/>
-              </a:ext>
-              <a:ext uri="{C183D7F6-B498-43B3-948B-1728B52AA6E4}">
-                <adec:decorative xmlns:adec="http://schemas.microsoft.com/office/drawing/2017/decorative" val="1"/>
+                <a16:creationId xmlns:a16="http://schemas.microsoft.com/office/drawing/2014/main" id="{4B0E25CB-9318-4A37-BD33-A26EB414FB66}"/>
               </a:ext>
             </a:extLst>
           </p:cNvPr>
-          <p:cNvSpPr>
-            <a:spLocks noGrp="1" noRot="1" noChangeAspect="1" noMove="1" noResize="1" noEditPoints="1" noAdjustHandles="1" noChangeArrowheads="1" noChangeShapeType="1" noTextEdit="1"/>
-          </p:cNvSpPr>
-          <p:nvPr>
-            <p:extLst>
-              <p:ext uri="{386F3935-93C4-4BCD-93E2-E3B085C9AB24}">
-                <p16:designElem xmlns:p16="http://schemas.microsoft.com/office/powerpoint/2015/main" val="1"/>
-              </p:ext>
-            </p:extLst>
-          </p:nvPr>
-        </p:nvSpPr>
-        <p:spPr>
-          <a:xfrm>
-            <a:off x="920834" y="1346946"/>
-            <a:ext cx="10222992" cy="80683"/>
-          </a:xfrm>
-          <a:prstGeom prst="rect">
-            <a:avLst/>
-          </a:prstGeom>
-          <a:blipFill dpi="0" rotWithShape="1">
-            <a:blip r:embed="rId2">
-              <a:alphaModFix amt="85000"/>
-              <a:lum bright="70000" contrast="-70000"/>
-              <a:extLst>
-                <a:ext uri="{BEBA8EAE-BF5A-486C-A8C5-ECC9F3942E4B}">
-                  <a14:imgProps xmlns:a14="http://schemas.microsoft.com/office/drawing/2010/main">
-                    <a14:imgLayer r:embed="rId3">
-                      <a14:imgEffect>
-                        <a14:sharpenSoften amount="61000"/>
-                      </a14:imgEffect>
-                    </a14:imgLayer>
-                  </a14:imgProps>
-                </a:ext>
-                <a:ext uri="{28A0092B-C50C-407E-A947-70E740481C1C}">
-                  <a14:useLocalDpi xmlns:a14="http://schemas.microsoft.com/office/drawing/2010/main" val="0"/>
-                </a:ext>
-              </a:extLst>
-            </a:blip>
-            <a:srcRect/>
-            <a:tile tx="0" ty="-762000" sx="92000" sy="89000" flip="xy" algn="ctr"/>
-          </a:blipFill>
-          <a:ln>
-            <a:noFill/>
-          </a:ln>
-        </p:spPr>
-        <p:style>
-          <a:lnRef idx="2">
-            <a:schemeClr val="accent1">
-              <a:shade val="50000"/>
-            </a:schemeClr>
-          </a:lnRef>
-          <a:fillRef idx="1">
-            <a:schemeClr val="accent1"/>
-          </a:fillRef>
-          <a:effectRef idx="0">
-            <a:schemeClr val="accent1"/>
-          </a:effectRef>
-          <a:fontRef idx="minor">
-            <a:schemeClr val="lt1"/>
-          </a:fontRef>
-        </p:style>
-        <p:txBody>
-          <a:bodyPr rtlCol="0" anchor="ctr"/>
-          <a:lstStyle/>
-          <a:p>
-            <a:pPr algn="ctr"/>
-            <a:endParaRPr lang="en-US"/>
-          </a:p>
-        </p:txBody>
-      </p:sp>
-      <p:sp>
-        <p:nvSpPr>
-          <p:cNvPr id="85" name="Rectangle 84">
-            <a:extLst>
-              <a:ext uri="{FF2B5EF4-FFF2-40B4-BE49-F238E27FC236}">
-                <a16:creationId xmlns:a16="http://schemas.microsoft.com/office/drawing/2014/main" id="{AE4BEB23-7F79-4B9B-82C4-1765EFEC97B1}"/>
-              </a:ext>
-              <a:ext uri="{C183D7F6-B498-43B3-948B-1728B52AA6E4}">
-                <adec:decorative xmlns:adec="http://schemas.microsoft.com/office/drawing/2017/decorative" val="1"/>
-              </a:ext>
-            </a:extLst>
-          </p:cNvPr>
-          <p:cNvSpPr>
-            <a:spLocks noGrp="1" noRot="1" noChangeAspect="1" noMove="1" noResize="1" noEditPoints="1" noAdjustHandles="1" noChangeArrowheads="1" noChangeShapeType="1" noTextEdit="1"/>
-          </p:cNvSpPr>
-          <p:nvPr>
-            <p:extLst>
-              <p:ext uri="{386F3935-93C4-4BCD-93E2-E3B085C9AB24}">
-                <p16:designElem xmlns:p16="http://schemas.microsoft.com/office/powerpoint/2015/main" val="1"/>
-              </p:ext>
-            </p:extLst>
-          </p:nvPr>
-        </p:nvSpPr>
-        <p:spPr>
-          <a:xfrm>
-            <a:off x="920834" y="1484779"/>
-            <a:ext cx="10222992" cy="2743200"/>
-          </a:xfrm>
-          <a:prstGeom prst="rect">
-            <a:avLst/>
-          </a:prstGeom>
-          <a:blipFill dpi="0" rotWithShape="1">
-            <a:blip r:embed="rId2">
-              <a:alphaModFix amt="85000"/>
-              <a:lum bright="70000" contrast="-70000"/>
-              <a:extLst>
-                <a:ext uri="{BEBA8EAE-BF5A-486C-A8C5-ECC9F3942E4B}">
-                  <a14:imgProps xmlns:a14="http://schemas.microsoft.com/office/drawing/2010/main">
-                    <a14:imgLayer r:embed="rId3">
-                      <a14:imgEffect>
-                        <a14:sharpenSoften amount="61000"/>
-                      </a14:imgEffect>
-                    </a14:imgLayer>
-                  </a14:imgProps>
-                </a:ext>
-                <a:ext uri="{28A0092B-C50C-407E-A947-70E740481C1C}">
-                  <a14:useLocalDpi xmlns:a14="http://schemas.microsoft.com/office/drawing/2010/main" val="0"/>
-                </a:ext>
-              </a:extLst>
-            </a:blip>
-            <a:srcRect/>
-            <a:tile tx="0" ty="-704850" sx="92000" sy="89000" flip="xy" algn="ctr"/>
-          </a:blipFill>
-          <a:ln>
-            <a:noFill/>
-          </a:ln>
-        </p:spPr>
-        <p:style>
-          <a:lnRef idx="2">
-            <a:schemeClr val="accent1">
-              <a:shade val="50000"/>
-            </a:schemeClr>
-          </a:lnRef>
-          <a:fillRef idx="1">
-            <a:schemeClr val="accent1"/>
-          </a:fillRef>
-          <a:effectRef idx="0">
-            <a:schemeClr val="accent1"/>
-          </a:effectRef>
-          <a:fontRef idx="minor">
-            <a:schemeClr val="lt1"/>
-          </a:fontRef>
-        </p:style>
-        <p:txBody>
-          <a:bodyPr rtlCol="0" anchor="ctr"/>
-          <a:lstStyle/>
-          <a:p>
-            <a:pPr algn="ctr"/>
-            <a:endParaRPr lang="en-US"/>
-          </a:p>
-        </p:txBody>
-      </p:sp>
-      <p:sp>
-        <p:nvSpPr>
-          <p:cNvPr id="87" name="Rectangle 86">
-            <a:extLst>
-              <a:ext uri="{FF2B5EF4-FFF2-40B4-BE49-F238E27FC236}">
-                <a16:creationId xmlns:a16="http://schemas.microsoft.com/office/drawing/2014/main" id="{15DB2AC5-4F84-4025-A85C-241D618CBEAF}"/>
-              </a:ext>
-              <a:ext uri="{C183D7F6-B498-43B3-948B-1728B52AA6E4}">
-                <adec:decorative xmlns:adec="http://schemas.microsoft.com/office/drawing/2017/decorative" val="1"/>
-              </a:ext>
-            </a:extLst>
-          </p:cNvPr>
-          <p:cNvSpPr>
-            <a:spLocks noGrp="1" noRot="1" noChangeAspect="1" noMove="1" noResize="1" noEditPoints="1" noAdjustHandles="1" noChangeArrowheads="1" noChangeShapeType="1" noTextEdit="1"/>
-          </p:cNvSpPr>
-          <p:nvPr>
-            <p:extLst>
-              <p:ext uri="{386F3935-93C4-4BCD-93E2-E3B085C9AB24}">
-                <p16:designElem xmlns:p16="http://schemas.microsoft.com/office/powerpoint/2015/main" val="1"/>
-              </p:ext>
-            </p:extLst>
-          </p:nvPr>
-        </p:nvSpPr>
-        <p:spPr>
-          <a:xfrm>
-            <a:off x="920834" y="4299696"/>
-            <a:ext cx="10222992" cy="80683"/>
-          </a:xfrm>
-          <a:prstGeom prst="rect">
-            <a:avLst/>
-          </a:prstGeom>
-          <a:blipFill dpi="0" rotWithShape="1">
-            <a:blip r:embed="rId2">
-              <a:alphaModFix amt="85000"/>
-              <a:lum bright="70000" contrast="-70000"/>
-              <a:extLst>
-                <a:ext uri="{BEBA8EAE-BF5A-486C-A8C5-ECC9F3942E4B}">
-                  <a14:imgProps xmlns:a14="http://schemas.microsoft.com/office/drawing/2010/main">
-                    <a14:imgLayer r:embed="rId3">
-                      <a14:imgEffect>
-                        <a14:sharpenSoften amount="61000"/>
-                      </a14:imgEffect>
-                    </a14:imgLayer>
-                  </a14:imgProps>
-                </a:ext>
-                <a:ext uri="{28A0092B-C50C-407E-A947-70E740481C1C}">
-                  <a14:useLocalDpi xmlns:a14="http://schemas.microsoft.com/office/drawing/2010/main" val="0"/>
-                </a:ext>
-              </a:extLst>
-            </a:blip>
-            <a:srcRect/>
-            <a:tile tx="0" ty="-717550" sx="92000" sy="89000" flip="xy" algn="ctr"/>
-          </a:blipFill>
-          <a:ln>
-            <a:noFill/>
-          </a:ln>
-        </p:spPr>
-        <p:style>
-          <a:lnRef idx="2">
-            <a:schemeClr val="accent1">
-              <a:shade val="50000"/>
-            </a:schemeClr>
-          </a:lnRef>
-          <a:fillRef idx="1">
-            <a:schemeClr val="accent1"/>
-          </a:fillRef>
-          <a:effectRef idx="0">
-            <a:schemeClr val="accent1"/>
-          </a:effectRef>
-          <a:fontRef idx="minor">
-            <a:schemeClr val="lt1"/>
-          </a:fontRef>
-        </p:style>
-        <p:txBody>
-          <a:bodyPr rtlCol="0" anchor="ctr"/>
-          <a:lstStyle/>
-          <a:p>
-            <a:pPr algn="ctr"/>
-            <a:endParaRPr lang="en-US"/>
-          </a:p>
-        </p:txBody>
-      </p:sp>
-      <p:grpSp>
-        <p:nvGrpSpPr>
-          <p:cNvPr id="89" name="Group 88">
-            <a:extLst>
-              <a:ext uri="{FF2B5EF4-FFF2-40B4-BE49-F238E27FC236}">
-                <a16:creationId xmlns:a16="http://schemas.microsoft.com/office/drawing/2014/main" id="{F4EB1CA6-C1D7-4D4E-BFE3-06CDF745EBBF}"/>
-              </a:ext>
-              <a:ext uri="{C183D7F6-B498-43B3-948B-1728B52AA6E4}">
-                <adec:decorative xmlns:adec="http://schemas.microsoft.com/office/drawing/2017/decorative" val="1"/>
-              </a:ext>
-            </a:extLst>
-          </p:cNvPr>
-          <p:cNvGrpSpPr>
-            <a:grpSpLocks noGrp="1" noUngrp="1" noRot="1" noChangeAspect="1" noMove="1" noResize="1"/>
-          </p:cNvGrpSpPr>
-          <p:nvPr>
-            <p:extLst>
-              <p:ext uri="{386F3935-93C4-4BCD-93E2-E3B085C9AB24}">
-                <p16:designElem xmlns:p16="http://schemas.microsoft.com/office/powerpoint/2015/main" val="1"/>
-              </p:ext>
-            </p:extLst>
-          </p:nvPr>
-        </p:nvGrpSpPr>
-        <p:grpSpPr>
-          <a:xfrm>
-            <a:off x="9649215" y="4068923"/>
-            <a:ext cx="1080904" cy="1080902"/>
-            <a:chOff x="9685338" y="4460675"/>
-            <a:chExt cx="1080904" cy="1080902"/>
-          </a:xfrm>
-        </p:grpSpPr>
-        <p:sp>
-          <p:nvSpPr>
-            <p:cNvPr id="90" name="Oval 89">
-              <a:extLst>
-                <a:ext uri="{FF2B5EF4-FFF2-40B4-BE49-F238E27FC236}">
-                  <a16:creationId xmlns:a16="http://schemas.microsoft.com/office/drawing/2014/main" id="{FD5D4345-F73E-48F4-BCDB-2C12B2B1A427}"/>
-                </a:ext>
-                <a:ext uri="{C183D7F6-B498-43B3-948B-1728B52AA6E4}">
-                  <adec:decorative xmlns:adec="http://schemas.microsoft.com/office/drawing/2017/decorative" val="1"/>
-                </a:ext>
-              </a:extLst>
-            </p:cNvPr>
-            <p:cNvSpPr/>
-            <p:nvPr>
-              <p:extLst>
-                <p:ext uri="{386F3935-93C4-4BCD-93E2-E3B085C9AB24}">
-                  <p16:designElem xmlns:p16="http://schemas.microsoft.com/office/powerpoint/2015/main" val="1"/>
-                </p:ext>
-              </p:extLst>
-            </p:nvPr>
-          </p:nvSpPr>
-          <p:spPr>
-            <a:xfrm>
-              <a:off x="9685338" y="4460675"/>
-              <a:ext cx="1080904" cy="1080902"/>
-            </a:xfrm>
-            <a:prstGeom prst="ellipse">
-              <a:avLst/>
-            </a:prstGeom>
-            <a:blipFill dpi="0" rotWithShape="1">
-              <a:blip r:embed="rId4">
-                <a:duotone>
-                  <a:schemeClr val="accent1">
-                    <a:shade val="45000"/>
-                    <a:satMod val="135000"/>
-                  </a:schemeClr>
-                  <a:prstClr val="white"/>
-                </a:duotone>
-                <a:extLst>
-                  <a:ext uri="{BEBA8EAE-BF5A-486C-A8C5-ECC9F3942E4B}">
-                    <a14:imgProps xmlns:a14="http://schemas.microsoft.com/office/drawing/2010/main">
-                      <a14:imgLayer r:embed="rId5">
-                        <a14:imgEffect>
-                          <a14:saturation sat="95000"/>
-                        </a14:imgEffect>
-                      </a14:imgLayer>
-                    </a14:imgProps>
-                  </a:ext>
-                </a:extLst>
-              </a:blip>
-              <a:srcRect/>
-              <a:tile tx="0" ty="0" sx="85000" sy="85000" flip="none" algn="tl"/>
-            </a:blipFill>
-            <a:ln w="25400" cap="flat" cmpd="sng" algn="ctr">
-              <a:noFill/>
-              <a:prstDash val="solid"/>
-            </a:ln>
-            <a:effectLst/>
-          </p:spPr>
-          <p:txBody>
-            <a:bodyPr lIns="0" tIns="0" rIns="0" bIns="0" rtlCol="0" anchor="ctr"/>
-            <a:lstStyle/>
-            <a:p>
-              <a:pPr marL="0" marR="0" lvl="0" indent="0" algn="ctr" defTabSz="914400" eaLnBrk="1" fontAlgn="auto" latinLnBrk="0" hangingPunct="1">
-                <a:lnSpc>
-                  <a:spcPct val="100000"/>
-                </a:lnSpc>
-                <a:spcBef>
-                  <a:spcPts val="0"/>
-                </a:spcBef>
-                <a:spcAft>
-                  <a:spcPts val="0"/>
-                </a:spcAft>
-                <a:buClrTx/>
-                <a:buSzTx/>
-                <a:buFontTx/>
-                <a:buNone/>
-                <a:tabLst/>
-                <a:defRPr/>
-              </a:pPr>
-              <a:endParaRPr kumimoji="0" lang="en-US" sz="2000" b="0" i="0" u="none" strike="noStrike" kern="0" cap="none" spc="0" normalizeH="0" baseline="0" noProof="0" dirty="0">
-                <a:ln>
-                  <a:noFill/>
-                </a:ln>
-                <a:solidFill>
-                  <a:prstClr val="white"/>
-                </a:solidFill>
-                <a:effectLst/>
-                <a:uLnTx/>
-                <a:uFillTx/>
-                <a:latin typeface="Rockwell Extra Bold" pitchFamily="18" charset="0"/>
-                <a:ea typeface="+mn-ea"/>
-                <a:cs typeface="+mn-cs"/>
-              </a:endParaRPr>
-            </a:p>
-          </p:txBody>
-        </p:sp>
-        <p:sp>
-          <p:nvSpPr>
-            <p:cNvPr id="91" name="Oval 90">
-              <a:extLst>
-                <a:ext uri="{FF2B5EF4-FFF2-40B4-BE49-F238E27FC236}">
-                  <a16:creationId xmlns:a16="http://schemas.microsoft.com/office/drawing/2014/main" id="{C41401D8-5410-4285-A337-160DE2C58A21}"/>
-                </a:ext>
-                <a:ext uri="{C183D7F6-B498-43B3-948B-1728B52AA6E4}">
-                  <adec:decorative xmlns:adec="http://schemas.microsoft.com/office/drawing/2017/decorative" val="1"/>
-                </a:ext>
-              </a:extLst>
-            </p:cNvPr>
-            <p:cNvSpPr/>
-            <p:nvPr>
-              <p:extLst>
-                <p:ext uri="{386F3935-93C4-4BCD-93E2-E3B085C9AB24}">
-                  <p16:designElem xmlns:p16="http://schemas.microsoft.com/office/powerpoint/2015/main" val="1"/>
-                </p:ext>
-              </p:extLst>
-            </p:nvPr>
-          </p:nvSpPr>
-          <p:spPr>
-            <a:xfrm>
-              <a:off x="9793429" y="4568765"/>
-              <a:ext cx="864723" cy="864722"/>
-            </a:xfrm>
-            <a:prstGeom prst="ellipse">
-              <a:avLst/>
-            </a:prstGeom>
-            <a:noFill/>
-            <a:ln w="25400" cap="flat" cmpd="sng" algn="ctr">
-              <a:solidFill>
-                <a:sysClr val="window" lastClr="FFFFFF"/>
-              </a:solidFill>
-              <a:prstDash val="solid"/>
-            </a:ln>
-            <a:effectLst/>
-          </p:spPr>
-          <p:txBody>
-            <a:bodyPr rtlCol="0" anchor="ctr"/>
-            <a:lstStyle/>
-            <a:p>
-              <a:pPr marL="0" marR="0" lvl="0" indent="0" algn="ctr" defTabSz="914400" eaLnBrk="1" fontAlgn="auto" latinLnBrk="0" hangingPunct="1">
-                <a:lnSpc>
-                  <a:spcPct val="100000"/>
-                </a:lnSpc>
-                <a:spcBef>
-                  <a:spcPts val="0"/>
-                </a:spcBef>
-                <a:spcAft>
-                  <a:spcPts val="0"/>
-                </a:spcAft>
-                <a:buClrTx/>
-                <a:buSzTx/>
-                <a:buFontTx/>
-                <a:buNone/>
-                <a:tabLst/>
-                <a:defRPr/>
-              </a:pPr>
-              <a:endParaRPr kumimoji="0" lang="en-US" sz="1800" b="0" i="0" u="none" strike="noStrike" kern="0" cap="none" spc="0" normalizeH="0" baseline="0" noProof="0" dirty="0">
-                <a:ln>
-                  <a:noFill/>
-                </a:ln>
-                <a:solidFill>
-                  <a:prstClr val="white"/>
-                </a:solidFill>
-                <a:effectLst/>
-                <a:uLnTx/>
-                <a:uFillTx/>
-                <a:latin typeface="Calibri"/>
-                <a:ea typeface="+mn-ea"/>
-                <a:cs typeface="+mn-cs"/>
-              </a:endParaRPr>
-            </a:p>
-          </p:txBody>
-        </p:sp>
-      </p:grpSp>
-      <p:sp>
-        <p:nvSpPr>
-          <p:cNvPr id="2" name="Titel 1">
-            <a:extLst>
-              <a:ext uri="{FF2B5EF4-FFF2-40B4-BE49-F238E27FC236}">
-                <a16:creationId xmlns:a16="http://schemas.microsoft.com/office/drawing/2014/main" id="{8A290F74-2049-4378-B6CA-C1D4E8EB46F4}"/>
-              </a:ext>
-            </a:extLst>
-          </p:cNvPr>
-          <p:cNvSpPr>
-            <a:spLocks noGrp="1"/>
-          </p:cNvSpPr>
-          <p:nvPr>
-            <p:ph type="title"/>
-          </p:nvPr>
-        </p:nvSpPr>
-        <p:spPr>
-          <a:xfrm>
-            <a:off x="3606386" y="1432223"/>
-            <a:ext cx="7412133" cy="3035808"/>
-          </a:xfrm>
-        </p:spPr>
-        <p:txBody>
-          <a:bodyPr vert="horz" lIns="91440" tIns="45720" rIns="91440" bIns="45720" rtlCol="0" anchor="ctr">
-            <a:normAutofit/>
-          </a:bodyPr>
-          <a:lstStyle/>
-          <a:p>
-            <a:pPr>
-              <a:lnSpc>
-                <a:spcPct val="85000"/>
-              </a:lnSpc>
-            </a:pPr>
-            <a:r>
-              <a:rPr lang="en-US" sz="3400">
-                <a:blipFill dpi="0" rotWithShape="1">
-                  <a:blip r:embed="rId4"/>
-                  <a:srcRect/>
-                  <a:tile tx="6350" ty="-127000" sx="65000" sy="64000" flip="none" algn="tl"/>
-                </a:blipFill>
-              </a:rPr>
-              <a:t>Stel dat je volgend jaar wil beginnen in het bedrijf, welke soft-skills moet je voor jezelf nog bijschaven om in aanmerking te komen? </a:t>
-            </a:r>
-          </a:p>
-        </p:txBody>
-      </p:sp>
-      <p:sp useBgFill="1">
-        <p:nvSpPr>
-          <p:cNvPr id="93" name="Rectangle 92">
-            <a:extLst>
-              <a:ext uri="{FF2B5EF4-FFF2-40B4-BE49-F238E27FC236}">
-                <a16:creationId xmlns:a16="http://schemas.microsoft.com/office/drawing/2014/main" id="{745F699B-6979-41C6-9916-C795C8819CEF}"/>
-              </a:ext>
-              <a:ext uri="{C183D7F6-B498-43B3-948B-1728B52AA6E4}">
-                <adec:decorative xmlns:adec="http://schemas.microsoft.com/office/drawing/2017/decorative" val="1"/>
-              </a:ext>
-            </a:extLst>
-          </p:cNvPr>
-          <p:cNvSpPr>
-            <a:spLocks noGrp="1" noRot="1" noChangeAspect="1" noMove="1" noResize="1" noEditPoints="1" noAdjustHandles="1" noChangeArrowheads="1" noChangeShapeType="1" noTextEdit="1"/>
-          </p:cNvSpPr>
-          <p:nvPr>
-            <p:extLst>
-              <p:ext uri="{386F3935-93C4-4BCD-93E2-E3B085C9AB24}">
-                <p16:designElem xmlns:p16="http://schemas.microsoft.com/office/powerpoint/2015/main" val="1"/>
-              </p:ext>
-            </p:extLst>
-          </p:nvPr>
-        </p:nvSpPr>
-        <p:spPr>
-          <a:xfrm>
-            <a:off x="857250" y="1481328"/>
-            <a:ext cx="2499987" cy="2743200"/>
+          <p:cNvSpPr/>
+          <p:nvPr/>
+        </p:nvSpPr>
+        <p:spPr>
+          <a:xfrm>
+            <a:off x="1376039" y="4310108"/>
+            <a:ext cx="7927759" cy="870011"/>
           </a:xfrm>
           <a:prstGeom prst="rect">
             <a:avLst/>
           </a:prstGeom>
           <a:ln>
-            <a:noFill/>
+            <a:solidFill>
+              <a:schemeClr val="bg1"/>
+            </a:solidFill>
           </a:ln>
         </p:spPr>
         <p:style>
           <a:lnRef idx="2">
-            <a:schemeClr val="accent1">
-              <a:shade val="50000"/>
-            </a:schemeClr>
+            <a:schemeClr val="accent6"/>
           </a:lnRef>
           <a:fillRef idx="1">
-            <a:schemeClr val="accent1"/>
+            <a:schemeClr val="lt1"/>
           </a:fillRef>
           <a:effectRef idx="0">
-            <a:schemeClr val="accent1"/>
+            <a:schemeClr val="accent6"/>
           </a:effectRef>
           <a:fontRef idx="minor">
-            <a:schemeClr val="lt1"/>
+            <a:schemeClr val="dk1"/>
           </a:fontRef>
         </p:style>
         <p:txBody>
           <a:bodyPr rtlCol="0" anchor="ctr"/>
           <a:lstStyle/>
           <a:p>
-            <a:pPr algn="ctr"/>
-            <a:endParaRPr lang="en-US"/>
-          </a:p>
-        </p:txBody>
-      </p:sp>
-      <p:pic>
-        <p:nvPicPr>
-          <p:cNvPr id="5122" name="Picture 2" descr="VESTATECH">
+            <a:pPr marL="285750" indent="-285750">
+              <a:buFont typeface="Wingdings" panose="05000000000000000000" pitchFamily="2" charset="2"/>
+              <a:buChar char="ü"/>
+            </a:pPr>
+            <a:r>
+              <a:rPr lang="nl-NL" dirty="0"/>
+              <a:t>700</a:t>
+            </a:r>
+            <a:endParaRPr lang="nl-BE" dirty="0"/>
+          </a:p>
+        </p:txBody>
+      </p:sp>
+      <p:sp>
+        <p:nvSpPr>
+          <p:cNvPr id="13" name="Rechthoek 12">
             <a:extLst>
               <a:ext uri="{FF2B5EF4-FFF2-40B4-BE49-F238E27FC236}">
-                <a16:creationId xmlns:a16="http://schemas.microsoft.com/office/drawing/2014/main" id="{5CCE5EDB-E6A1-4381-86D9-B6369D969419}"/>
+                <a16:creationId xmlns:a16="http://schemas.microsoft.com/office/drawing/2014/main" id="{6727CDC0-5E18-4D4A-B612-A1AF3CE416BE}"/>
               </a:ext>
             </a:extLst>
           </p:cNvPr>
-          <p:cNvPicPr>
-            <a:picLocks noChangeAspect="1" noChangeArrowheads="1"/>
-          </p:cNvPicPr>
+          <p:cNvSpPr/>
           <p:nvPr/>
-        </p:nvPicPr>
-        <p:blipFill>
-          <a:blip r:embed="rId6">
-            <a:extLst>
-              <a:ext uri="{28A0092B-C50C-407E-A947-70E740481C1C}">
-                <a14:useLocalDpi xmlns:a14="http://schemas.microsoft.com/office/drawing/2010/main" val="0"/>
-              </a:ext>
-            </a:extLst>
-          </a:blip>
-          <a:stretch>
-            <a:fillRect/>
-          </a:stretch>
-        </p:blipFill>
-        <p:spPr bwMode="auto">
-          <a:xfrm>
-            <a:off x="923543" y="1810387"/>
-            <a:ext cx="2113653" cy="2113653"/>
+        </p:nvSpPr>
+        <p:spPr>
+          <a:xfrm>
+            <a:off x="1376039" y="5402773"/>
+            <a:ext cx="7927759" cy="870011"/>
           </a:xfrm>
           <a:prstGeom prst="rect">
             <a:avLst/>
           </a:prstGeom>
-          <a:noFill/>
-          <a:extLst>
-            <a:ext uri="{909E8E84-426E-40DD-AFC4-6F175D3DCCD1}">
-              <a14:hiddenFill xmlns:a14="http://schemas.microsoft.com/office/drawing/2010/main">
-                <a:solidFill>
-                  <a:srgbClr val="FFFFFF"/>
-                </a:solidFill>
-              </a14:hiddenFill>
-            </a:ext>
-          </a:extLst>
-        </p:spPr>
-      </p:pic>
-      <p:sp>
-        <p:nvSpPr>
-          <p:cNvPr id="3" name="Tijdelijke aanduiding voor voettekst 2">
-            <a:extLst>
-              <a:ext uri="{FF2B5EF4-FFF2-40B4-BE49-F238E27FC236}">
-                <a16:creationId xmlns:a16="http://schemas.microsoft.com/office/drawing/2014/main" id="{DD4B74B4-6686-4AD9-AB78-69939BD94C46}"/>
-              </a:ext>
-            </a:extLst>
-          </p:cNvPr>
-          <p:cNvSpPr>
-            <a:spLocks noGrp="1"/>
-          </p:cNvSpPr>
-          <p:nvPr>
-            <p:ph type="ftr" sz="quarter" idx="11"/>
-          </p:nvPr>
-        </p:nvSpPr>
-        <p:spPr/>
-        <p:txBody>
-          <a:bodyPr/>
+          <a:ln>
+            <a:solidFill>
+              <a:schemeClr val="bg1"/>
+            </a:solidFill>
+          </a:ln>
+        </p:spPr>
+        <p:style>
+          <a:lnRef idx="2">
+            <a:schemeClr val="accent6"/>
+          </a:lnRef>
+          <a:fillRef idx="1">
+            <a:schemeClr val="lt1"/>
+          </a:fillRef>
+          <a:effectRef idx="0">
+            <a:schemeClr val="accent6"/>
+          </a:effectRef>
+          <a:fontRef idx="minor">
+            <a:schemeClr val="dk1"/>
+          </a:fontRef>
+        </p:style>
+        <p:txBody>
+          <a:bodyPr rtlCol="0" anchor="ctr"/>
           <a:lstStyle/>
           <a:p>
-            <a:r>
-              <a:rPr lang="nl-BE"/>
-              <a:t>Vesta Tech</a:t>
-            </a:r>
+            <a:pPr marL="285750" indent="-285750">
+              <a:buFont typeface="Wingdings" panose="05000000000000000000" pitchFamily="2" charset="2"/>
+              <a:buChar char="q"/>
+            </a:pPr>
+            <a:r>
+              <a:rPr lang="nl-NL" dirty="0"/>
+              <a:t>896</a:t>
+            </a:r>
+            <a:endParaRPr lang="nl-BE" dirty="0"/>
           </a:p>
         </p:txBody>
       </p:sp>
     </p:spTree>
     <p:extLst>
       <p:ext uri="{BB962C8B-B14F-4D97-AF65-F5344CB8AC3E}">
-        <p14:creationId xmlns:p14="http://schemas.microsoft.com/office/powerpoint/2010/main" val="3956071569"/>
+        <p14:creationId xmlns:p14="http://schemas.microsoft.com/office/powerpoint/2010/main" val="1245666608"/>
       </p:ext>
     </p:extLst>
   </p:cSld>
@@ -6031,7 +5493,7 @@
           <p:cNvPr id="2" name="Titel 1">
             <a:extLst>
               <a:ext uri="{FF2B5EF4-FFF2-40B4-BE49-F238E27FC236}">
-                <a16:creationId xmlns:a16="http://schemas.microsoft.com/office/drawing/2014/main" id="{8A366717-BB07-4383-8441-9315118D613F}"/>
+                <a16:creationId xmlns:a16="http://schemas.microsoft.com/office/drawing/2014/main" id="{DCD77A11-3EFE-4A88-834D-CF39A1A85886}"/>
               </a:ext>
             </a:extLst>
           </p:cNvPr>
@@ -6048,18 +5510,19 @@
           <a:lstStyle/>
           <a:p>
             <a:r>
-              <a:rPr lang="nl-BE" dirty="0"/>
-              <a:t>Inleiding</a:t>
-            </a:r>
-          </a:p>
-        </p:txBody>
-      </p:sp>
-      <p:sp>
-        <p:nvSpPr>
-          <p:cNvPr id="3" name="Tijdelijke aanduiding voor inhoud 2">
+              <a:rPr lang="nl-NL" dirty="0"/>
+              <a:t>Vraag</a:t>
+            </a:r>
+            <a:endParaRPr lang="nl-BE" dirty="0"/>
+          </a:p>
+        </p:txBody>
+      </p:sp>
+      <p:sp>
+        <p:nvSpPr>
+          <p:cNvPr id="8" name="Tijdelijke aanduiding voor inhoud 7">
             <a:extLst>
               <a:ext uri="{FF2B5EF4-FFF2-40B4-BE49-F238E27FC236}">
-                <a16:creationId xmlns:a16="http://schemas.microsoft.com/office/drawing/2014/main" id="{45DFEB34-CEE5-4016-BC66-E679F58876AC}"/>
+                <a16:creationId xmlns:a16="http://schemas.microsoft.com/office/drawing/2014/main" id="{0B80FA26-ED1F-4D57-942C-9E7B5337BA73}"/>
               </a:ext>
             </a:extLst>
           </p:cNvPr>
@@ -6075,42 +5538,200 @@
           <a:bodyPr/>
           <a:lstStyle/>
           <a:p>
-            <a:endParaRPr lang="nl-BE"/>
-          </a:p>
-        </p:txBody>
-      </p:sp>
-      <p:sp>
-        <p:nvSpPr>
-          <p:cNvPr id="4" name="Tijdelijke aanduiding voor voettekst 3">
+            <a:pPr marL="0" indent="0">
+              <a:buNone/>
+            </a:pPr>
+            <a:r>
+              <a:rPr lang="nl-NL" dirty="0"/>
+              <a:t>We kennen ondertussen al heel wat over de programmeertaal C# maar hoeveel programmeertalen bestaan er nu in werkelijkheid?</a:t>
+            </a:r>
+          </a:p>
+          <a:p>
+            <a:pPr marL="0" indent="0">
+              <a:buNone/>
+            </a:pPr>
+            <a:endParaRPr lang="nl-NL" dirty="0"/>
+          </a:p>
+          <a:p>
+            <a:pPr marL="0" indent="0">
+              <a:buNone/>
+            </a:pPr>
+            <a:endParaRPr lang="nl-BE" dirty="0"/>
+          </a:p>
+        </p:txBody>
+      </p:sp>
+      <p:sp>
+        <p:nvSpPr>
+          <p:cNvPr id="11" name="Rechthoek 10">
             <a:extLst>
               <a:ext uri="{FF2B5EF4-FFF2-40B4-BE49-F238E27FC236}">
-                <a16:creationId xmlns:a16="http://schemas.microsoft.com/office/drawing/2014/main" id="{AE021219-77D5-4015-9F8D-475A951CFC3F}"/>
+                <a16:creationId xmlns:a16="http://schemas.microsoft.com/office/drawing/2014/main" id="{8C33966A-52EC-424A-93F7-8885BFB91B5A}"/>
               </a:ext>
             </a:extLst>
           </p:cNvPr>
-          <p:cNvSpPr>
-            <a:spLocks noGrp="1"/>
-          </p:cNvSpPr>
-          <p:nvPr>
-            <p:ph type="ftr" sz="quarter" idx="11"/>
-          </p:nvPr>
-        </p:nvSpPr>
-        <p:spPr/>
-        <p:txBody>
-          <a:bodyPr/>
+          <p:cNvSpPr/>
+          <p:nvPr/>
+        </p:nvSpPr>
+        <p:spPr>
+          <a:xfrm>
+            <a:off x="1376039" y="3217443"/>
+            <a:ext cx="7927759" cy="870011"/>
+          </a:xfrm>
+          <a:prstGeom prst="rect">
+            <a:avLst/>
+          </a:prstGeom>
+          <a:ln>
+            <a:solidFill>
+              <a:schemeClr val="bg1"/>
+            </a:solidFill>
+          </a:ln>
+        </p:spPr>
+        <p:style>
+          <a:lnRef idx="2">
+            <a:schemeClr val="accent6"/>
+          </a:lnRef>
+          <a:fillRef idx="1">
+            <a:schemeClr val="lt1"/>
+          </a:fillRef>
+          <a:effectRef idx="0">
+            <a:schemeClr val="accent6"/>
+          </a:effectRef>
+          <a:fontRef idx="minor">
+            <a:schemeClr val="dk1"/>
+          </a:fontRef>
+        </p:style>
+        <p:txBody>
+          <a:bodyPr rtlCol="0" anchor="ctr"/>
           <a:lstStyle/>
           <a:p>
-            <a:r>
-              <a:rPr lang="nl-BE"/>
-              <a:t>Vesta Tech</a:t>
-            </a:r>
+            <a:pPr marL="285750" indent="-285750">
+              <a:buFont typeface="Wingdings" panose="05000000000000000000" pitchFamily="2" charset="2"/>
+              <a:buChar char="q"/>
+            </a:pPr>
+            <a:r>
+              <a:rPr lang="nl-NL" dirty="0"/>
+              <a:t>245</a:t>
+            </a:r>
+            <a:endParaRPr lang="nl-BE" dirty="0"/>
+          </a:p>
+        </p:txBody>
+      </p:sp>
+      <p:sp>
+        <p:nvSpPr>
+          <p:cNvPr id="12" name="Rechthoek 11">
+            <a:extLst>
+              <a:ext uri="{FF2B5EF4-FFF2-40B4-BE49-F238E27FC236}">
+                <a16:creationId xmlns:a16="http://schemas.microsoft.com/office/drawing/2014/main" id="{4B0E25CB-9318-4A37-BD33-A26EB414FB66}"/>
+              </a:ext>
+            </a:extLst>
+          </p:cNvPr>
+          <p:cNvSpPr/>
+          <p:nvPr/>
+        </p:nvSpPr>
+        <p:spPr>
+          <a:xfrm>
+            <a:off x="1376039" y="4310108"/>
+            <a:ext cx="7927759" cy="870011"/>
+          </a:xfrm>
+          <a:prstGeom prst="rect">
+            <a:avLst/>
+          </a:prstGeom>
+          <a:ln>
+            <a:solidFill>
+              <a:schemeClr val="bg1"/>
+            </a:solidFill>
+          </a:ln>
+        </p:spPr>
+        <p:style>
+          <a:lnRef idx="2">
+            <a:schemeClr val="accent6"/>
+          </a:lnRef>
+          <a:fillRef idx="1">
+            <a:schemeClr val="lt1"/>
+          </a:fillRef>
+          <a:effectRef idx="0">
+            <a:schemeClr val="accent6"/>
+          </a:effectRef>
+          <a:fontRef idx="minor">
+            <a:schemeClr val="dk1"/>
+          </a:fontRef>
+        </p:style>
+        <p:txBody>
+          <a:bodyPr rtlCol="0" anchor="ctr"/>
+          <a:lstStyle/>
+          <a:p>
+            <a:pPr marL="285750" indent="-285750">
+              <a:buFont typeface="Wingdings" panose="05000000000000000000" pitchFamily="2" charset="2"/>
+              <a:buChar char="q"/>
+            </a:pPr>
+            <a:r>
+              <a:rPr lang="nl-NL" dirty="0"/>
+              <a:t>700</a:t>
+            </a:r>
+            <a:endParaRPr lang="nl-BE" dirty="0"/>
+          </a:p>
+        </p:txBody>
+      </p:sp>
+      <p:sp>
+        <p:nvSpPr>
+          <p:cNvPr id="13" name="Rechthoek 12">
+            <a:extLst>
+              <a:ext uri="{FF2B5EF4-FFF2-40B4-BE49-F238E27FC236}">
+                <a16:creationId xmlns:a16="http://schemas.microsoft.com/office/drawing/2014/main" id="{6727CDC0-5E18-4D4A-B612-A1AF3CE416BE}"/>
+              </a:ext>
+            </a:extLst>
+          </p:cNvPr>
+          <p:cNvSpPr/>
+          <p:nvPr/>
+        </p:nvSpPr>
+        <p:spPr>
+          <a:xfrm>
+            <a:off x="1376039" y="5402773"/>
+            <a:ext cx="7927759" cy="870011"/>
+          </a:xfrm>
+          <a:prstGeom prst="rect">
+            <a:avLst/>
+          </a:prstGeom>
+          <a:ln>
+            <a:solidFill>
+              <a:schemeClr val="bg1"/>
+            </a:solidFill>
+          </a:ln>
+        </p:spPr>
+        <p:style>
+          <a:lnRef idx="2">
+            <a:schemeClr val="accent6"/>
+          </a:lnRef>
+          <a:fillRef idx="1">
+            <a:schemeClr val="lt1"/>
+          </a:fillRef>
+          <a:effectRef idx="0">
+            <a:schemeClr val="accent6"/>
+          </a:effectRef>
+          <a:fontRef idx="minor">
+            <a:schemeClr val="dk1"/>
+          </a:fontRef>
+        </p:style>
+        <p:txBody>
+          <a:bodyPr rtlCol="0" anchor="ctr"/>
+          <a:lstStyle/>
+          <a:p>
+            <a:pPr marL="285750" indent="-285750">
+              <a:buFont typeface="Wingdings" panose="05000000000000000000" pitchFamily="2" charset="2"/>
+              <a:buChar char="q"/>
+            </a:pPr>
+            <a:r>
+              <a:rPr lang="nl-NL" dirty="0"/>
+              <a:t>896</a:t>
+            </a:r>
+            <a:endParaRPr lang="nl-BE" dirty="0"/>
           </a:p>
         </p:txBody>
       </p:sp>
     </p:spTree>
     <p:extLst>
       <p:ext uri="{BB962C8B-B14F-4D97-AF65-F5344CB8AC3E}">
-        <p14:creationId xmlns:p14="http://schemas.microsoft.com/office/powerpoint/2010/main" val="1467476472"/>
+        <p14:creationId xmlns:p14="http://schemas.microsoft.com/office/powerpoint/2010/main" val="3586906934"/>
       </p:ext>
     </p:extLst>
   </p:cSld>
@@ -6123,14 +5744,6 @@
 <file path=ppt/slides/slide3.xml><?xml version="1.0" encoding="utf-8"?>
 <p:sld xmlns:a="http://schemas.openxmlformats.org/drawingml/2006/main" xmlns:r="http://schemas.openxmlformats.org/officeDocument/2006/relationships" xmlns:p="http://schemas.openxmlformats.org/presentationml/2006/main">
   <p:cSld>
-    <p:bg>
-      <p:bgPr>
-        <a:solidFill>
-          <a:schemeClr val="bg1"/>
-        </a:solidFill>
-        <a:effectLst/>
-      </p:bgPr>
-    </p:bg>
     <p:spTree>
       <p:nvGrpSpPr>
         <p:cNvPr id="1" name=""/>
@@ -6147,509 +5760,14 @@
       </p:grpSpPr>
       <p:sp>
         <p:nvSpPr>
-          <p:cNvPr id="71" name="Rectangle 70">
+          <p:cNvPr id="2" name="Titel 1">
             <a:extLst>
               <a:ext uri="{FF2B5EF4-FFF2-40B4-BE49-F238E27FC236}">
-                <a16:creationId xmlns:a16="http://schemas.microsoft.com/office/drawing/2014/main" id="{75E3D2E7-AD93-44A1-8BC6-0E1343A3E445}"/>
-              </a:ext>
-              <a:ext uri="{C183D7F6-B498-43B3-948B-1728B52AA6E4}">
-                <adec:decorative xmlns:adec="http://schemas.microsoft.com/office/drawing/2017/decorative" val="1"/>
+                <a16:creationId xmlns:a16="http://schemas.microsoft.com/office/drawing/2014/main" id="{E4FAD977-AC2F-4993-8AF7-569DD04536D8}"/>
               </a:ext>
             </a:extLst>
           </p:cNvPr>
           <p:cNvSpPr>
-            <a:spLocks noGrp="1" noRot="1" noChangeAspect="1" noMove="1" noResize="1" noEditPoints="1" noAdjustHandles="1" noChangeArrowheads="1" noChangeShapeType="1" noTextEdit="1"/>
-          </p:cNvSpPr>
-          <p:nvPr>
-            <p:extLst>
-              <p:ext uri="{386F3935-93C4-4BCD-93E2-E3B085C9AB24}">
-                <p16:designElem xmlns:p16="http://schemas.microsoft.com/office/powerpoint/2015/main" val="1"/>
-              </p:ext>
-            </p:extLst>
-          </p:nvPr>
-        </p:nvSpPr>
-        <p:spPr>
-          <a:xfrm>
-            <a:off x="920834" y="1346946"/>
-            <a:ext cx="10222992" cy="80683"/>
-          </a:xfrm>
-          <a:prstGeom prst="rect">
-            <a:avLst/>
-          </a:prstGeom>
-          <a:blipFill dpi="0" rotWithShape="1">
-            <a:blip r:embed="rId2">
-              <a:alphaModFix amt="83000"/>
-              <a:lum bright="70000" contrast="-70000"/>
-              <a:extLst>
-                <a:ext uri="{BEBA8EAE-BF5A-486C-A8C5-ECC9F3942E4B}">
-                  <a14:imgProps xmlns:a14="http://schemas.microsoft.com/office/drawing/2010/main">
-                    <a14:imgLayer r:embed="rId3">
-                      <a14:imgEffect>
-                        <a14:sharpenSoften amount="61000"/>
-                      </a14:imgEffect>
-                    </a14:imgLayer>
-                  </a14:imgProps>
-                </a:ext>
-                <a:ext uri="{28A0092B-C50C-407E-A947-70E740481C1C}">
-                  <a14:useLocalDpi xmlns:a14="http://schemas.microsoft.com/office/drawing/2010/main" val="0"/>
-                </a:ext>
-              </a:extLst>
-            </a:blip>
-            <a:srcRect/>
-            <a:tile tx="0" ty="-762000" sx="92000" sy="89000" flip="xy" algn="ctr"/>
-          </a:blipFill>
-          <a:ln>
-            <a:noFill/>
-          </a:ln>
-        </p:spPr>
-        <p:style>
-          <a:lnRef idx="2">
-            <a:schemeClr val="accent1">
-              <a:shade val="50000"/>
-            </a:schemeClr>
-          </a:lnRef>
-          <a:fillRef idx="1">
-            <a:schemeClr val="accent1"/>
-          </a:fillRef>
-          <a:effectRef idx="0">
-            <a:schemeClr val="accent1"/>
-          </a:effectRef>
-          <a:fontRef idx="minor">
-            <a:schemeClr val="lt1"/>
-          </a:fontRef>
-        </p:style>
-      </p:sp>
-      <p:sp>
-        <p:nvSpPr>
-          <p:cNvPr id="73" name="Rectangle 72">
-            <a:extLst>
-              <a:ext uri="{FF2B5EF4-FFF2-40B4-BE49-F238E27FC236}">
-                <a16:creationId xmlns:a16="http://schemas.microsoft.com/office/drawing/2014/main" id="{9CC5271D-3244-41E2-B819-CBCB46B719A3}"/>
-              </a:ext>
-              <a:ext uri="{C183D7F6-B498-43B3-948B-1728B52AA6E4}">
-                <adec:decorative xmlns:adec="http://schemas.microsoft.com/office/drawing/2017/decorative" val="1"/>
-              </a:ext>
-            </a:extLst>
-          </p:cNvPr>
-          <p:cNvSpPr>
-            <a:spLocks noGrp="1" noRot="1" noChangeAspect="1" noMove="1" noResize="1" noEditPoints="1" noAdjustHandles="1" noChangeArrowheads="1" noChangeShapeType="1" noTextEdit="1"/>
-          </p:cNvSpPr>
-          <p:nvPr>
-            <p:extLst>
-              <p:ext uri="{386F3935-93C4-4BCD-93E2-E3B085C9AB24}">
-                <p16:designElem xmlns:p16="http://schemas.microsoft.com/office/powerpoint/2015/main" val="1"/>
-              </p:ext>
-            </p:extLst>
-          </p:nvPr>
-        </p:nvSpPr>
-        <p:spPr>
-          <a:xfrm>
-            <a:off x="920834" y="4299696"/>
-            <a:ext cx="10222992" cy="80683"/>
-          </a:xfrm>
-          <a:prstGeom prst="rect">
-            <a:avLst/>
-          </a:prstGeom>
-          <a:blipFill dpi="0" rotWithShape="1">
-            <a:blip r:embed="rId2">
-              <a:alphaModFix amt="83000"/>
-              <a:lum bright="70000" contrast="-70000"/>
-              <a:extLst>
-                <a:ext uri="{BEBA8EAE-BF5A-486C-A8C5-ECC9F3942E4B}">
-                  <a14:imgProps xmlns:a14="http://schemas.microsoft.com/office/drawing/2010/main">
-                    <a14:imgLayer r:embed="rId3">
-                      <a14:imgEffect>
-                        <a14:sharpenSoften amount="61000"/>
-                      </a14:imgEffect>
-                    </a14:imgLayer>
-                  </a14:imgProps>
-                </a:ext>
-                <a:ext uri="{28A0092B-C50C-407E-A947-70E740481C1C}">
-                  <a14:useLocalDpi xmlns:a14="http://schemas.microsoft.com/office/drawing/2010/main" val="0"/>
-                </a:ext>
-              </a:extLst>
-            </a:blip>
-            <a:srcRect/>
-            <a:tile tx="0" ty="-717550" sx="92000" sy="89000" flip="xy" algn="ctr"/>
-          </a:blipFill>
-          <a:ln>
-            <a:noFill/>
-          </a:ln>
-        </p:spPr>
-        <p:style>
-          <a:lnRef idx="2">
-            <a:schemeClr val="accent1">
-              <a:shade val="50000"/>
-            </a:schemeClr>
-          </a:lnRef>
-          <a:fillRef idx="1">
-            <a:schemeClr val="accent1"/>
-          </a:fillRef>
-          <a:effectRef idx="0">
-            <a:schemeClr val="accent1"/>
-          </a:effectRef>
-          <a:fontRef idx="minor">
-            <a:schemeClr val="lt1"/>
-          </a:fontRef>
-        </p:style>
-      </p:sp>
-      <p:sp>
-        <p:nvSpPr>
-          <p:cNvPr id="75" name="Rectangle 74">
-            <a:extLst>
-              <a:ext uri="{FF2B5EF4-FFF2-40B4-BE49-F238E27FC236}">
-                <a16:creationId xmlns:a16="http://schemas.microsoft.com/office/drawing/2014/main" id="{5683B5F4-86FD-4BF8-88F1-837F5B70B334}"/>
-              </a:ext>
-              <a:ext uri="{C183D7F6-B498-43B3-948B-1728B52AA6E4}">
-                <adec:decorative xmlns:adec="http://schemas.microsoft.com/office/drawing/2017/decorative" val="1"/>
-              </a:ext>
-            </a:extLst>
-          </p:cNvPr>
-          <p:cNvSpPr>
-            <a:spLocks noGrp="1" noRot="1" noChangeAspect="1" noMove="1" noResize="1" noEditPoints="1" noAdjustHandles="1" noChangeArrowheads="1" noChangeShapeType="1" noTextEdit="1"/>
-          </p:cNvSpPr>
-          <p:nvPr>
-            <p:extLst>
-              <p:ext uri="{386F3935-93C4-4BCD-93E2-E3B085C9AB24}">
-                <p16:designElem xmlns:p16="http://schemas.microsoft.com/office/powerpoint/2015/main" val="1"/>
-              </p:ext>
-            </p:extLst>
-          </p:nvPr>
-        </p:nvSpPr>
-        <p:spPr>
-          <a:xfrm>
-            <a:off x="920834" y="1484779"/>
-            <a:ext cx="10222992" cy="2743200"/>
-          </a:xfrm>
-          <a:prstGeom prst="rect">
-            <a:avLst/>
-          </a:prstGeom>
-          <a:blipFill dpi="0" rotWithShape="1">
-            <a:blip r:embed="rId2">
-              <a:alphaModFix amt="83000"/>
-              <a:lum bright="70000" contrast="-70000"/>
-              <a:extLst>
-                <a:ext uri="{BEBA8EAE-BF5A-486C-A8C5-ECC9F3942E4B}">
-                  <a14:imgProps xmlns:a14="http://schemas.microsoft.com/office/drawing/2010/main">
-                    <a14:imgLayer r:embed="rId3">
-                      <a14:imgEffect>
-                        <a14:sharpenSoften amount="61000"/>
-                      </a14:imgEffect>
-                    </a14:imgLayer>
-                  </a14:imgProps>
-                </a:ext>
-                <a:ext uri="{28A0092B-C50C-407E-A947-70E740481C1C}">
-                  <a14:useLocalDpi xmlns:a14="http://schemas.microsoft.com/office/drawing/2010/main" val="0"/>
-                </a:ext>
-              </a:extLst>
-            </a:blip>
-            <a:srcRect/>
-            <a:tile tx="0" ty="-704850" sx="92000" sy="89000" flip="xy" algn="ctr"/>
-          </a:blipFill>
-          <a:ln>
-            <a:noFill/>
-          </a:ln>
-        </p:spPr>
-        <p:style>
-          <a:lnRef idx="2">
-            <a:schemeClr val="accent1">
-              <a:shade val="50000"/>
-            </a:schemeClr>
-          </a:lnRef>
-          <a:fillRef idx="1">
-            <a:schemeClr val="accent1"/>
-          </a:fillRef>
-          <a:effectRef idx="0">
-            <a:schemeClr val="accent1"/>
-          </a:effectRef>
-          <a:fontRef idx="minor">
-            <a:schemeClr val="lt1"/>
-          </a:fontRef>
-        </p:style>
-      </p:sp>
-      <p:grpSp>
-        <p:nvGrpSpPr>
-          <p:cNvPr id="77" name="Group 76">
-            <a:extLst>
-              <a:ext uri="{FF2B5EF4-FFF2-40B4-BE49-F238E27FC236}">
-                <a16:creationId xmlns:a16="http://schemas.microsoft.com/office/drawing/2014/main" id="{468FD2E2-2BBC-4CE0-8728-F7F04CF3DA80}"/>
-              </a:ext>
-              <a:ext uri="{C183D7F6-B498-43B3-948B-1728B52AA6E4}">
-                <adec:decorative xmlns:adec="http://schemas.microsoft.com/office/drawing/2017/decorative" val="1"/>
-              </a:ext>
-            </a:extLst>
-          </p:cNvPr>
-          <p:cNvGrpSpPr>
-            <a:grpSpLocks noGrp="1" noUngrp="1" noRot="1" noChangeAspect="1" noMove="1" noResize="1"/>
-          </p:cNvGrpSpPr>
-          <p:nvPr>
-            <p:extLst>
-              <p:ext uri="{386F3935-93C4-4BCD-93E2-E3B085C9AB24}">
-                <p16:designElem xmlns:p16="http://schemas.microsoft.com/office/powerpoint/2015/main" val="1"/>
-              </p:ext>
-            </p:extLst>
-          </p:nvPr>
-        </p:nvGrpSpPr>
-        <p:grpSpPr>
-          <a:xfrm>
-            <a:off x="9649215" y="4068923"/>
-            <a:ext cx="1080904" cy="1080902"/>
-            <a:chOff x="9685338" y="4460675"/>
-            <a:chExt cx="1080904" cy="1080902"/>
-          </a:xfrm>
-        </p:grpSpPr>
-        <p:sp>
-          <p:nvSpPr>
-            <p:cNvPr id="78" name="Oval 77">
-              <a:extLst>
-                <a:ext uri="{FF2B5EF4-FFF2-40B4-BE49-F238E27FC236}">
-                  <a16:creationId xmlns:a16="http://schemas.microsoft.com/office/drawing/2014/main" id="{DFDB4C9A-B334-4F22-B77C-0ABDFA489FB9}"/>
-                </a:ext>
-                <a:ext uri="{C183D7F6-B498-43B3-948B-1728B52AA6E4}">
-                  <adec:decorative xmlns:adec="http://schemas.microsoft.com/office/drawing/2017/decorative" val="1"/>
-                </a:ext>
-              </a:extLst>
-            </p:cNvPr>
-            <p:cNvSpPr/>
-            <p:nvPr>
-              <p:extLst>
-                <p:ext uri="{386F3935-93C4-4BCD-93E2-E3B085C9AB24}">
-                  <p16:designElem xmlns:p16="http://schemas.microsoft.com/office/powerpoint/2015/main" val="1"/>
-                </p:ext>
-              </p:extLst>
-            </p:nvPr>
-          </p:nvSpPr>
-          <p:spPr>
-            <a:xfrm>
-              <a:off x="9685338" y="4460675"/>
-              <a:ext cx="1080904" cy="1080902"/>
-            </a:xfrm>
-            <a:prstGeom prst="ellipse">
-              <a:avLst/>
-            </a:prstGeom>
-            <a:blipFill dpi="0" rotWithShape="1">
-              <a:blip r:embed="rId4">
-                <a:duotone>
-                  <a:schemeClr val="accent1">
-                    <a:shade val="45000"/>
-                    <a:satMod val="135000"/>
-                  </a:schemeClr>
-                  <a:prstClr val="white"/>
-                </a:duotone>
-                <a:extLst>
-                  <a:ext uri="{BEBA8EAE-BF5A-486C-A8C5-ECC9F3942E4B}">
-                    <a14:imgProps xmlns:a14="http://schemas.microsoft.com/office/drawing/2010/main">
-                      <a14:imgLayer r:embed="rId5">
-                        <a14:imgEffect>
-                          <a14:saturation sat="95000"/>
-                        </a14:imgEffect>
-                      </a14:imgLayer>
-                    </a14:imgProps>
-                  </a:ext>
-                </a:extLst>
-              </a:blip>
-              <a:srcRect/>
-              <a:tile tx="0" ty="0" sx="85000" sy="85000" flip="none" algn="tl"/>
-            </a:blipFill>
-            <a:ln w="25400" cap="flat" cmpd="sng" algn="ctr">
-              <a:noFill/>
-              <a:prstDash val="solid"/>
-            </a:ln>
-            <a:effectLst/>
-          </p:spPr>
-        </p:sp>
-        <p:sp>
-          <p:nvSpPr>
-            <p:cNvPr id="79" name="Oval 78">
-              <a:extLst>
-                <a:ext uri="{FF2B5EF4-FFF2-40B4-BE49-F238E27FC236}">
-                  <a16:creationId xmlns:a16="http://schemas.microsoft.com/office/drawing/2014/main" id="{20B25D87-B509-4BDD-8E23-850E1C3903D8}"/>
-                </a:ext>
-                <a:ext uri="{C183D7F6-B498-43B3-948B-1728B52AA6E4}">
-                  <adec:decorative xmlns:adec="http://schemas.microsoft.com/office/drawing/2017/decorative" val="1"/>
-                </a:ext>
-              </a:extLst>
-            </p:cNvPr>
-            <p:cNvSpPr/>
-            <p:nvPr>
-              <p:extLst>
-                <p:ext uri="{386F3935-93C4-4BCD-93E2-E3B085C9AB24}">
-                  <p16:designElem xmlns:p16="http://schemas.microsoft.com/office/powerpoint/2015/main" val="1"/>
-                </p:ext>
-              </p:extLst>
-            </p:nvPr>
-          </p:nvSpPr>
-          <p:spPr>
-            <a:xfrm>
-              <a:off x="9793429" y="4568765"/>
-              <a:ext cx="864723" cy="864722"/>
-            </a:xfrm>
-            <a:prstGeom prst="ellipse">
-              <a:avLst/>
-            </a:prstGeom>
-            <a:noFill/>
-            <a:ln w="25400" cap="flat" cmpd="sng" algn="ctr">
-              <a:solidFill>
-                <a:sysClr val="window" lastClr="FFFFFF"/>
-              </a:solidFill>
-              <a:prstDash val="solid"/>
-            </a:ln>
-            <a:effectLst/>
-          </p:spPr>
-        </p:sp>
-      </p:grpSp>
-      <p:sp useBgFill="1">
-        <p:nvSpPr>
-          <p:cNvPr id="81" name="Rectangle 80">
-            <a:extLst>
-              <a:ext uri="{FF2B5EF4-FFF2-40B4-BE49-F238E27FC236}">
-                <a16:creationId xmlns:a16="http://schemas.microsoft.com/office/drawing/2014/main" id="{19A1D830-E73C-47A9-A534-323CEEFF5B32}"/>
-              </a:ext>
-              <a:ext uri="{C183D7F6-B498-43B3-948B-1728B52AA6E4}">
-                <adec:decorative xmlns:adec="http://schemas.microsoft.com/office/drawing/2017/decorative" val="1"/>
-              </a:ext>
-            </a:extLst>
-          </p:cNvPr>
-          <p:cNvSpPr>
-            <a:spLocks noGrp="1" noRot="1" noChangeAspect="1" noMove="1" noResize="1" noEditPoints="1" noAdjustHandles="1" noChangeArrowheads="1" noChangeShapeType="1" noTextEdit="1"/>
-          </p:cNvSpPr>
-          <p:nvPr>
-            <p:extLst>
-              <p:ext uri="{386F3935-93C4-4BCD-93E2-E3B085C9AB24}">
-                <p16:designElem xmlns:p16="http://schemas.microsoft.com/office/powerpoint/2015/main" val="1"/>
-              </p:ext>
-            </p:extLst>
-          </p:nvPr>
-        </p:nvSpPr>
-        <p:spPr>
-          <a:xfrm>
-            <a:off x="0" y="0"/>
-            <a:ext cx="12192000" cy="6858000"/>
-          </a:xfrm>
-          <a:prstGeom prst="rect">
-            <a:avLst/>
-          </a:prstGeom>
-          <a:ln>
-            <a:noFill/>
-          </a:ln>
-        </p:spPr>
-        <p:style>
-          <a:lnRef idx="2">
-            <a:schemeClr val="accent1">
-              <a:shade val="50000"/>
-            </a:schemeClr>
-          </a:lnRef>
-          <a:fillRef idx="1">
-            <a:schemeClr val="accent1"/>
-          </a:fillRef>
-          <a:effectRef idx="0">
-            <a:schemeClr val="accent1"/>
-          </a:effectRef>
-          <a:fontRef idx="minor">
-            <a:schemeClr val="lt1"/>
-          </a:fontRef>
-        </p:style>
-        <p:txBody>
-          <a:bodyPr rtlCol="0" anchor="ctr"/>
-          <a:lstStyle/>
-          <a:p>
-            <a:pPr algn="ctr"/>
-            <a:endParaRPr lang="en-US"/>
-          </a:p>
-        </p:txBody>
-      </p:sp>
-      <p:sp>
-        <p:nvSpPr>
-          <p:cNvPr id="83" name="Rectangle 82">
-            <a:extLst>
-              <a:ext uri="{FF2B5EF4-FFF2-40B4-BE49-F238E27FC236}">
-                <a16:creationId xmlns:a16="http://schemas.microsoft.com/office/drawing/2014/main" id="{8F69FBEC-4C47-4288-962D-3FC20C79F3F5}"/>
-              </a:ext>
-              <a:ext uri="{C183D7F6-B498-43B3-948B-1728B52AA6E4}">
-                <adec:decorative xmlns:adec="http://schemas.microsoft.com/office/drawing/2017/decorative" val="1"/>
-              </a:ext>
-            </a:extLst>
-          </p:cNvPr>
-          <p:cNvSpPr>
-            <a:spLocks noGrp="1" noRot="1" noChangeAspect="1" noMove="1" noResize="1" noEditPoints="1" noAdjustHandles="1" noChangeArrowheads="1" noChangeShapeType="1" noTextEdit="1"/>
-          </p:cNvSpPr>
-          <p:nvPr>
-            <p:extLst>
-              <p:ext uri="{386F3935-93C4-4BCD-93E2-E3B085C9AB24}">
-                <p16:designElem xmlns:p16="http://schemas.microsoft.com/office/powerpoint/2015/main" val="1"/>
-              </p:ext>
-            </p:extLst>
-          </p:nvPr>
-        </p:nvSpPr>
-        <p:spPr>
-          <a:xfrm>
-            <a:off x="0" y="0"/>
-            <a:ext cx="12192000" cy="6857999"/>
-          </a:xfrm>
-          <a:prstGeom prst="rect">
-            <a:avLst/>
-          </a:prstGeom>
-          <a:blipFill dpi="0" rotWithShape="1">
-            <a:blip r:embed="rId2">
-              <a:alphaModFix amt="60000"/>
-              <a:lum bright="70000" contrast="-70000"/>
-              <a:extLst>
-                <a:ext uri="{BEBA8EAE-BF5A-486C-A8C5-ECC9F3942E4B}">
-                  <a14:imgProps xmlns:a14="http://schemas.microsoft.com/office/drawing/2010/main">
-                    <a14:imgLayer r:embed="rId3">
-                      <a14:imgEffect>
-                        <a14:sharpenSoften amount="61000"/>
-                      </a14:imgEffect>
-                    </a14:imgLayer>
-                  </a14:imgProps>
-                </a:ext>
-                <a:ext uri="{28A0092B-C50C-407E-A947-70E740481C1C}">
-                  <a14:useLocalDpi xmlns:a14="http://schemas.microsoft.com/office/drawing/2010/main" val="0"/>
-                </a:ext>
-              </a:extLst>
-            </a:blip>
-            <a:srcRect/>
-            <a:tile tx="0" ty="-704850" sx="92000" sy="89000" flip="xy" algn="ctr"/>
-          </a:blipFill>
-          <a:ln>
-            <a:noFill/>
-          </a:ln>
-        </p:spPr>
-        <p:style>
-          <a:lnRef idx="2">
-            <a:schemeClr val="accent1">
-              <a:shade val="50000"/>
-            </a:schemeClr>
-          </a:lnRef>
-          <a:fillRef idx="1">
-            <a:schemeClr val="accent1"/>
-          </a:fillRef>
-          <a:effectRef idx="0">
-            <a:schemeClr val="accent1"/>
-          </a:effectRef>
-          <a:fontRef idx="minor">
-            <a:schemeClr val="lt1"/>
-          </a:fontRef>
-        </p:style>
-        <p:txBody>
-          <a:bodyPr rtlCol="0" anchor="ctr"/>
-          <a:lstStyle/>
-          <a:p>
-            <a:pPr algn="ctr"/>
-            <a:endParaRPr lang="en-US"/>
-          </a:p>
-        </p:txBody>
-      </p:sp>
-      <p:sp>
-        <p:nvSpPr>
-          <p:cNvPr id="2" name="Titel 1">
-            <a:extLst>
-              <a:ext uri="{FF2B5EF4-FFF2-40B4-BE49-F238E27FC236}">
-                <a16:creationId xmlns:a16="http://schemas.microsoft.com/office/drawing/2014/main" id="{3D0A41E4-3A12-41DC-9FEF-57AE1299A214}"/>
-              </a:ext>
-            </a:extLst>
-          </p:cNvPr>
-          <p:cNvSpPr>
             <a:spLocks noGrp="1"/>
           </p:cNvSpPr>
           <p:nvPr>
@@ -6658,308 +5776,27 @@
         </p:nvSpPr>
         <p:spPr>
           <a:xfrm>
-            <a:off x="7534654" y="702365"/>
-            <a:ext cx="3896264" cy="3765666"/>
-          </a:xfrm>
-        </p:spPr>
-        <p:txBody>
-          <a:bodyPr vert="horz" lIns="91440" tIns="45720" rIns="91440" bIns="45720" rtlCol="0" anchor="b">
-            <a:normAutofit/>
-          </a:bodyPr>
-          <a:lstStyle/>
-          <a:p>
-            <a:pPr>
-              <a:lnSpc>
-                <a:spcPct val="85000"/>
-              </a:lnSpc>
-            </a:pPr>
-            <a:r>
-              <a:rPr lang="en-US" sz="7200" b="1" kern="1200" cap="none" baseline="0">
-                <a:blipFill dpi="0" rotWithShape="1">
-                  <a:blip r:embed="rId4"/>
-                  <a:srcRect/>
-                  <a:tile tx="6350" ty="-127000" sx="65000" sy="64000" flip="none" algn="tl"/>
-                </a:blipFill>
-                <a:latin typeface="+mj-lt"/>
-                <a:ea typeface="+mj-ea"/>
-                <a:cs typeface="+mj-cs"/>
-              </a:rPr>
-              <a:t>Bedrijf</a:t>
-            </a:r>
-          </a:p>
-        </p:txBody>
-      </p:sp>
-      <p:pic>
-        <p:nvPicPr>
-          <p:cNvPr id="2050" name="Picture 2" descr="How Vestatech Completed a Migration to ConnectWise using HDM - Help Desk  Migration Service">
-            <a:extLst>
-              <a:ext uri="{FF2B5EF4-FFF2-40B4-BE49-F238E27FC236}">
-                <a16:creationId xmlns:a16="http://schemas.microsoft.com/office/drawing/2014/main" id="{F25D45B9-C80A-4268-9A23-754B14FA731C}"/>
-              </a:ext>
-            </a:extLst>
-          </p:cNvPr>
-          <p:cNvPicPr>
-            <a:picLocks noChangeAspect="1" noChangeArrowheads="1"/>
-          </p:cNvPicPr>
-          <p:nvPr/>
-        </p:nvPicPr>
-        <p:blipFill rotWithShape="1">
-          <a:blip r:embed="rId6">
-            <a:extLst>
-              <a:ext uri="{28A0092B-C50C-407E-A947-70E740481C1C}">
-                <a14:useLocalDpi xmlns:a14="http://schemas.microsoft.com/office/drawing/2010/main" val="0"/>
-              </a:ext>
-            </a:extLst>
-          </a:blip>
-          <a:srcRect l="15293" r="14520" b="2"/>
-          <a:stretch/>
-        </p:blipFill>
-        <p:spPr bwMode="auto">
-          <a:xfrm>
-            <a:off x="20" y="10"/>
-            <a:ext cx="6901088" cy="6857990"/>
-          </a:xfrm>
-          <a:prstGeom prst="rect">
-            <a:avLst/>
-          </a:prstGeom>
-          <a:noFill/>
-          <a:extLst>
-            <a:ext uri="{909E8E84-426E-40DD-AFC4-6F175D3DCCD1}">
-              <a14:hiddenFill xmlns:a14="http://schemas.microsoft.com/office/drawing/2010/main">
-                <a:solidFill>
-                  <a:srgbClr val="FFFFFF"/>
-                </a:solidFill>
-              </a14:hiddenFill>
-            </a:ext>
-          </a:extLst>
-        </p:spPr>
-      </p:pic>
-      <p:grpSp>
-        <p:nvGrpSpPr>
-          <p:cNvPr id="85" name="Group 84">
-            <a:extLst>
-              <a:ext uri="{FF2B5EF4-FFF2-40B4-BE49-F238E27FC236}">
-                <a16:creationId xmlns:a16="http://schemas.microsoft.com/office/drawing/2014/main" id="{54F6FC82-E588-4DA0-8096-0C3BD54F17B5}"/>
-              </a:ext>
-              <a:ext uri="{C183D7F6-B498-43B3-948B-1728B52AA6E4}">
-                <adec:decorative xmlns:adec="http://schemas.microsoft.com/office/drawing/2017/decorative" val="1"/>
-              </a:ext>
-            </a:extLst>
-          </p:cNvPr>
-          <p:cNvGrpSpPr>
-            <a:grpSpLocks noGrp="1" noUngrp="1" noRot="1" noChangeAspect="1" noMove="1" noResize="1"/>
-          </p:cNvGrpSpPr>
-          <p:nvPr>
-            <p:extLst>
-              <p:ext uri="{386F3935-93C4-4BCD-93E2-E3B085C9AB24}">
-                <p16:designElem xmlns:p16="http://schemas.microsoft.com/office/powerpoint/2015/main" val="1"/>
-              </p:ext>
-            </p:extLst>
-          </p:nvPr>
-        </p:nvGrpSpPr>
-        <p:grpSpPr>
-          <a:xfrm>
-            <a:off x="11401724" y="6229681"/>
-            <a:ext cx="457200" cy="457200"/>
-            <a:chOff x="11361456" y="6195813"/>
-            <a:chExt cx="548640" cy="548640"/>
-          </a:xfrm>
-        </p:grpSpPr>
-        <p:sp>
-          <p:nvSpPr>
-            <p:cNvPr id="86" name="Oval 85">
-              <a:extLst>
-                <a:ext uri="{FF2B5EF4-FFF2-40B4-BE49-F238E27FC236}">
-                  <a16:creationId xmlns:a16="http://schemas.microsoft.com/office/drawing/2014/main" id="{E8898E90-044F-45FF-8B4D-CE0F6A630A46}"/>
-                </a:ext>
-                <a:ext uri="{C183D7F6-B498-43B3-948B-1728B52AA6E4}">
-                  <adec:decorative xmlns:adec="http://schemas.microsoft.com/office/drawing/2017/decorative" val="1"/>
-                </a:ext>
-              </a:extLst>
-            </p:cNvPr>
-            <p:cNvSpPr/>
-            <p:nvPr>
-              <p:extLst>
-                <p:ext uri="{386F3935-93C4-4BCD-93E2-E3B085C9AB24}">
-                  <p16:designElem xmlns:p16="http://schemas.microsoft.com/office/powerpoint/2015/main" val="1"/>
-                </p:ext>
-              </p:extLst>
-            </p:nvPr>
-          </p:nvSpPr>
-          <p:spPr>
-            <a:xfrm>
-              <a:off x="11361456" y="6195813"/>
-              <a:ext cx="548640" cy="548640"/>
-            </a:xfrm>
-            <a:prstGeom prst="ellipse">
-              <a:avLst/>
-            </a:prstGeom>
-            <a:blipFill dpi="0" rotWithShape="1">
-              <a:blip r:embed="rId7">
-                <a:duotone>
-                  <a:schemeClr val="accent1">
-                    <a:shade val="45000"/>
-                    <a:satMod val="135000"/>
-                  </a:schemeClr>
-                  <a:prstClr val="white"/>
-                </a:duotone>
-              </a:blip>
-              <a:srcRect/>
-              <a:tile tx="50800" ty="0" sx="85000" sy="85000" flip="none" algn="tl"/>
-            </a:blipFill>
-            <a:ln w="25400" cap="flat" cmpd="sng" algn="ctr">
-              <a:noFill/>
-              <a:prstDash val="solid"/>
-            </a:ln>
-            <a:effectLst/>
-          </p:spPr>
-          <p:txBody>
-            <a:bodyPr lIns="0" tIns="0" rIns="0" bIns="0" rtlCol="0" anchor="ctr"/>
-            <a:lstStyle/>
-            <a:p>
-              <a:pPr marL="0" marR="0" lvl="0" indent="0" algn="ctr" defTabSz="914400" eaLnBrk="1" fontAlgn="auto" latinLnBrk="0" hangingPunct="1">
-                <a:lnSpc>
-                  <a:spcPct val="100000"/>
-                </a:lnSpc>
-                <a:spcBef>
-                  <a:spcPts val="0"/>
-                </a:spcBef>
-                <a:spcAft>
-                  <a:spcPts val="0"/>
-                </a:spcAft>
-                <a:buClrTx/>
-                <a:buSzTx/>
-                <a:buFontTx/>
-                <a:buNone/>
-                <a:tabLst/>
-                <a:defRPr/>
-              </a:pPr>
-              <a:endParaRPr kumimoji="0" lang="en-US" sz="2000" b="0" i="0" u="none" strike="noStrike" kern="0" cap="none" spc="0" normalizeH="0" baseline="0" noProof="0" dirty="0">
-                <a:ln>
-                  <a:noFill/>
-                </a:ln>
-                <a:solidFill>
-                  <a:prstClr val="white"/>
-                </a:solidFill>
-                <a:effectLst/>
-                <a:uLnTx/>
-                <a:uFillTx/>
-                <a:latin typeface="Rockwell Extra Bold" pitchFamily="18" charset="0"/>
-                <a:ea typeface="+mn-ea"/>
-                <a:cs typeface="+mn-cs"/>
-              </a:endParaRPr>
-            </a:p>
-          </p:txBody>
-        </p:sp>
-        <p:sp>
-          <p:nvSpPr>
-            <p:cNvPr id="87" name="Oval 86">
-              <a:extLst>
-                <a:ext uri="{FF2B5EF4-FFF2-40B4-BE49-F238E27FC236}">
-                  <a16:creationId xmlns:a16="http://schemas.microsoft.com/office/drawing/2014/main" id="{923BF161-A852-4DA5-BB4C-2DFC336B7779}"/>
-                </a:ext>
-                <a:ext uri="{C183D7F6-B498-43B3-948B-1728B52AA6E4}">
-                  <adec:decorative xmlns:adec="http://schemas.microsoft.com/office/drawing/2017/decorative" val="1"/>
-                </a:ext>
-              </a:extLst>
-            </p:cNvPr>
-            <p:cNvSpPr/>
-            <p:nvPr>
-              <p:extLst>
-                <p:ext uri="{386F3935-93C4-4BCD-93E2-E3B085C9AB24}">
-                  <p16:designElem xmlns:p16="http://schemas.microsoft.com/office/powerpoint/2015/main" val="1"/>
-                </p:ext>
-              </p:extLst>
-            </p:nvPr>
-          </p:nvSpPr>
-          <p:spPr>
-            <a:xfrm>
-              <a:off x="11396488" y="6230844"/>
-              <a:ext cx="478576" cy="478578"/>
-            </a:xfrm>
-            <a:prstGeom prst="ellipse">
-              <a:avLst/>
-            </a:prstGeom>
-            <a:noFill/>
-            <a:ln w="12700" cap="flat" cmpd="sng" algn="ctr">
-              <a:solidFill>
-                <a:srgbClr val="FFFFFF"/>
-              </a:solidFill>
-              <a:prstDash val="solid"/>
-            </a:ln>
-            <a:effectLst/>
-          </p:spPr>
-          <p:txBody>
-            <a:bodyPr rtlCol="0" anchor="ctr"/>
-            <a:lstStyle/>
-            <a:p>
-              <a:pPr marL="0" marR="0" lvl="0" indent="0" algn="ctr" defTabSz="914400" eaLnBrk="1" fontAlgn="auto" latinLnBrk="0" hangingPunct="1">
-                <a:lnSpc>
-                  <a:spcPct val="100000"/>
-                </a:lnSpc>
-                <a:spcBef>
-                  <a:spcPts val="0"/>
-                </a:spcBef>
-                <a:spcAft>
-                  <a:spcPts val="0"/>
-                </a:spcAft>
-                <a:buClrTx/>
-                <a:buSzTx/>
-                <a:buFontTx/>
-                <a:buNone/>
-                <a:tabLst/>
-                <a:defRPr/>
-              </a:pPr>
-              <a:endParaRPr kumimoji="0" lang="en-US" sz="1800" b="0" i="0" u="none" strike="noStrike" kern="0" cap="none" spc="0" normalizeH="0" baseline="0" noProof="0" dirty="0">
-                <a:ln>
-                  <a:noFill/>
-                </a:ln>
-                <a:solidFill>
-                  <a:prstClr val="white"/>
-                </a:solidFill>
-                <a:effectLst/>
-                <a:uLnTx/>
-                <a:uFillTx/>
-                <a:latin typeface="Calibri"/>
-                <a:ea typeface="+mn-ea"/>
-                <a:cs typeface="+mn-cs"/>
-              </a:endParaRPr>
-            </a:p>
-          </p:txBody>
-        </p:sp>
-      </p:grpSp>
-      <p:sp>
-        <p:nvSpPr>
-          <p:cNvPr id="4" name="Tijdelijke aanduiding voor voettekst 3">
-            <a:extLst>
-              <a:ext uri="{FF2B5EF4-FFF2-40B4-BE49-F238E27FC236}">
-                <a16:creationId xmlns:a16="http://schemas.microsoft.com/office/drawing/2014/main" id="{E83A17F2-41EE-4E1F-B302-F456E5FBB329}"/>
-              </a:ext>
-            </a:extLst>
-          </p:cNvPr>
-          <p:cNvSpPr>
-            <a:spLocks noGrp="1"/>
-          </p:cNvSpPr>
-          <p:nvPr>
-            <p:ph type="ftr" sz="quarter" idx="11"/>
-          </p:nvPr>
-        </p:nvSpPr>
-        <p:spPr/>
+            <a:off x="1066800" y="2624328"/>
+            <a:ext cx="10058400" cy="1609344"/>
+          </a:xfrm>
+        </p:spPr>
         <p:txBody>
           <a:bodyPr/>
           <a:lstStyle/>
           <a:p>
-            <a:r>
-              <a:rPr lang="nl-BE"/>
-              <a:t>Vesta Tech</a:t>
-            </a:r>
+            <a:pPr algn="ctr"/>
+            <a:r>
+              <a:rPr lang="nl-NL" dirty="0"/>
+              <a:t>Antwoord op het einde van de presentatie!</a:t>
+            </a:r>
+            <a:endParaRPr lang="nl-BE" dirty="0"/>
           </a:p>
         </p:txBody>
       </p:sp>
     </p:spTree>
     <p:extLst>
       <p:ext uri="{BB962C8B-B14F-4D97-AF65-F5344CB8AC3E}">
-        <p14:creationId xmlns:p14="http://schemas.microsoft.com/office/powerpoint/2010/main" val="44207850"/>
+        <p14:creationId xmlns:p14="http://schemas.microsoft.com/office/powerpoint/2010/main" val="396150741"/>
       </p:ext>
     </p:extLst>
   </p:cSld>
@@ -6991,7 +5828,7 @@
           <p:cNvPr id="2" name="Titel 1">
             <a:extLst>
               <a:ext uri="{FF2B5EF4-FFF2-40B4-BE49-F238E27FC236}">
-                <a16:creationId xmlns:a16="http://schemas.microsoft.com/office/drawing/2014/main" id="{E8A5A64D-03AB-4AF3-90C4-8B454D94F2A3}"/>
+                <a16:creationId xmlns:a16="http://schemas.microsoft.com/office/drawing/2014/main" id="{8A366717-BB07-4383-8441-9315118D613F}"/>
               </a:ext>
             </a:extLst>
           </p:cNvPr>
@@ -7002,72 +5839,362 @@
             <p:ph type="title"/>
           </p:nvPr>
         </p:nvSpPr>
-        <p:spPr/>
-        <p:txBody>
-          <a:bodyPr/>
+        <p:spPr>
+          <a:xfrm>
+            <a:off x="1069848" y="484632"/>
+            <a:ext cx="10058400" cy="1464366"/>
+          </a:xfrm>
+        </p:spPr>
+        <p:txBody>
+          <a:bodyPr>
+            <a:normAutofit/>
+          </a:bodyPr>
           <a:lstStyle/>
           <a:p>
-            <a:endParaRPr lang="nl-BE"/>
-          </a:p>
-        </p:txBody>
-      </p:sp>
-      <p:sp>
-        <p:nvSpPr>
-          <p:cNvPr id="3" name="Tijdelijke aanduiding voor inhoud 2">
+            <a:r>
+              <a:rPr lang="nl-NL" sz="3000" dirty="0"/>
+              <a:t>Programma</a:t>
+            </a:r>
+            <a:endParaRPr lang="nl-BE" sz="3000" dirty="0"/>
+          </a:p>
+        </p:txBody>
+      </p:sp>
+      <p:sp>
+        <p:nvSpPr>
+          <p:cNvPr id="5" name="Rechthoek: afgeronde hoeken 4">
             <a:extLst>
               <a:ext uri="{FF2B5EF4-FFF2-40B4-BE49-F238E27FC236}">
-                <a16:creationId xmlns:a16="http://schemas.microsoft.com/office/drawing/2014/main" id="{E5BE2266-8CE6-4E1D-920F-0C9F314050BA}"/>
+                <a16:creationId xmlns:a16="http://schemas.microsoft.com/office/drawing/2014/main" id="{1FACAAE7-3E45-4929-912F-861BC5652724}"/>
               </a:ext>
             </a:extLst>
           </p:cNvPr>
-          <p:cNvSpPr>
-            <a:spLocks noGrp="1"/>
-          </p:cNvSpPr>
-          <p:nvPr>
-            <p:ph idx="1"/>
-          </p:nvPr>
-        </p:nvSpPr>
-        <p:spPr/>
-        <p:txBody>
-          <a:bodyPr/>
+          <p:cNvSpPr/>
+          <p:nvPr/>
+        </p:nvSpPr>
+        <p:spPr>
+          <a:xfrm>
+            <a:off x="836646" y="2180750"/>
+            <a:ext cx="2453951" cy="3489649"/>
+          </a:xfrm>
+          <a:prstGeom prst="roundRect">
+            <a:avLst/>
+          </a:prstGeom>
+        </p:spPr>
+        <p:style>
+          <a:lnRef idx="2">
+            <a:schemeClr val="accent6"/>
+          </a:lnRef>
+          <a:fillRef idx="1">
+            <a:schemeClr val="lt1"/>
+          </a:fillRef>
+          <a:effectRef idx="0">
+            <a:schemeClr val="accent6"/>
+          </a:effectRef>
+          <a:fontRef idx="minor">
+            <a:schemeClr val="dk1"/>
+          </a:fontRef>
+        </p:style>
+        <p:txBody>
+          <a:bodyPr rtlCol="0" anchor="ctr"/>
           <a:lstStyle/>
           <a:p>
-            <a:endParaRPr lang="nl-BE"/>
-          </a:p>
-        </p:txBody>
-      </p:sp>
-      <p:sp>
-        <p:nvSpPr>
-          <p:cNvPr id="4" name="Tijdelijke aanduiding voor voettekst 3">
+            <a:pPr algn="ctr"/>
+            <a:r>
+              <a:rPr lang="nl-NL" dirty="0"/>
+              <a:t>Bedrijfsvoorstelling</a:t>
+            </a:r>
+            <a:endParaRPr lang="nl-BE" dirty="0"/>
+          </a:p>
+        </p:txBody>
+      </p:sp>
+      <p:sp>
+        <p:nvSpPr>
+          <p:cNvPr id="6" name="Rechthoek: afgeronde hoeken 5">
             <a:extLst>
               <a:ext uri="{FF2B5EF4-FFF2-40B4-BE49-F238E27FC236}">
-                <a16:creationId xmlns:a16="http://schemas.microsoft.com/office/drawing/2014/main" id="{83DE2064-F743-475A-AAEF-F643B4BF3436}"/>
+                <a16:creationId xmlns:a16="http://schemas.microsoft.com/office/drawing/2014/main" id="{71B541F9-A0E5-4FFC-BA65-940CA347D74D}"/>
               </a:ext>
             </a:extLst>
           </p:cNvPr>
-          <p:cNvSpPr>
-            <a:spLocks noGrp="1"/>
-          </p:cNvSpPr>
-          <p:nvPr>
-            <p:ph type="ftr" sz="quarter" idx="11"/>
-          </p:nvPr>
-        </p:nvSpPr>
-        <p:spPr/>
-        <p:txBody>
-          <a:bodyPr/>
+          <p:cNvSpPr/>
+          <p:nvPr/>
+        </p:nvSpPr>
+        <p:spPr>
+          <a:xfrm>
+            <a:off x="6447452" y="2180750"/>
+            <a:ext cx="2453951" cy="3489649"/>
+          </a:xfrm>
+          <a:prstGeom prst="roundRect">
+            <a:avLst/>
+          </a:prstGeom>
+        </p:spPr>
+        <p:style>
+          <a:lnRef idx="2">
+            <a:schemeClr val="accent6"/>
+          </a:lnRef>
+          <a:fillRef idx="1">
+            <a:schemeClr val="lt1"/>
+          </a:fillRef>
+          <a:effectRef idx="0">
+            <a:schemeClr val="accent6"/>
+          </a:effectRef>
+          <a:fontRef idx="minor">
+            <a:schemeClr val="dk1"/>
+          </a:fontRef>
+        </p:style>
+        <p:txBody>
+          <a:bodyPr rtlCol="0" anchor="ctr"/>
           <a:lstStyle/>
           <a:p>
-            <a:r>
-              <a:rPr lang="nl-BE"/>
-              <a:t>Vesta Tech</a:t>
-            </a:r>
-          </a:p>
-        </p:txBody>
-      </p:sp>
+            <a:pPr algn="ctr"/>
+            <a:r>
+              <a:rPr lang="nl-NL" dirty="0"/>
+              <a:t>Soft-skills binnen het bedrijf</a:t>
+            </a:r>
+            <a:endParaRPr lang="nl-BE" dirty="0"/>
+          </a:p>
+        </p:txBody>
+      </p:sp>
+      <p:sp>
+        <p:nvSpPr>
+          <p:cNvPr id="7" name="Rechthoek: afgeronde hoeken 6">
+            <a:extLst>
+              <a:ext uri="{FF2B5EF4-FFF2-40B4-BE49-F238E27FC236}">
+                <a16:creationId xmlns:a16="http://schemas.microsoft.com/office/drawing/2014/main" id="{F09E3702-4D92-458E-B0C2-4DA382077F8F}"/>
+              </a:ext>
+            </a:extLst>
+          </p:cNvPr>
+          <p:cNvSpPr/>
+          <p:nvPr/>
+        </p:nvSpPr>
+        <p:spPr>
+          <a:xfrm>
+            <a:off x="3642049" y="2180750"/>
+            <a:ext cx="2453951" cy="3489649"/>
+          </a:xfrm>
+          <a:prstGeom prst="roundRect">
+            <a:avLst/>
+          </a:prstGeom>
+        </p:spPr>
+        <p:style>
+          <a:lnRef idx="2">
+            <a:schemeClr val="accent6"/>
+          </a:lnRef>
+          <a:fillRef idx="1">
+            <a:schemeClr val="lt1"/>
+          </a:fillRef>
+          <a:effectRef idx="0">
+            <a:schemeClr val="accent6"/>
+          </a:effectRef>
+          <a:fontRef idx="minor">
+            <a:schemeClr val="dk1"/>
+          </a:fontRef>
+        </p:style>
+        <p:txBody>
+          <a:bodyPr rtlCol="0" anchor="ctr"/>
+          <a:lstStyle/>
+          <a:p>
+            <a:pPr algn="ctr"/>
+            <a:r>
+              <a:rPr lang="nl-NL" dirty="0" err="1"/>
+              <a:t>Overview</a:t>
+            </a:r>
+            <a:r>
+              <a:rPr lang="nl-NL" dirty="0"/>
+              <a:t> job van de programmeur</a:t>
+            </a:r>
+            <a:endParaRPr lang="nl-BE" dirty="0"/>
+          </a:p>
+        </p:txBody>
+      </p:sp>
+      <p:sp>
+        <p:nvSpPr>
+          <p:cNvPr id="8" name="Rechthoek: afgeronde hoeken 7">
+            <a:extLst>
+              <a:ext uri="{FF2B5EF4-FFF2-40B4-BE49-F238E27FC236}">
+                <a16:creationId xmlns:a16="http://schemas.microsoft.com/office/drawing/2014/main" id="{D489265B-0CF1-4F6B-AF3F-1B407F984688}"/>
+              </a:ext>
+            </a:extLst>
+          </p:cNvPr>
+          <p:cNvSpPr/>
+          <p:nvPr/>
+        </p:nvSpPr>
+        <p:spPr>
+          <a:xfrm>
+            <a:off x="9252855" y="2153319"/>
+            <a:ext cx="2453951" cy="3489649"/>
+          </a:xfrm>
+          <a:prstGeom prst="roundRect">
+            <a:avLst/>
+          </a:prstGeom>
+        </p:spPr>
+        <p:style>
+          <a:lnRef idx="2">
+            <a:schemeClr val="accent6"/>
+          </a:lnRef>
+          <a:fillRef idx="1">
+            <a:schemeClr val="lt1"/>
+          </a:fillRef>
+          <a:effectRef idx="0">
+            <a:schemeClr val="accent6"/>
+          </a:effectRef>
+          <a:fontRef idx="minor">
+            <a:schemeClr val="dk1"/>
+          </a:fontRef>
+        </p:style>
+        <p:txBody>
+          <a:bodyPr rtlCol="0" anchor="ctr"/>
+          <a:lstStyle/>
+          <a:p>
+            <a:pPr algn="ctr"/>
+            <a:r>
+              <a:rPr lang="nl-NL" dirty="0"/>
+              <a:t>Soft-skills bij te schaven</a:t>
+            </a:r>
+            <a:endParaRPr lang="nl-BE" dirty="0"/>
+          </a:p>
+        </p:txBody>
+      </p:sp>
+      <p:pic>
+        <p:nvPicPr>
+          <p:cNvPr id="10" name="Afbeelding 9">
+            <a:extLst>
+              <a:ext uri="{FF2B5EF4-FFF2-40B4-BE49-F238E27FC236}">
+                <a16:creationId xmlns:a16="http://schemas.microsoft.com/office/drawing/2014/main" id="{DBB72B9A-B18C-4E20-8E01-1B014F204C16}"/>
+              </a:ext>
+            </a:extLst>
+          </p:cNvPr>
+          <p:cNvPicPr>
+            <a:picLocks noChangeAspect="1"/>
+          </p:cNvPicPr>
+          <p:nvPr/>
+        </p:nvPicPr>
+        <p:blipFill rotWithShape="1">
+          <a:blip r:embed="rId2">
+            <a:extLst>
+              <a:ext uri="{28A0092B-C50C-407E-A947-70E740481C1C}">
+                <a14:useLocalDpi xmlns:a14="http://schemas.microsoft.com/office/drawing/2010/main" val="0"/>
+              </a:ext>
+            </a:extLst>
+          </a:blip>
+          <a:srcRect b="14536"/>
+          <a:stretch/>
+        </p:blipFill>
+        <p:spPr>
+          <a:xfrm>
+            <a:off x="1336655" y="2389113"/>
+            <a:ext cx="1453932" cy="1340393"/>
+          </a:xfrm>
+          <a:prstGeom prst="rect">
+            <a:avLst/>
+          </a:prstGeom>
+        </p:spPr>
+      </p:pic>
+      <p:pic>
+        <p:nvPicPr>
+          <p:cNvPr id="12" name="Afbeelding 11">
+            <a:extLst>
+              <a:ext uri="{FF2B5EF4-FFF2-40B4-BE49-F238E27FC236}">
+                <a16:creationId xmlns:a16="http://schemas.microsoft.com/office/drawing/2014/main" id="{AEF91EE1-9EE3-49D1-A6CC-496F9650B964}"/>
+              </a:ext>
+            </a:extLst>
+          </p:cNvPr>
+          <p:cNvPicPr>
+            <a:picLocks noChangeAspect="1"/>
+          </p:cNvPicPr>
+          <p:nvPr/>
+        </p:nvPicPr>
+        <p:blipFill>
+          <a:blip r:embed="rId3"/>
+          <a:stretch>
+            <a:fillRect/>
+          </a:stretch>
+        </p:blipFill>
+        <p:spPr>
+          <a:xfrm>
+            <a:off x="4472378" y="2607308"/>
+            <a:ext cx="836742" cy="979742"/>
+          </a:xfrm>
+          <a:prstGeom prst="rect">
+            <a:avLst/>
+          </a:prstGeom>
+        </p:spPr>
+      </p:pic>
+      <p:pic>
+        <p:nvPicPr>
+          <p:cNvPr id="14" name="Afbeelding 13" descr="Afbeelding met tekst, teken, illustratie&#10;&#10;Automatisch gegenereerde beschrijving">
+            <a:extLst>
+              <a:ext uri="{FF2B5EF4-FFF2-40B4-BE49-F238E27FC236}">
+                <a16:creationId xmlns:a16="http://schemas.microsoft.com/office/drawing/2014/main" id="{8237632A-FDF8-4150-90E8-F15DEAEF396B}"/>
+              </a:ext>
+            </a:extLst>
+          </p:cNvPr>
+          <p:cNvPicPr>
+            <a:picLocks noChangeAspect="1"/>
+          </p:cNvPicPr>
+          <p:nvPr/>
+        </p:nvPicPr>
+        <p:blipFill rotWithShape="1">
+          <a:blip r:embed="rId4">
+            <a:extLst>
+              <a:ext uri="{28A0092B-C50C-407E-A947-70E740481C1C}">
+                <a14:useLocalDpi xmlns:a14="http://schemas.microsoft.com/office/drawing/2010/main" val="0"/>
+              </a:ext>
+            </a:extLst>
+          </a:blip>
+          <a:srcRect b="14555"/>
+          <a:stretch/>
+        </p:blipFill>
+        <p:spPr>
+          <a:xfrm>
+            <a:off x="6995486" y="2607308"/>
+            <a:ext cx="1355412" cy="910941"/>
+          </a:xfrm>
+          <a:prstGeom prst="rect">
+            <a:avLst/>
+          </a:prstGeom>
+        </p:spPr>
+      </p:pic>
+      <p:pic>
+        <p:nvPicPr>
+          <p:cNvPr id="16" name="Afbeelding 15">
+            <a:extLst>
+              <a:ext uri="{FF2B5EF4-FFF2-40B4-BE49-F238E27FC236}">
+                <a16:creationId xmlns:a16="http://schemas.microsoft.com/office/drawing/2014/main" id="{3C297358-F4F7-4202-AE34-FC1FC0652112}"/>
+              </a:ext>
+            </a:extLst>
+          </p:cNvPr>
+          <p:cNvPicPr>
+            <a:picLocks noChangeAspect="1"/>
+          </p:cNvPicPr>
+          <p:nvPr/>
+        </p:nvPicPr>
+        <p:blipFill>
+          <a:blip r:embed="rId5">
+            <a:extLst>
+              <a:ext uri="{28A0092B-C50C-407E-A947-70E740481C1C}">
+                <a14:useLocalDpi xmlns:a14="http://schemas.microsoft.com/office/drawing/2010/main" val="0"/>
+              </a:ext>
+            </a:extLst>
+          </a:blip>
+          <a:stretch>
+            <a:fillRect/>
+          </a:stretch>
+        </p:blipFill>
+        <p:spPr>
+          <a:xfrm>
+            <a:off x="9845846" y="2425325"/>
+            <a:ext cx="1173607" cy="1173607"/>
+          </a:xfrm>
+          <a:prstGeom prst="rect">
+            <a:avLst/>
+          </a:prstGeom>
+        </p:spPr>
+      </p:pic>
     </p:spTree>
     <p:extLst>
       <p:ext uri="{BB962C8B-B14F-4D97-AF65-F5344CB8AC3E}">
-        <p14:creationId xmlns:p14="http://schemas.microsoft.com/office/powerpoint/2010/main" val="1899423342"/>
+        <p14:creationId xmlns:p14="http://schemas.microsoft.com/office/powerpoint/2010/main" val="1106783196"/>
       </p:ext>
     </p:extLst>
   </p:cSld>
@@ -7099,7 +6226,7 @@
           <p:cNvPr id="2" name="Titel 1">
             <a:extLst>
               <a:ext uri="{FF2B5EF4-FFF2-40B4-BE49-F238E27FC236}">
-                <a16:creationId xmlns:a16="http://schemas.microsoft.com/office/drawing/2014/main" id="{5F7E58ED-7F89-4E0B-8CBE-889244943682}"/>
+                <a16:creationId xmlns:a16="http://schemas.microsoft.com/office/drawing/2014/main" id="{8A366717-BB07-4383-8441-9315118D613F}"/>
               </a:ext>
             </a:extLst>
           </p:cNvPr>
@@ -7110,72 +6237,116 @@
             <p:ph type="title"/>
           </p:nvPr>
         </p:nvSpPr>
-        <p:spPr/>
-        <p:txBody>
-          <a:bodyPr/>
+        <p:spPr>
+          <a:xfrm>
+            <a:off x="1069848" y="484632"/>
+            <a:ext cx="10058400" cy="1464366"/>
+          </a:xfrm>
+        </p:spPr>
+        <p:txBody>
+          <a:bodyPr>
+            <a:normAutofit/>
+          </a:bodyPr>
           <a:lstStyle/>
           <a:p>
-            <a:endParaRPr lang="nl-BE"/>
-          </a:p>
-        </p:txBody>
-      </p:sp>
-      <p:sp>
-        <p:nvSpPr>
-          <p:cNvPr id="3" name="Tijdelijke aanduiding voor inhoud 2">
+            <a:r>
+              <a:rPr lang="nl-NL" sz="3000" dirty="0"/>
+              <a:t>Programma</a:t>
+            </a:r>
+            <a:endParaRPr lang="nl-BE" sz="3000" dirty="0"/>
+          </a:p>
+        </p:txBody>
+      </p:sp>
+      <p:sp>
+        <p:nvSpPr>
+          <p:cNvPr id="5" name="Rechthoek: afgeronde hoeken 4">
             <a:extLst>
               <a:ext uri="{FF2B5EF4-FFF2-40B4-BE49-F238E27FC236}">
-                <a16:creationId xmlns:a16="http://schemas.microsoft.com/office/drawing/2014/main" id="{CE999F79-50FC-44F1-A515-33F789B7AEE3}"/>
+                <a16:creationId xmlns:a16="http://schemas.microsoft.com/office/drawing/2014/main" id="{1FACAAE7-3E45-4929-912F-861BC5652724}"/>
               </a:ext>
             </a:extLst>
           </p:cNvPr>
-          <p:cNvSpPr>
-            <a:spLocks noGrp="1"/>
-          </p:cNvSpPr>
-          <p:nvPr>
-            <p:ph idx="1"/>
-          </p:nvPr>
-        </p:nvSpPr>
-        <p:spPr/>
-        <p:txBody>
-          <a:bodyPr/>
+          <p:cNvSpPr/>
+          <p:nvPr/>
+        </p:nvSpPr>
+        <p:spPr>
+          <a:xfrm>
+            <a:off x="836646" y="2180750"/>
+            <a:ext cx="2453951" cy="3489649"/>
+          </a:xfrm>
+          <a:prstGeom prst="roundRect">
+            <a:avLst/>
+          </a:prstGeom>
+          <a:solidFill>
+            <a:schemeClr val="bg1"/>
+          </a:solidFill>
+        </p:spPr>
+        <p:style>
+          <a:lnRef idx="2">
+            <a:schemeClr val="accent6"/>
+          </a:lnRef>
+          <a:fillRef idx="1">
+            <a:schemeClr val="lt1"/>
+          </a:fillRef>
+          <a:effectRef idx="0">
+            <a:schemeClr val="accent6"/>
+          </a:effectRef>
+          <a:fontRef idx="minor">
+            <a:schemeClr val="dk1"/>
+          </a:fontRef>
+        </p:style>
+        <p:txBody>
+          <a:bodyPr rtlCol="0" anchor="ctr"/>
           <a:lstStyle/>
           <a:p>
-            <a:endParaRPr lang="nl-BE"/>
-          </a:p>
-        </p:txBody>
-      </p:sp>
-      <p:sp>
-        <p:nvSpPr>
-          <p:cNvPr id="4" name="Tijdelijke aanduiding voor voettekst 3">
+            <a:pPr algn="ctr"/>
+            <a:r>
+              <a:rPr lang="nl-NL" dirty="0"/>
+              <a:t>Bedrijfsvoorstelling</a:t>
+            </a:r>
+            <a:endParaRPr lang="nl-BE" dirty="0"/>
+          </a:p>
+        </p:txBody>
+      </p:sp>
+      <p:pic>
+        <p:nvPicPr>
+          <p:cNvPr id="10" name="Afbeelding 9">
             <a:extLst>
               <a:ext uri="{FF2B5EF4-FFF2-40B4-BE49-F238E27FC236}">
-                <a16:creationId xmlns:a16="http://schemas.microsoft.com/office/drawing/2014/main" id="{1AF02697-D600-4DE5-9C26-83E9FEF0E9EE}"/>
+                <a16:creationId xmlns:a16="http://schemas.microsoft.com/office/drawing/2014/main" id="{DBB72B9A-B18C-4E20-8E01-1B014F204C16}"/>
               </a:ext>
             </a:extLst>
           </p:cNvPr>
-          <p:cNvSpPr>
-            <a:spLocks noGrp="1"/>
-          </p:cNvSpPr>
-          <p:nvPr>
-            <p:ph type="ftr" sz="quarter" idx="11"/>
-          </p:nvPr>
-        </p:nvSpPr>
-        <p:spPr/>
-        <p:txBody>
-          <a:bodyPr/>
-          <a:lstStyle/>
-          <a:p>
-            <a:r>
-              <a:rPr lang="nl-BE"/>
-              <a:t>Vesta Tech</a:t>
-            </a:r>
-          </a:p>
-        </p:txBody>
-      </p:sp>
+          <p:cNvPicPr>
+            <a:picLocks noChangeAspect="1"/>
+          </p:cNvPicPr>
+          <p:nvPr/>
+        </p:nvPicPr>
+        <p:blipFill rotWithShape="1">
+          <a:blip r:embed="rId2">
+            <a:extLst>
+              <a:ext uri="{28A0092B-C50C-407E-A947-70E740481C1C}">
+                <a14:useLocalDpi xmlns:a14="http://schemas.microsoft.com/office/drawing/2010/main" val="0"/>
+              </a:ext>
+            </a:extLst>
+          </a:blip>
+          <a:srcRect b="14536"/>
+          <a:stretch/>
+        </p:blipFill>
+        <p:spPr>
+          <a:xfrm>
+            <a:off x="1336655" y="2389113"/>
+            <a:ext cx="1453932" cy="1340393"/>
+          </a:xfrm>
+          <a:prstGeom prst="rect">
+            <a:avLst/>
+          </a:prstGeom>
+        </p:spPr>
+      </p:pic>
     </p:spTree>
     <p:extLst>
       <p:ext uri="{BB962C8B-B14F-4D97-AF65-F5344CB8AC3E}">
-        <p14:creationId xmlns:p14="http://schemas.microsoft.com/office/powerpoint/2010/main" val="817418388"/>
+        <p14:creationId xmlns:p14="http://schemas.microsoft.com/office/powerpoint/2010/main" val="4141695903"/>
       </p:ext>
     </p:extLst>
   </p:cSld>
@@ -7188,14 +6359,6 @@
 <file path=ppt/slides/slide6.xml><?xml version="1.0" encoding="utf-8"?>
 <p:sld xmlns:a="http://schemas.openxmlformats.org/drawingml/2006/main" xmlns:r="http://schemas.openxmlformats.org/officeDocument/2006/relationships" xmlns:p="http://schemas.openxmlformats.org/presentationml/2006/main">
   <p:cSld>
-    <p:bg>
-      <p:bgPr>
-        <a:solidFill>
-          <a:schemeClr val="bg1"/>
-        </a:solidFill>
-        <a:effectLst/>
-      </p:bgPr>
-    </p:bg>
     <p:spTree>
       <p:nvGrpSpPr>
         <p:cNvPr id="1" name=""/>
@@ -7212,810 +6375,49 @@
       </p:grpSpPr>
       <p:sp>
         <p:nvSpPr>
-          <p:cNvPr id="71" name="Rectangle 70">
+          <p:cNvPr id="2" name="Titel 1">
             <a:extLst>
               <a:ext uri="{FF2B5EF4-FFF2-40B4-BE49-F238E27FC236}">
-                <a16:creationId xmlns:a16="http://schemas.microsoft.com/office/drawing/2014/main" id="{75E3D2E7-AD93-44A1-8BC6-0E1343A3E445}"/>
-              </a:ext>
-              <a:ext uri="{C183D7F6-B498-43B3-948B-1728B52AA6E4}">
-                <adec:decorative xmlns:adec="http://schemas.microsoft.com/office/drawing/2017/decorative" val="1"/>
+                <a16:creationId xmlns:a16="http://schemas.microsoft.com/office/drawing/2014/main" id="{E8A5A64D-03AB-4AF3-90C4-8B454D94F2A3}"/>
               </a:ext>
             </a:extLst>
           </p:cNvPr>
           <p:cNvSpPr>
-            <a:spLocks noGrp="1" noRot="1" noChangeAspect="1" noMove="1" noResize="1" noEditPoints="1" noAdjustHandles="1" noChangeArrowheads="1" noChangeShapeType="1" noTextEdit="1"/>
-          </p:cNvSpPr>
-          <p:nvPr>
-            <p:extLst>
-              <p:ext uri="{386F3935-93C4-4BCD-93E2-E3B085C9AB24}">
-                <p16:designElem xmlns:p16="http://schemas.microsoft.com/office/powerpoint/2015/main" val="1"/>
-              </p:ext>
-            </p:extLst>
-          </p:nvPr>
-        </p:nvSpPr>
-        <p:spPr>
-          <a:xfrm>
-            <a:off x="920834" y="1346946"/>
-            <a:ext cx="10222992" cy="80683"/>
-          </a:xfrm>
-          <a:prstGeom prst="rect">
-            <a:avLst/>
-          </a:prstGeom>
-          <a:blipFill dpi="0" rotWithShape="1">
-            <a:blip r:embed="rId2">
-              <a:alphaModFix amt="83000"/>
-              <a:lum bright="70000" contrast="-70000"/>
-              <a:extLst>
-                <a:ext uri="{BEBA8EAE-BF5A-486C-A8C5-ECC9F3942E4B}">
-                  <a14:imgProps xmlns:a14="http://schemas.microsoft.com/office/drawing/2010/main">
-                    <a14:imgLayer r:embed="rId3">
-                      <a14:imgEffect>
-                        <a14:sharpenSoften amount="61000"/>
-                      </a14:imgEffect>
-                    </a14:imgLayer>
-                  </a14:imgProps>
-                </a:ext>
-                <a:ext uri="{28A0092B-C50C-407E-A947-70E740481C1C}">
-                  <a14:useLocalDpi xmlns:a14="http://schemas.microsoft.com/office/drawing/2010/main" val="0"/>
-                </a:ext>
-              </a:extLst>
-            </a:blip>
-            <a:srcRect/>
-            <a:tile tx="0" ty="-762000" sx="92000" sy="89000" flip="xy" algn="ctr"/>
-          </a:blipFill>
-          <a:ln>
-            <a:noFill/>
-          </a:ln>
-        </p:spPr>
-        <p:style>
-          <a:lnRef idx="2">
-            <a:schemeClr val="accent1">
-              <a:shade val="50000"/>
-            </a:schemeClr>
-          </a:lnRef>
-          <a:fillRef idx="1">
-            <a:schemeClr val="accent1"/>
-          </a:fillRef>
-          <a:effectRef idx="0">
-            <a:schemeClr val="accent1"/>
-          </a:effectRef>
-          <a:fontRef idx="minor">
-            <a:schemeClr val="lt1"/>
-          </a:fontRef>
-        </p:style>
-      </p:sp>
-      <p:sp>
-        <p:nvSpPr>
-          <p:cNvPr id="73" name="Rectangle 72">
+            <a:spLocks noGrp="1"/>
+          </p:cNvSpPr>
+          <p:nvPr>
+            <p:ph type="title"/>
+          </p:nvPr>
+        </p:nvSpPr>
+        <p:spPr/>
+        <p:txBody>
+          <a:bodyPr>
+            <a:normAutofit/>
+          </a:bodyPr>
+          <a:lstStyle/>
+          <a:p>
+            <a:r>
+              <a:rPr lang="nl-NL" sz="3000" dirty="0"/>
+              <a:t>Bedrijfsvoorstelling</a:t>
+            </a:r>
+            <a:endParaRPr lang="nl-BE" sz="3000" dirty="0"/>
+          </a:p>
+        </p:txBody>
+      </p:sp>
+      <p:sp>
+        <p:nvSpPr>
+          <p:cNvPr id="11" name="Tijdelijke aanduiding voor inhoud 10">
             <a:extLst>
               <a:ext uri="{FF2B5EF4-FFF2-40B4-BE49-F238E27FC236}">
-                <a16:creationId xmlns:a16="http://schemas.microsoft.com/office/drawing/2014/main" id="{9CC5271D-3244-41E2-B819-CBCB46B719A3}"/>
-              </a:ext>
-              <a:ext uri="{C183D7F6-B498-43B3-948B-1728B52AA6E4}">
-                <adec:decorative xmlns:adec="http://schemas.microsoft.com/office/drawing/2017/decorative" val="1"/>
+                <a16:creationId xmlns:a16="http://schemas.microsoft.com/office/drawing/2014/main" id="{B5122B11-1A09-46AF-A4C0-34AE16BC8D5B}"/>
               </a:ext>
             </a:extLst>
           </p:cNvPr>
           <p:cNvSpPr>
-            <a:spLocks noGrp="1" noRot="1" noChangeAspect="1" noMove="1" noResize="1" noEditPoints="1" noAdjustHandles="1" noChangeArrowheads="1" noChangeShapeType="1" noTextEdit="1"/>
-          </p:cNvSpPr>
-          <p:nvPr>
-            <p:extLst>
-              <p:ext uri="{386F3935-93C4-4BCD-93E2-E3B085C9AB24}">
-                <p16:designElem xmlns:p16="http://schemas.microsoft.com/office/powerpoint/2015/main" val="1"/>
-              </p:ext>
-            </p:extLst>
-          </p:nvPr>
-        </p:nvSpPr>
-        <p:spPr>
-          <a:xfrm>
-            <a:off x="920834" y="4299696"/>
-            <a:ext cx="10222992" cy="80683"/>
-          </a:xfrm>
-          <a:prstGeom prst="rect">
-            <a:avLst/>
-          </a:prstGeom>
-          <a:blipFill dpi="0" rotWithShape="1">
-            <a:blip r:embed="rId2">
-              <a:alphaModFix amt="83000"/>
-              <a:lum bright="70000" contrast="-70000"/>
-              <a:extLst>
-                <a:ext uri="{BEBA8EAE-BF5A-486C-A8C5-ECC9F3942E4B}">
-                  <a14:imgProps xmlns:a14="http://schemas.microsoft.com/office/drawing/2010/main">
-                    <a14:imgLayer r:embed="rId3">
-                      <a14:imgEffect>
-                        <a14:sharpenSoften amount="61000"/>
-                      </a14:imgEffect>
-                    </a14:imgLayer>
-                  </a14:imgProps>
-                </a:ext>
-                <a:ext uri="{28A0092B-C50C-407E-A947-70E740481C1C}">
-                  <a14:useLocalDpi xmlns:a14="http://schemas.microsoft.com/office/drawing/2010/main" val="0"/>
-                </a:ext>
-              </a:extLst>
-            </a:blip>
-            <a:srcRect/>
-            <a:tile tx="0" ty="-717550" sx="92000" sy="89000" flip="xy" algn="ctr"/>
-          </a:blipFill>
-          <a:ln>
-            <a:noFill/>
-          </a:ln>
-        </p:spPr>
-        <p:style>
-          <a:lnRef idx="2">
-            <a:schemeClr val="accent1">
-              <a:shade val="50000"/>
-            </a:schemeClr>
-          </a:lnRef>
-          <a:fillRef idx="1">
-            <a:schemeClr val="accent1"/>
-          </a:fillRef>
-          <a:effectRef idx="0">
-            <a:schemeClr val="accent1"/>
-          </a:effectRef>
-          <a:fontRef idx="minor">
-            <a:schemeClr val="lt1"/>
-          </a:fontRef>
-        </p:style>
-      </p:sp>
-      <p:sp>
-        <p:nvSpPr>
-          <p:cNvPr id="75" name="Rectangle 74">
-            <a:extLst>
-              <a:ext uri="{FF2B5EF4-FFF2-40B4-BE49-F238E27FC236}">
-                <a16:creationId xmlns:a16="http://schemas.microsoft.com/office/drawing/2014/main" id="{5683B5F4-86FD-4BF8-88F1-837F5B70B334}"/>
-              </a:ext>
-              <a:ext uri="{C183D7F6-B498-43B3-948B-1728B52AA6E4}">
-                <adec:decorative xmlns:adec="http://schemas.microsoft.com/office/drawing/2017/decorative" val="1"/>
-              </a:ext>
-            </a:extLst>
-          </p:cNvPr>
-          <p:cNvSpPr>
-            <a:spLocks noGrp="1" noRot="1" noChangeAspect="1" noMove="1" noResize="1" noEditPoints="1" noAdjustHandles="1" noChangeArrowheads="1" noChangeShapeType="1" noTextEdit="1"/>
-          </p:cNvSpPr>
-          <p:nvPr>
-            <p:extLst>
-              <p:ext uri="{386F3935-93C4-4BCD-93E2-E3B085C9AB24}">
-                <p16:designElem xmlns:p16="http://schemas.microsoft.com/office/powerpoint/2015/main" val="1"/>
-              </p:ext>
-            </p:extLst>
-          </p:nvPr>
-        </p:nvSpPr>
-        <p:spPr>
-          <a:xfrm>
-            <a:off x="920834" y="1484779"/>
-            <a:ext cx="10222992" cy="2743200"/>
-          </a:xfrm>
-          <a:prstGeom prst="rect">
-            <a:avLst/>
-          </a:prstGeom>
-          <a:blipFill dpi="0" rotWithShape="1">
-            <a:blip r:embed="rId2">
-              <a:alphaModFix amt="83000"/>
-              <a:lum bright="70000" contrast="-70000"/>
-              <a:extLst>
-                <a:ext uri="{BEBA8EAE-BF5A-486C-A8C5-ECC9F3942E4B}">
-                  <a14:imgProps xmlns:a14="http://schemas.microsoft.com/office/drawing/2010/main">
-                    <a14:imgLayer r:embed="rId3">
-                      <a14:imgEffect>
-                        <a14:sharpenSoften amount="61000"/>
-                      </a14:imgEffect>
-                    </a14:imgLayer>
-                  </a14:imgProps>
-                </a:ext>
-                <a:ext uri="{28A0092B-C50C-407E-A947-70E740481C1C}">
-                  <a14:useLocalDpi xmlns:a14="http://schemas.microsoft.com/office/drawing/2010/main" val="0"/>
-                </a:ext>
-              </a:extLst>
-            </a:blip>
-            <a:srcRect/>
-            <a:tile tx="0" ty="-704850" sx="92000" sy="89000" flip="xy" algn="ctr"/>
-          </a:blipFill>
-          <a:ln>
-            <a:noFill/>
-          </a:ln>
-        </p:spPr>
-        <p:style>
-          <a:lnRef idx="2">
-            <a:schemeClr val="accent1">
-              <a:shade val="50000"/>
-            </a:schemeClr>
-          </a:lnRef>
-          <a:fillRef idx="1">
-            <a:schemeClr val="accent1"/>
-          </a:fillRef>
-          <a:effectRef idx="0">
-            <a:schemeClr val="accent1"/>
-          </a:effectRef>
-          <a:fontRef idx="minor">
-            <a:schemeClr val="lt1"/>
-          </a:fontRef>
-        </p:style>
-      </p:sp>
-      <p:grpSp>
-        <p:nvGrpSpPr>
-          <p:cNvPr id="77" name="Group 76">
-            <a:extLst>
-              <a:ext uri="{FF2B5EF4-FFF2-40B4-BE49-F238E27FC236}">
-                <a16:creationId xmlns:a16="http://schemas.microsoft.com/office/drawing/2014/main" id="{468FD2E2-2BBC-4CE0-8728-F7F04CF3DA80}"/>
-              </a:ext>
-              <a:ext uri="{C183D7F6-B498-43B3-948B-1728B52AA6E4}">
-                <adec:decorative xmlns:adec="http://schemas.microsoft.com/office/drawing/2017/decorative" val="1"/>
-              </a:ext>
-            </a:extLst>
-          </p:cNvPr>
-          <p:cNvGrpSpPr>
-            <a:grpSpLocks noGrp="1" noUngrp="1" noRot="1" noChangeAspect="1" noMove="1" noResize="1"/>
-          </p:cNvGrpSpPr>
-          <p:nvPr>
-            <p:extLst>
-              <p:ext uri="{386F3935-93C4-4BCD-93E2-E3B085C9AB24}">
-                <p16:designElem xmlns:p16="http://schemas.microsoft.com/office/powerpoint/2015/main" val="1"/>
-              </p:ext>
-            </p:extLst>
-          </p:nvPr>
-        </p:nvGrpSpPr>
-        <p:grpSpPr>
-          <a:xfrm>
-            <a:off x="9649215" y="4068923"/>
-            <a:ext cx="1080904" cy="1080902"/>
-            <a:chOff x="9685338" y="4460675"/>
-            <a:chExt cx="1080904" cy="1080902"/>
-          </a:xfrm>
-        </p:grpSpPr>
-        <p:sp>
-          <p:nvSpPr>
-            <p:cNvPr id="78" name="Oval 77">
-              <a:extLst>
-                <a:ext uri="{FF2B5EF4-FFF2-40B4-BE49-F238E27FC236}">
-                  <a16:creationId xmlns:a16="http://schemas.microsoft.com/office/drawing/2014/main" id="{DFDB4C9A-B334-4F22-B77C-0ABDFA489FB9}"/>
-                </a:ext>
-                <a:ext uri="{C183D7F6-B498-43B3-948B-1728B52AA6E4}">
-                  <adec:decorative xmlns:adec="http://schemas.microsoft.com/office/drawing/2017/decorative" val="1"/>
-                </a:ext>
-              </a:extLst>
-            </p:cNvPr>
-            <p:cNvSpPr/>
-            <p:nvPr>
-              <p:extLst>
-                <p:ext uri="{386F3935-93C4-4BCD-93E2-E3B085C9AB24}">
-                  <p16:designElem xmlns:p16="http://schemas.microsoft.com/office/powerpoint/2015/main" val="1"/>
-                </p:ext>
-              </p:extLst>
-            </p:nvPr>
-          </p:nvSpPr>
-          <p:spPr>
-            <a:xfrm>
-              <a:off x="9685338" y="4460675"/>
-              <a:ext cx="1080904" cy="1080902"/>
-            </a:xfrm>
-            <a:prstGeom prst="ellipse">
-              <a:avLst/>
-            </a:prstGeom>
-            <a:blipFill dpi="0" rotWithShape="1">
-              <a:blip r:embed="rId4">
-                <a:duotone>
-                  <a:schemeClr val="accent1">
-                    <a:shade val="45000"/>
-                    <a:satMod val="135000"/>
-                  </a:schemeClr>
-                  <a:prstClr val="white"/>
-                </a:duotone>
-                <a:extLst>
-                  <a:ext uri="{BEBA8EAE-BF5A-486C-A8C5-ECC9F3942E4B}">
-                    <a14:imgProps xmlns:a14="http://schemas.microsoft.com/office/drawing/2010/main">
-                      <a14:imgLayer r:embed="rId5">
-                        <a14:imgEffect>
-                          <a14:saturation sat="95000"/>
-                        </a14:imgEffect>
-                      </a14:imgLayer>
-                    </a14:imgProps>
-                  </a:ext>
-                </a:extLst>
-              </a:blip>
-              <a:srcRect/>
-              <a:tile tx="0" ty="0" sx="85000" sy="85000" flip="none" algn="tl"/>
-            </a:blipFill>
-            <a:ln w="25400" cap="flat" cmpd="sng" algn="ctr">
-              <a:noFill/>
-              <a:prstDash val="solid"/>
-            </a:ln>
-            <a:effectLst/>
-          </p:spPr>
-        </p:sp>
-        <p:sp>
-          <p:nvSpPr>
-            <p:cNvPr id="79" name="Oval 78">
-              <a:extLst>
-                <a:ext uri="{FF2B5EF4-FFF2-40B4-BE49-F238E27FC236}">
-                  <a16:creationId xmlns:a16="http://schemas.microsoft.com/office/drawing/2014/main" id="{20B25D87-B509-4BDD-8E23-850E1C3903D8}"/>
-                </a:ext>
-                <a:ext uri="{C183D7F6-B498-43B3-948B-1728B52AA6E4}">
-                  <adec:decorative xmlns:adec="http://schemas.microsoft.com/office/drawing/2017/decorative" val="1"/>
-                </a:ext>
-              </a:extLst>
-            </p:cNvPr>
-            <p:cNvSpPr/>
-            <p:nvPr>
-              <p:extLst>
-                <p:ext uri="{386F3935-93C4-4BCD-93E2-E3B085C9AB24}">
-                  <p16:designElem xmlns:p16="http://schemas.microsoft.com/office/powerpoint/2015/main" val="1"/>
-                </p:ext>
-              </p:extLst>
-            </p:nvPr>
-          </p:nvSpPr>
-          <p:spPr>
-            <a:xfrm>
-              <a:off x="9793429" y="4568765"/>
-              <a:ext cx="864723" cy="864722"/>
-            </a:xfrm>
-            <a:prstGeom prst="ellipse">
-              <a:avLst/>
-            </a:prstGeom>
-            <a:noFill/>
-            <a:ln w="25400" cap="flat" cmpd="sng" algn="ctr">
-              <a:solidFill>
-                <a:sysClr val="window" lastClr="FFFFFF"/>
-              </a:solidFill>
-              <a:prstDash val="solid"/>
-            </a:ln>
-            <a:effectLst/>
-          </p:spPr>
-        </p:sp>
-      </p:grpSp>
-      <p:sp useBgFill="1">
-        <p:nvSpPr>
-          <p:cNvPr id="81" name="Rectangle 80">
-            <a:extLst>
-              <a:ext uri="{FF2B5EF4-FFF2-40B4-BE49-F238E27FC236}">
-                <a16:creationId xmlns:a16="http://schemas.microsoft.com/office/drawing/2014/main" id="{19A1D830-E73C-47A9-A534-323CEEFF5B32}"/>
-              </a:ext>
-              <a:ext uri="{C183D7F6-B498-43B3-948B-1728B52AA6E4}">
-                <adec:decorative xmlns:adec="http://schemas.microsoft.com/office/drawing/2017/decorative" val="1"/>
-              </a:ext>
-            </a:extLst>
-          </p:cNvPr>
-          <p:cNvSpPr>
-            <a:spLocks noGrp="1" noRot="1" noChangeAspect="1" noMove="1" noResize="1" noEditPoints="1" noAdjustHandles="1" noChangeArrowheads="1" noChangeShapeType="1" noTextEdit="1"/>
-          </p:cNvSpPr>
-          <p:nvPr>
-            <p:extLst>
-              <p:ext uri="{386F3935-93C4-4BCD-93E2-E3B085C9AB24}">
-                <p16:designElem xmlns:p16="http://schemas.microsoft.com/office/powerpoint/2015/main" val="1"/>
-              </p:ext>
-            </p:extLst>
-          </p:nvPr>
-        </p:nvSpPr>
-        <p:spPr>
-          <a:xfrm>
-            <a:off x="0" y="0"/>
-            <a:ext cx="12192000" cy="6858000"/>
-          </a:xfrm>
-          <a:prstGeom prst="rect">
-            <a:avLst/>
-          </a:prstGeom>
-          <a:ln>
-            <a:noFill/>
-          </a:ln>
-        </p:spPr>
-        <p:style>
-          <a:lnRef idx="2">
-            <a:schemeClr val="accent1">
-              <a:shade val="50000"/>
-            </a:schemeClr>
-          </a:lnRef>
-          <a:fillRef idx="1">
-            <a:schemeClr val="accent1"/>
-          </a:fillRef>
-          <a:effectRef idx="0">
-            <a:schemeClr val="accent1"/>
-          </a:effectRef>
-          <a:fontRef idx="minor">
-            <a:schemeClr val="lt1"/>
-          </a:fontRef>
-        </p:style>
-        <p:txBody>
-          <a:bodyPr rtlCol="0" anchor="ctr"/>
-          <a:lstStyle/>
-          <a:p>
-            <a:pPr algn="ctr"/>
-            <a:endParaRPr lang="en-US"/>
-          </a:p>
-        </p:txBody>
-      </p:sp>
-      <p:sp>
-        <p:nvSpPr>
-          <p:cNvPr id="83" name="Rectangle 82">
-            <a:extLst>
-              <a:ext uri="{FF2B5EF4-FFF2-40B4-BE49-F238E27FC236}">
-                <a16:creationId xmlns:a16="http://schemas.microsoft.com/office/drawing/2014/main" id="{8F69FBEC-4C47-4288-962D-3FC20C79F3F5}"/>
-              </a:ext>
-              <a:ext uri="{C183D7F6-B498-43B3-948B-1728B52AA6E4}">
-                <adec:decorative xmlns:adec="http://schemas.microsoft.com/office/drawing/2017/decorative" val="1"/>
-              </a:ext>
-            </a:extLst>
-          </p:cNvPr>
-          <p:cNvSpPr>
-            <a:spLocks noGrp="1" noRot="1" noChangeAspect="1" noMove="1" noResize="1" noEditPoints="1" noAdjustHandles="1" noChangeArrowheads="1" noChangeShapeType="1" noTextEdit="1"/>
-          </p:cNvSpPr>
-          <p:nvPr>
-            <p:extLst>
-              <p:ext uri="{386F3935-93C4-4BCD-93E2-E3B085C9AB24}">
-                <p16:designElem xmlns:p16="http://schemas.microsoft.com/office/powerpoint/2015/main" val="1"/>
-              </p:ext>
-            </p:extLst>
-          </p:nvPr>
-        </p:nvSpPr>
-        <p:spPr>
-          <a:xfrm>
-            <a:off x="0" y="0"/>
-            <a:ext cx="12192000" cy="6857999"/>
-          </a:xfrm>
-          <a:prstGeom prst="rect">
-            <a:avLst/>
-          </a:prstGeom>
-          <a:blipFill dpi="0" rotWithShape="1">
-            <a:blip r:embed="rId2">
-              <a:alphaModFix amt="60000"/>
-              <a:lum bright="70000" contrast="-70000"/>
-              <a:extLst>
-                <a:ext uri="{BEBA8EAE-BF5A-486C-A8C5-ECC9F3942E4B}">
-                  <a14:imgProps xmlns:a14="http://schemas.microsoft.com/office/drawing/2010/main">
-                    <a14:imgLayer r:embed="rId3">
-                      <a14:imgEffect>
-                        <a14:sharpenSoften amount="61000"/>
-                      </a14:imgEffect>
-                    </a14:imgLayer>
-                  </a14:imgProps>
-                </a:ext>
-                <a:ext uri="{28A0092B-C50C-407E-A947-70E740481C1C}">
-                  <a14:useLocalDpi xmlns:a14="http://schemas.microsoft.com/office/drawing/2010/main" val="0"/>
-                </a:ext>
-              </a:extLst>
-            </a:blip>
-            <a:srcRect/>
-            <a:tile tx="0" ty="-704850" sx="92000" sy="89000" flip="xy" algn="ctr"/>
-          </a:blipFill>
-          <a:ln>
-            <a:noFill/>
-          </a:ln>
-        </p:spPr>
-        <p:style>
-          <a:lnRef idx="2">
-            <a:schemeClr val="accent1">
-              <a:shade val="50000"/>
-            </a:schemeClr>
-          </a:lnRef>
-          <a:fillRef idx="1">
-            <a:schemeClr val="accent1"/>
-          </a:fillRef>
-          <a:effectRef idx="0">
-            <a:schemeClr val="accent1"/>
-          </a:effectRef>
-          <a:fontRef idx="minor">
-            <a:schemeClr val="lt1"/>
-          </a:fontRef>
-        </p:style>
-        <p:txBody>
-          <a:bodyPr rtlCol="0" anchor="ctr"/>
-          <a:lstStyle/>
-          <a:p>
-            <a:pPr algn="ctr"/>
-            <a:endParaRPr lang="en-US"/>
-          </a:p>
-        </p:txBody>
-      </p:sp>
-      <p:sp>
-        <p:nvSpPr>
-          <p:cNvPr id="2" name="Titel 1">
-            <a:extLst>
-              <a:ext uri="{FF2B5EF4-FFF2-40B4-BE49-F238E27FC236}">
-                <a16:creationId xmlns:a16="http://schemas.microsoft.com/office/drawing/2014/main" id="{3D0A41E4-3A12-41DC-9FEF-57AE1299A214}"/>
-              </a:ext>
-            </a:extLst>
-          </p:cNvPr>
-          <p:cNvSpPr>
-            <a:spLocks noGrp="1"/>
-          </p:cNvSpPr>
-          <p:nvPr>
-            <p:ph type="title"/>
-          </p:nvPr>
-        </p:nvSpPr>
-        <p:spPr>
-          <a:xfrm>
-            <a:off x="7534654" y="702365"/>
-            <a:ext cx="4657326" cy="3765666"/>
-          </a:xfrm>
-        </p:spPr>
-        <p:txBody>
-          <a:bodyPr vert="horz" lIns="91440" tIns="45720" rIns="91440" bIns="45720" rtlCol="0" anchor="b">
-            <a:normAutofit/>
-          </a:bodyPr>
-          <a:lstStyle/>
-          <a:p>
-            <a:pPr>
-              <a:lnSpc>
-                <a:spcPct val="85000"/>
-              </a:lnSpc>
-            </a:pPr>
-            <a:r>
-              <a:rPr lang="en-US" sz="4400" dirty="0">
-                <a:blipFill dpi="0" rotWithShape="1">
-                  <a:blip r:embed="rId4"/>
-                  <a:srcRect/>
-                  <a:tile tx="6350" ty="-127000" sx="65000" sy="64000" flip="none" algn="tl"/>
-                </a:blipFill>
-              </a:rPr>
-              <a:t>Programmeur</a:t>
-            </a:r>
-            <a:endParaRPr lang="en-US" sz="4400" b="1" kern="1200" cap="none" baseline="0" dirty="0">
-              <a:blipFill dpi="0" rotWithShape="1">
-                <a:blip r:embed="rId4"/>
-                <a:srcRect/>
-                <a:tile tx="6350" ty="-127000" sx="65000" sy="64000" flip="none" algn="tl"/>
-              </a:blipFill>
-              <a:latin typeface="+mj-lt"/>
-              <a:ea typeface="+mj-ea"/>
-              <a:cs typeface="+mj-cs"/>
-            </a:endParaRPr>
-          </a:p>
-        </p:txBody>
-      </p:sp>
-      <p:grpSp>
-        <p:nvGrpSpPr>
-          <p:cNvPr id="85" name="Group 84">
-            <a:extLst>
-              <a:ext uri="{FF2B5EF4-FFF2-40B4-BE49-F238E27FC236}">
-                <a16:creationId xmlns:a16="http://schemas.microsoft.com/office/drawing/2014/main" id="{54F6FC82-E588-4DA0-8096-0C3BD54F17B5}"/>
-              </a:ext>
-              <a:ext uri="{C183D7F6-B498-43B3-948B-1728B52AA6E4}">
-                <adec:decorative xmlns:adec="http://schemas.microsoft.com/office/drawing/2017/decorative" val="1"/>
-              </a:ext>
-            </a:extLst>
-          </p:cNvPr>
-          <p:cNvGrpSpPr>
-            <a:grpSpLocks noGrp="1" noUngrp="1" noRot="1" noChangeAspect="1" noMove="1" noResize="1"/>
-          </p:cNvGrpSpPr>
-          <p:nvPr>
-            <p:extLst>
-              <p:ext uri="{386F3935-93C4-4BCD-93E2-E3B085C9AB24}">
-                <p16:designElem xmlns:p16="http://schemas.microsoft.com/office/powerpoint/2015/main" val="1"/>
-              </p:ext>
-            </p:extLst>
-          </p:nvPr>
-        </p:nvGrpSpPr>
-        <p:grpSpPr>
-          <a:xfrm>
-            <a:off x="11401724" y="6229681"/>
-            <a:ext cx="457200" cy="457200"/>
-            <a:chOff x="11361456" y="6195813"/>
-            <a:chExt cx="548640" cy="548640"/>
-          </a:xfrm>
-        </p:grpSpPr>
-        <p:sp>
-          <p:nvSpPr>
-            <p:cNvPr id="86" name="Oval 85">
-              <a:extLst>
-                <a:ext uri="{FF2B5EF4-FFF2-40B4-BE49-F238E27FC236}">
-                  <a16:creationId xmlns:a16="http://schemas.microsoft.com/office/drawing/2014/main" id="{E8898E90-044F-45FF-8B4D-CE0F6A630A46}"/>
-                </a:ext>
-                <a:ext uri="{C183D7F6-B498-43B3-948B-1728B52AA6E4}">
-                  <adec:decorative xmlns:adec="http://schemas.microsoft.com/office/drawing/2017/decorative" val="1"/>
-                </a:ext>
-              </a:extLst>
-            </p:cNvPr>
-            <p:cNvSpPr/>
-            <p:nvPr>
-              <p:extLst>
-                <p:ext uri="{386F3935-93C4-4BCD-93E2-E3B085C9AB24}">
-                  <p16:designElem xmlns:p16="http://schemas.microsoft.com/office/powerpoint/2015/main" val="1"/>
-                </p:ext>
-              </p:extLst>
-            </p:nvPr>
-          </p:nvSpPr>
-          <p:spPr>
-            <a:xfrm>
-              <a:off x="11361456" y="6195813"/>
-              <a:ext cx="548640" cy="548640"/>
-            </a:xfrm>
-            <a:prstGeom prst="ellipse">
-              <a:avLst/>
-            </a:prstGeom>
-            <a:blipFill dpi="0" rotWithShape="1">
-              <a:blip r:embed="rId6">
-                <a:duotone>
-                  <a:schemeClr val="accent1">
-                    <a:shade val="45000"/>
-                    <a:satMod val="135000"/>
-                  </a:schemeClr>
-                  <a:prstClr val="white"/>
-                </a:duotone>
-              </a:blip>
-              <a:srcRect/>
-              <a:tile tx="50800" ty="0" sx="85000" sy="85000" flip="none" algn="tl"/>
-            </a:blipFill>
-            <a:ln w="25400" cap="flat" cmpd="sng" algn="ctr">
-              <a:noFill/>
-              <a:prstDash val="solid"/>
-            </a:ln>
-            <a:effectLst/>
-          </p:spPr>
-          <p:txBody>
-            <a:bodyPr lIns="0" tIns="0" rIns="0" bIns="0" rtlCol="0" anchor="ctr"/>
-            <a:lstStyle/>
-            <a:p>
-              <a:pPr marL="0" marR="0" lvl="0" indent="0" algn="ctr" defTabSz="914400" eaLnBrk="1" fontAlgn="auto" latinLnBrk="0" hangingPunct="1">
-                <a:lnSpc>
-                  <a:spcPct val="100000"/>
-                </a:lnSpc>
-                <a:spcBef>
-                  <a:spcPts val="0"/>
-                </a:spcBef>
-                <a:spcAft>
-                  <a:spcPts val="0"/>
-                </a:spcAft>
-                <a:buClrTx/>
-                <a:buSzTx/>
-                <a:buFontTx/>
-                <a:buNone/>
-                <a:tabLst/>
-                <a:defRPr/>
-              </a:pPr>
-              <a:endParaRPr kumimoji="0" lang="en-US" sz="2000" b="0" i="0" u="none" strike="noStrike" kern="0" cap="none" spc="0" normalizeH="0" baseline="0" noProof="0" dirty="0">
-                <a:ln>
-                  <a:noFill/>
-                </a:ln>
-                <a:solidFill>
-                  <a:prstClr val="white"/>
-                </a:solidFill>
-                <a:effectLst/>
-                <a:uLnTx/>
-                <a:uFillTx/>
-                <a:latin typeface="Rockwell Extra Bold" pitchFamily="18" charset="0"/>
-                <a:ea typeface="+mn-ea"/>
-                <a:cs typeface="+mn-cs"/>
-              </a:endParaRPr>
-            </a:p>
-          </p:txBody>
-        </p:sp>
-        <p:sp>
-          <p:nvSpPr>
-            <p:cNvPr id="87" name="Oval 86">
-              <a:extLst>
-                <a:ext uri="{FF2B5EF4-FFF2-40B4-BE49-F238E27FC236}">
-                  <a16:creationId xmlns:a16="http://schemas.microsoft.com/office/drawing/2014/main" id="{923BF161-A852-4DA5-BB4C-2DFC336B7779}"/>
-                </a:ext>
-                <a:ext uri="{C183D7F6-B498-43B3-948B-1728B52AA6E4}">
-                  <adec:decorative xmlns:adec="http://schemas.microsoft.com/office/drawing/2017/decorative" val="1"/>
-                </a:ext>
-              </a:extLst>
-            </p:cNvPr>
-            <p:cNvSpPr/>
-            <p:nvPr>
-              <p:extLst>
-                <p:ext uri="{386F3935-93C4-4BCD-93E2-E3B085C9AB24}">
-                  <p16:designElem xmlns:p16="http://schemas.microsoft.com/office/powerpoint/2015/main" val="1"/>
-                </p:ext>
-              </p:extLst>
-            </p:nvPr>
-          </p:nvSpPr>
-          <p:spPr>
-            <a:xfrm>
-              <a:off x="11396488" y="6230844"/>
-              <a:ext cx="478576" cy="478578"/>
-            </a:xfrm>
-            <a:prstGeom prst="ellipse">
-              <a:avLst/>
-            </a:prstGeom>
-            <a:noFill/>
-            <a:ln w="12700" cap="flat" cmpd="sng" algn="ctr">
-              <a:solidFill>
-                <a:srgbClr val="FFFFFF"/>
-              </a:solidFill>
-              <a:prstDash val="solid"/>
-            </a:ln>
-            <a:effectLst/>
-          </p:spPr>
-          <p:txBody>
-            <a:bodyPr rtlCol="0" anchor="ctr"/>
-            <a:lstStyle/>
-            <a:p>
-              <a:pPr marL="0" marR="0" lvl="0" indent="0" algn="ctr" defTabSz="914400" eaLnBrk="1" fontAlgn="auto" latinLnBrk="0" hangingPunct="1">
-                <a:lnSpc>
-                  <a:spcPct val="100000"/>
-                </a:lnSpc>
-                <a:spcBef>
-                  <a:spcPts val="0"/>
-                </a:spcBef>
-                <a:spcAft>
-                  <a:spcPts val="0"/>
-                </a:spcAft>
-                <a:buClrTx/>
-                <a:buSzTx/>
-                <a:buFontTx/>
-                <a:buNone/>
-                <a:tabLst/>
-                <a:defRPr/>
-              </a:pPr>
-              <a:endParaRPr kumimoji="0" lang="en-US" sz="1800" b="0" i="0" u="none" strike="noStrike" kern="0" cap="none" spc="0" normalizeH="0" baseline="0" noProof="0" dirty="0">
-                <a:ln>
-                  <a:noFill/>
-                </a:ln>
-                <a:solidFill>
-                  <a:prstClr val="white"/>
-                </a:solidFill>
-                <a:effectLst/>
-                <a:uLnTx/>
-                <a:uFillTx/>
-                <a:latin typeface="Calibri"/>
-                <a:ea typeface="+mn-ea"/>
-                <a:cs typeface="+mn-cs"/>
-              </a:endParaRPr>
-            </a:p>
-          </p:txBody>
-        </p:sp>
-      </p:grpSp>
-      <p:pic>
-        <p:nvPicPr>
-          <p:cNvPr id="3074" name="Picture 2" descr="Op zoek naar IT voor jouw KMO? | VestaTech - jouw partner in ICT">
-            <a:extLst>
-              <a:ext uri="{FF2B5EF4-FFF2-40B4-BE49-F238E27FC236}">
-                <a16:creationId xmlns:a16="http://schemas.microsoft.com/office/drawing/2014/main" id="{4262AF44-2F06-423F-B06B-AA12066D939F}"/>
-              </a:ext>
-            </a:extLst>
-          </p:cNvPr>
-          <p:cNvPicPr>
-            <a:picLocks noChangeAspect="1" noChangeArrowheads="1"/>
-          </p:cNvPicPr>
-          <p:nvPr/>
-        </p:nvPicPr>
-        <p:blipFill>
-          <a:blip r:embed="rId7">
-            <a:extLst>
-              <a:ext uri="{28A0092B-C50C-407E-A947-70E740481C1C}">
-                <a14:useLocalDpi xmlns:a14="http://schemas.microsoft.com/office/drawing/2010/main" val="0"/>
-              </a:ext>
-            </a:extLst>
-          </a:blip>
-          <a:srcRect/>
-          <a:stretch>
-            <a:fillRect/>
-          </a:stretch>
-        </p:blipFill>
-        <p:spPr bwMode="auto">
-          <a:xfrm>
-            <a:off x="0" y="0"/>
-            <a:ext cx="6861175" cy="6858000"/>
-          </a:xfrm>
-          <a:prstGeom prst="rect">
-            <a:avLst/>
-          </a:prstGeom>
-          <a:noFill/>
-          <a:extLst>
-            <a:ext uri="{909E8E84-426E-40DD-AFC4-6F175D3DCCD1}">
-              <a14:hiddenFill xmlns:a14="http://schemas.microsoft.com/office/drawing/2010/main">
-                <a:solidFill>
-                  <a:srgbClr val="FFFFFF"/>
-                </a:solidFill>
-              </a14:hiddenFill>
-            </a:ext>
-          </a:extLst>
-        </p:spPr>
-      </p:pic>
-      <p:sp>
-        <p:nvSpPr>
-          <p:cNvPr id="3" name="Tijdelijke aanduiding voor voettekst 2">
-            <a:extLst>
-              <a:ext uri="{FF2B5EF4-FFF2-40B4-BE49-F238E27FC236}">
-                <a16:creationId xmlns:a16="http://schemas.microsoft.com/office/drawing/2014/main" id="{0A3D5F67-B8BE-45EA-AEDF-E6924C16172B}"/>
-              </a:ext>
-            </a:extLst>
-          </p:cNvPr>
-          <p:cNvSpPr>
-            <a:spLocks noGrp="1"/>
-          </p:cNvSpPr>
-          <p:nvPr>
-            <p:ph type="ftr" sz="quarter" idx="11"/>
+            <a:spLocks noGrp="1"/>
+          </p:cNvSpPr>
+          <p:nvPr>
+            <p:ph idx="1"/>
           </p:nvPr>
         </p:nvSpPr>
         <p:spPr/>
@@ -8024,8 +6426,57 @@
           <a:lstStyle/>
           <a:p>
             <a:r>
-              <a:rPr lang="nl-BE"/>
-              <a:t>Vesta Tech</a:t>
+              <a:rPr lang="nl-NL" dirty="0"/>
+              <a:t>Gevestigd te Ardooie</a:t>
+            </a:r>
+          </a:p>
+          <a:p>
+            <a:r>
+              <a:rPr lang="nl-NL" dirty="0"/>
+              <a:t>Typisch West-Vlaams bedrijf</a:t>
+            </a:r>
+          </a:p>
+          <a:p>
+            <a:r>
+              <a:rPr lang="nl-BE" dirty="0"/>
+              <a:t>Beheren infrastructuur </a:t>
+            </a:r>
+          </a:p>
+          <a:p>
+            <a:r>
+              <a:rPr lang="nl-BE" dirty="0"/>
+              <a:t>Beveiligingssysteem</a:t>
+            </a:r>
+          </a:p>
+          <a:p>
+            <a:r>
+              <a:rPr lang="nl-BE" dirty="0"/>
+              <a:t>Development met </a:t>
+            </a:r>
+            <a:r>
+              <a:rPr lang="nl-BE" dirty="0" err="1"/>
+              <a:t>Sharepoint</a:t>
+            </a:r>
+            <a:endParaRPr lang="nl-BE" dirty="0"/>
+          </a:p>
+          <a:p>
+            <a:r>
+              <a:rPr lang="nl-BE" dirty="0"/>
+              <a:t>Scholen, </a:t>
+            </a:r>
+            <a:r>
+              <a:rPr lang="nl-BE" dirty="0" err="1"/>
+              <a:t>KMO’s</a:t>
+            </a:r>
+            <a:r>
+              <a:rPr lang="nl-BE" dirty="0"/>
+              <a:t>, zelfstandigen, starters,…</a:t>
+            </a:r>
+          </a:p>
+          <a:p>
+            <a:r>
+              <a:rPr lang="nl-BE" dirty="0"/>
+              <a:t>Transparantie &amp; snelle service</a:t>
             </a:r>
           </a:p>
         </p:txBody>
@@ -8033,7 +6484,7 @@
     </p:spTree>
     <p:extLst>
       <p:ext uri="{BB962C8B-B14F-4D97-AF65-F5344CB8AC3E}">
-        <p14:creationId xmlns:p14="http://schemas.microsoft.com/office/powerpoint/2010/main" val="2332280900"/>
+        <p14:creationId xmlns:p14="http://schemas.microsoft.com/office/powerpoint/2010/main" val="1899423342"/>
       </p:ext>
     </p:extLst>
   </p:cSld>
@@ -8065,7 +6516,7 @@
           <p:cNvPr id="2" name="Titel 1">
             <a:extLst>
               <a:ext uri="{FF2B5EF4-FFF2-40B4-BE49-F238E27FC236}">
-                <a16:creationId xmlns:a16="http://schemas.microsoft.com/office/drawing/2014/main" id="{DC58BEB4-7D22-4D3D-A743-317FAAF29619}"/>
+                <a16:creationId xmlns:a16="http://schemas.microsoft.com/office/drawing/2014/main" id="{8A366717-BB07-4383-8441-9315118D613F}"/>
               </a:ext>
             </a:extLst>
           </p:cNvPr>
@@ -8076,72 +6527,112 @@
             <p:ph type="title"/>
           </p:nvPr>
         </p:nvSpPr>
-        <p:spPr/>
-        <p:txBody>
-          <a:bodyPr/>
+        <p:spPr>
+          <a:xfrm>
+            <a:off x="1069848" y="484632"/>
+            <a:ext cx="10058400" cy="1464366"/>
+          </a:xfrm>
+        </p:spPr>
+        <p:txBody>
+          <a:bodyPr>
+            <a:normAutofit/>
+          </a:bodyPr>
           <a:lstStyle/>
           <a:p>
-            <a:endParaRPr lang="nl-BE"/>
-          </a:p>
-        </p:txBody>
-      </p:sp>
-      <p:sp>
-        <p:nvSpPr>
-          <p:cNvPr id="3" name="Tijdelijke aanduiding voor inhoud 2">
+            <a:r>
+              <a:rPr lang="nl-NL" sz="3000" dirty="0"/>
+              <a:t>Programma</a:t>
+            </a:r>
+            <a:endParaRPr lang="nl-BE" sz="3000" dirty="0"/>
+          </a:p>
+        </p:txBody>
+      </p:sp>
+      <p:sp>
+        <p:nvSpPr>
+          <p:cNvPr id="7" name="Rechthoek: afgeronde hoeken 6">
             <a:extLst>
               <a:ext uri="{FF2B5EF4-FFF2-40B4-BE49-F238E27FC236}">
-                <a16:creationId xmlns:a16="http://schemas.microsoft.com/office/drawing/2014/main" id="{A27BD340-9A2B-443D-AF1C-227E3CDD25D5}"/>
+                <a16:creationId xmlns:a16="http://schemas.microsoft.com/office/drawing/2014/main" id="{F09E3702-4D92-458E-B0C2-4DA382077F8F}"/>
               </a:ext>
             </a:extLst>
           </p:cNvPr>
-          <p:cNvSpPr>
-            <a:spLocks noGrp="1"/>
-          </p:cNvSpPr>
-          <p:nvPr>
-            <p:ph idx="1"/>
-          </p:nvPr>
-        </p:nvSpPr>
-        <p:spPr/>
-        <p:txBody>
-          <a:bodyPr/>
+          <p:cNvSpPr/>
+          <p:nvPr/>
+        </p:nvSpPr>
+        <p:spPr>
+          <a:xfrm>
+            <a:off x="3642049" y="2180750"/>
+            <a:ext cx="2453951" cy="3489649"/>
+          </a:xfrm>
+          <a:prstGeom prst="roundRect">
+            <a:avLst/>
+          </a:prstGeom>
+        </p:spPr>
+        <p:style>
+          <a:lnRef idx="2">
+            <a:schemeClr val="accent6"/>
+          </a:lnRef>
+          <a:fillRef idx="1">
+            <a:schemeClr val="lt1"/>
+          </a:fillRef>
+          <a:effectRef idx="0">
+            <a:schemeClr val="accent6"/>
+          </a:effectRef>
+          <a:fontRef idx="minor">
+            <a:schemeClr val="dk1"/>
+          </a:fontRef>
+        </p:style>
+        <p:txBody>
+          <a:bodyPr rtlCol="0" anchor="ctr"/>
           <a:lstStyle/>
           <a:p>
-            <a:endParaRPr lang="nl-BE"/>
-          </a:p>
-        </p:txBody>
-      </p:sp>
-      <p:sp>
-        <p:nvSpPr>
-          <p:cNvPr id="4" name="Tijdelijke aanduiding voor voettekst 3">
+            <a:pPr algn="ctr"/>
+            <a:r>
+              <a:rPr lang="nl-NL" dirty="0" err="1"/>
+              <a:t>Overview</a:t>
+            </a:r>
+            <a:r>
+              <a:rPr lang="nl-NL" dirty="0"/>
+              <a:t> job van de programmeur</a:t>
+            </a:r>
+            <a:endParaRPr lang="nl-BE" dirty="0"/>
+          </a:p>
+        </p:txBody>
+      </p:sp>
+      <p:pic>
+        <p:nvPicPr>
+          <p:cNvPr id="12" name="Afbeelding 11">
             <a:extLst>
               <a:ext uri="{FF2B5EF4-FFF2-40B4-BE49-F238E27FC236}">
-                <a16:creationId xmlns:a16="http://schemas.microsoft.com/office/drawing/2014/main" id="{1232B5EA-C1B1-4CF1-A69E-3C9035C3BB04}"/>
+                <a16:creationId xmlns:a16="http://schemas.microsoft.com/office/drawing/2014/main" id="{AEF91EE1-9EE3-49D1-A6CC-496F9650B964}"/>
               </a:ext>
             </a:extLst>
           </p:cNvPr>
-          <p:cNvSpPr>
-            <a:spLocks noGrp="1"/>
-          </p:cNvSpPr>
-          <p:nvPr>
-            <p:ph type="ftr" sz="quarter" idx="11"/>
-          </p:nvPr>
-        </p:nvSpPr>
-        <p:spPr/>
-        <p:txBody>
-          <a:bodyPr/>
-          <a:lstStyle/>
-          <a:p>
-            <a:r>
-              <a:rPr lang="nl-BE"/>
-              <a:t>Vesta Tech</a:t>
-            </a:r>
-          </a:p>
-        </p:txBody>
-      </p:sp>
+          <p:cNvPicPr>
+            <a:picLocks noChangeAspect="1"/>
+          </p:cNvPicPr>
+          <p:nvPr/>
+        </p:nvPicPr>
+        <p:blipFill>
+          <a:blip r:embed="rId2"/>
+          <a:stretch>
+            <a:fillRect/>
+          </a:stretch>
+        </p:blipFill>
+        <p:spPr>
+          <a:xfrm>
+            <a:off x="4472378" y="2607308"/>
+            <a:ext cx="836742" cy="979742"/>
+          </a:xfrm>
+          <a:prstGeom prst="rect">
+            <a:avLst/>
+          </a:prstGeom>
+        </p:spPr>
+      </p:pic>
     </p:spTree>
     <p:extLst>
       <p:ext uri="{BB962C8B-B14F-4D97-AF65-F5344CB8AC3E}">
-        <p14:creationId xmlns:p14="http://schemas.microsoft.com/office/powerpoint/2010/main" val="3635263753"/>
+        <p14:creationId xmlns:p14="http://schemas.microsoft.com/office/powerpoint/2010/main" val="3518460591"/>
       </p:ext>
     </p:extLst>
   </p:cSld>
@@ -8152,114 +6643,6 @@
 </file>
 
 <file path=ppt/slides/slide8.xml><?xml version="1.0" encoding="utf-8"?>
-<p:sld xmlns:a="http://schemas.openxmlformats.org/drawingml/2006/main" xmlns:r="http://schemas.openxmlformats.org/officeDocument/2006/relationships" xmlns:p="http://schemas.openxmlformats.org/presentationml/2006/main">
-  <p:cSld>
-    <p:spTree>
-      <p:nvGrpSpPr>
-        <p:cNvPr id="1" name=""/>
-        <p:cNvGrpSpPr/>
-        <p:nvPr/>
-      </p:nvGrpSpPr>
-      <p:grpSpPr>
-        <a:xfrm>
-          <a:off x="0" y="0"/>
-          <a:ext cx="0" cy="0"/>
-          <a:chOff x="0" y="0"/>
-          <a:chExt cx="0" cy="0"/>
-        </a:xfrm>
-      </p:grpSpPr>
-      <p:sp>
-        <p:nvSpPr>
-          <p:cNvPr id="2" name="Titel 1">
-            <a:extLst>
-              <a:ext uri="{FF2B5EF4-FFF2-40B4-BE49-F238E27FC236}">
-                <a16:creationId xmlns:a16="http://schemas.microsoft.com/office/drawing/2014/main" id="{E6176CBE-928C-4577-9A2A-2AB2B6AA6944}"/>
-              </a:ext>
-            </a:extLst>
-          </p:cNvPr>
-          <p:cNvSpPr>
-            <a:spLocks noGrp="1"/>
-          </p:cNvSpPr>
-          <p:nvPr>
-            <p:ph type="title"/>
-          </p:nvPr>
-        </p:nvSpPr>
-        <p:spPr/>
-        <p:txBody>
-          <a:bodyPr/>
-          <a:lstStyle/>
-          <a:p>
-            <a:endParaRPr lang="nl-BE"/>
-          </a:p>
-        </p:txBody>
-      </p:sp>
-      <p:sp>
-        <p:nvSpPr>
-          <p:cNvPr id="3" name="Tijdelijke aanduiding voor inhoud 2">
-            <a:extLst>
-              <a:ext uri="{FF2B5EF4-FFF2-40B4-BE49-F238E27FC236}">
-                <a16:creationId xmlns:a16="http://schemas.microsoft.com/office/drawing/2014/main" id="{78E449F3-FD42-45A6-9643-032324F23C19}"/>
-              </a:ext>
-            </a:extLst>
-          </p:cNvPr>
-          <p:cNvSpPr>
-            <a:spLocks noGrp="1"/>
-          </p:cNvSpPr>
-          <p:nvPr>
-            <p:ph idx="1"/>
-          </p:nvPr>
-        </p:nvSpPr>
-        <p:spPr/>
-        <p:txBody>
-          <a:bodyPr/>
-          <a:lstStyle/>
-          <a:p>
-            <a:endParaRPr lang="nl-BE"/>
-          </a:p>
-        </p:txBody>
-      </p:sp>
-      <p:sp>
-        <p:nvSpPr>
-          <p:cNvPr id="4" name="Tijdelijke aanduiding voor voettekst 3">
-            <a:extLst>
-              <a:ext uri="{FF2B5EF4-FFF2-40B4-BE49-F238E27FC236}">
-                <a16:creationId xmlns:a16="http://schemas.microsoft.com/office/drawing/2014/main" id="{D32F821B-48CA-40F4-B728-257DDC964D3B}"/>
-              </a:ext>
-            </a:extLst>
-          </p:cNvPr>
-          <p:cNvSpPr>
-            <a:spLocks noGrp="1"/>
-          </p:cNvSpPr>
-          <p:nvPr>
-            <p:ph type="ftr" sz="quarter" idx="11"/>
-          </p:nvPr>
-        </p:nvSpPr>
-        <p:spPr/>
-        <p:txBody>
-          <a:bodyPr/>
-          <a:lstStyle/>
-          <a:p>
-            <a:r>
-              <a:rPr lang="nl-BE"/>
-              <a:t>Vesta Tech</a:t>
-            </a:r>
-          </a:p>
-        </p:txBody>
-      </p:sp>
-    </p:spTree>
-    <p:extLst>
-      <p:ext uri="{BB962C8B-B14F-4D97-AF65-F5344CB8AC3E}">
-        <p14:creationId xmlns:p14="http://schemas.microsoft.com/office/powerpoint/2010/main" val="3465943354"/>
-      </p:ext>
-    </p:extLst>
-  </p:cSld>
-  <p:clrMapOvr>
-    <a:masterClrMapping/>
-  </p:clrMapOvr>
-</p:sld>
-</file>
-
-<file path=ppt/slides/slide9.xml><?xml version="1.0" encoding="utf-8"?>
 <p:sld xmlns:a="http://schemas.openxmlformats.org/drawingml/2006/main" xmlns:r="http://schemas.openxmlformats.org/officeDocument/2006/relationships" xmlns:p="http://schemas.openxmlformats.org/presentationml/2006/main">
   <p:cSld>
     <p:bg>
@@ -8286,578 +6669,178 @@
       </p:grpSpPr>
       <p:sp>
         <p:nvSpPr>
-          <p:cNvPr id="137" name="Rectangle 136">
+          <p:cNvPr id="2" name="Titel 1">
             <a:extLst>
               <a:ext uri="{FF2B5EF4-FFF2-40B4-BE49-F238E27FC236}">
-                <a16:creationId xmlns:a16="http://schemas.microsoft.com/office/drawing/2014/main" id="{75E3D2E7-AD93-44A1-8BC6-0E1343A3E445}"/>
-              </a:ext>
-              <a:ext uri="{C183D7F6-B498-43B3-948B-1728B52AA6E4}">
-                <adec:decorative xmlns:adec="http://schemas.microsoft.com/office/drawing/2017/decorative" val="1"/>
+                <a16:creationId xmlns:a16="http://schemas.microsoft.com/office/drawing/2014/main" id="{DC58BEB4-7D22-4D3D-A743-317FAAF29619}"/>
               </a:ext>
             </a:extLst>
           </p:cNvPr>
           <p:cNvSpPr>
-            <a:spLocks noGrp="1" noRot="1" noChangeAspect="1" noMove="1" noResize="1" noEditPoints="1" noAdjustHandles="1" noChangeArrowheads="1" noChangeShapeType="1" noTextEdit="1"/>
-          </p:cNvSpPr>
-          <p:nvPr>
-            <p:extLst>
-              <p:ext uri="{386F3935-93C4-4BCD-93E2-E3B085C9AB24}">
-                <p16:designElem xmlns:p16="http://schemas.microsoft.com/office/powerpoint/2015/main" val="1"/>
-              </p:ext>
-            </p:extLst>
-          </p:nvPr>
-        </p:nvSpPr>
-        <p:spPr>
-          <a:xfrm>
-            <a:off x="920834" y="1346946"/>
-            <a:ext cx="10222992" cy="80683"/>
-          </a:xfrm>
-          <a:prstGeom prst="rect">
-            <a:avLst/>
-          </a:prstGeom>
-          <a:blipFill dpi="0" rotWithShape="1">
-            <a:blip r:embed="rId2">
-              <a:alphaModFix amt="83000"/>
-              <a:lum bright="70000" contrast="-70000"/>
-              <a:extLst>
-                <a:ext uri="{BEBA8EAE-BF5A-486C-A8C5-ECC9F3942E4B}">
-                  <a14:imgProps xmlns:a14="http://schemas.microsoft.com/office/drawing/2010/main">
-                    <a14:imgLayer r:embed="rId3">
-                      <a14:imgEffect>
-                        <a14:sharpenSoften amount="61000"/>
-                      </a14:imgEffect>
-                    </a14:imgLayer>
-                  </a14:imgProps>
-                </a:ext>
-                <a:ext uri="{28A0092B-C50C-407E-A947-70E740481C1C}">
-                  <a14:useLocalDpi xmlns:a14="http://schemas.microsoft.com/office/drawing/2010/main" val="0"/>
-                </a:ext>
-              </a:extLst>
-            </a:blip>
-            <a:srcRect/>
-            <a:tile tx="0" ty="-762000" sx="92000" sy="89000" flip="xy" algn="ctr"/>
-          </a:blipFill>
-          <a:ln>
-            <a:noFill/>
-          </a:ln>
-        </p:spPr>
-        <p:style>
-          <a:lnRef idx="2">
-            <a:schemeClr val="accent1">
-              <a:shade val="50000"/>
-            </a:schemeClr>
-          </a:lnRef>
-          <a:fillRef idx="1">
-            <a:schemeClr val="accent1"/>
-          </a:fillRef>
-          <a:effectRef idx="0">
-            <a:schemeClr val="accent1"/>
-          </a:effectRef>
-          <a:fontRef idx="minor">
-            <a:schemeClr val="lt1"/>
-          </a:fontRef>
-        </p:style>
-      </p:sp>
-      <p:sp>
-        <p:nvSpPr>
-          <p:cNvPr id="139" name="Rectangle 138">
+            <a:spLocks noGrp="1"/>
+          </p:cNvSpPr>
+          <p:nvPr>
+            <p:ph type="title"/>
+          </p:nvPr>
+        </p:nvSpPr>
+        <p:spPr>
+          <a:xfrm>
+            <a:off x="1069848" y="484632"/>
+            <a:ext cx="10058400" cy="1609344"/>
+          </a:xfrm>
+        </p:spPr>
+        <p:txBody>
+          <a:bodyPr>
+            <a:normAutofit/>
+          </a:bodyPr>
+          <a:lstStyle/>
+          <a:p>
+            <a:r>
+              <a:rPr lang="nl-NL" sz="3000" dirty="0" err="1"/>
+              <a:t>Overview</a:t>
+            </a:r>
+            <a:r>
+              <a:rPr lang="nl-NL" sz="3000" dirty="0"/>
+              <a:t> job van de programmeur</a:t>
+            </a:r>
+            <a:br>
+              <a:rPr lang="nl-BE" sz="3000" dirty="0"/>
+            </a:br>
+            <a:endParaRPr lang="nl-BE" sz="3000" dirty="0"/>
+          </a:p>
+        </p:txBody>
+      </p:sp>
+      <p:sp>
+        <p:nvSpPr>
+          <p:cNvPr id="9" name="Content Placeholder 8">
             <a:extLst>
               <a:ext uri="{FF2B5EF4-FFF2-40B4-BE49-F238E27FC236}">
-                <a16:creationId xmlns:a16="http://schemas.microsoft.com/office/drawing/2014/main" id="{9CC5271D-3244-41E2-B819-CBCB46B719A3}"/>
-              </a:ext>
-              <a:ext uri="{C183D7F6-B498-43B3-948B-1728B52AA6E4}">
-                <adec:decorative xmlns:adec="http://schemas.microsoft.com/office/drawing/2017/decorative" val="1"/>
+                <a16:creationId xmlns:a16="http://schemas.microsoft.com/office/drawing/2014/main" id="{10F59025-194D-4726-B6A2-1270EA3F4636}"/>
               </a:ext>
             </a:extLst>
           </p:cNvPr>
           <p:cNvSpPr>
-            <a:spLocks noGrp="1" noRot="1" noChangeAspect="1" noMove="1" noResize="1" noEditPoints="1" noAdjustHandles="1" noChangeArrowheads="1" noChangeShapeType="1" noTextEdit="1"/>
-          </p:cNvSpPr>
-          <p:nvPr>
-            <p:extLst>
-              <p:ext uri="{386F3935-93C4-4BCD-93E2-E3B085C9AB24}">
-                <p16:designElem xmlns:p16="http://schemas.microsoft.com/office/powerpoint/2015/main" val="1"/>
-              </p:ext>
-            </p:extLst>
-          </p:nvPr>
-        </p:nvSpPr>
-        <p:spPr>
-          <a:xfrm>
-            <a:off x="920834" y="4299696"/>
-            <a:ext cx="10222992" cy="80683"/>
-          </a:xfrm>
-          <a:prstGeom prst="rect">
-            <a:avLst/>
-          </a:prstGeom>
-          <a:blipFill dpi="0" rotWithShape="1">
-            <a:blip r:embed="rId2">
-              <a:alphaModFix amt="83000"/>
-              <a:lum bright="70000" contrast="-70000"/>
-              <a:extLst>
-                <a:ext uri="{BEBA8EAE-BF5A-486C-A8C5-ECC9F3942E4B}">
-                  <a14:imgProps xmlns:a14="http://schemas.microsoft.com/office/drawing/2010/main">
-                    <a14:imgLayer r:embed="rId3">
-                      <a14:imgEffect>
-                        <a14:sharpenSoften amount="61000"/>
-                      </a14:imgEffect>
-                    </a14:imgLayer>
-                  </a14:imgProps>
-                </a:ext>
-                <a:ext uri="{28A0092B-C50C-407E-A947-70E740481C1C}">
-                  <a14:useLocalDpi xmlns:a14="http://schemas.microsoft.com/office/drawing/2010/main" val="0"/>
-                </a:ext>
-              </a:extLst>
-            </a:blip>
-            <a:srcRect/>
-            <a:tile tx="0" ty="-717550" sx="92000" sy="89000" flip="xy" algn="ctr"/>
-          </a:blipFill>
-          <a:ln>
-            <a:noFill/>
-          </a:ln>
-        </p:spPr>
-        <p:style>
-          <a:lnRef idx="2">
-            <a:schemeClr val="accent1">
-              <a:shade val="50000"/>
-            </a:schemeClr>
-          </a:lnRef>
-          <a:fillRef idx="1">
-            <a:schemeClr val="accent1"/>
-          </a:fillRef>
-          <a:effectRef idx="0">
-            <a:schemeClr val="accent1"/>
-          </a:effectRef>
-          <a:fontRef idx="minor">
-            <a:schemeClr val="lt1"/>
-          </a:fontRef>
-        </p:style>
-      </p:sp>
-      <p:sp>
-        <p:nvSpPr>
-          <p:cNvPr id="141" name="Rectangle 140">
-            <a:extLst>
-              <a:ext uri="{FF2B5EF4-FFF2-40B4-BE49-F238E27FC236}">
-                <a16:creationId xmlns:a16="http://schemas.microsoft.com/office/drawing/2014/main" id="{5683B5F4-86FD-4BF8-88F1-837F5B70B334}"/>
-              </a:ext>
-              <a:ext uri="{C183D7F6-B498-43B3-948B-1728B52AA6E4}">
-                <adec:decorative xmlns:adec="http://schemas.microsoft.com/office/drawing/2017/decorative" val="1"/>
-              </a:ext>
-            </a:extLst>
-          </p:cNvPr>
-          <p:cNvSpPr>
-            <a:spLocks noGrp="1" noRot="1" noChangeAspect="1" noMove="1" noResize="1" noEditPoints="1" noAdjustHandles="1" noChangeArrowheads="1" noChangeShapeType="1" noTextEdit="1"/>
-          </p:cNvSpPr>
-          <p:nvPr>
-            <p:extLst>
-              <p:ext uri="{386F3935-93C4-4BCD-93E2-E3B085C9AB24}">
-                <p16:designElem xmlns:p16="http://schemas.microsoft.com/office/powerpoint/2015/main" val="1"/>
-              </p:ext>
-            </p:extLst>
-          </p:nvPr>
-        </p:nvSpPr>
-        <p:spPr>
-          <a:xfrm>
-            <a:off x="920834" y="1484779"/>
-            <a:ext cx="10222992" cy="2743200"/>
-          </a:xfrm>
-          <a:prstGeom prst="rect">
-            <a:avLst/>
-          </a:prstGeom>
-          <a:blipFill dpi="0" rotWithShape="1">
-            <a:blip r:embed="rId2">
-              <a:alphaModFix amt="83000"/>
-              <a:lum bright="70000" contrast="-70000"/>
-              <a:extLst>
-                <a:ext uri="{BEBA8EAE-BF5A-486C-A8C5-ECC9F3942E4B}">
-                  <a14:imgProps xmlns:a14="http://schemas.microsoft.com/office/drawing/2010/main">
-                    <a14:imgLayer r:embed="rId3">
-                      <a14:imgEffect>
-                        <a14:sharpenSoften amount="61000"/>
-                      </a14:imgEffect>
-                    </a14:imgLayer>
-                  </a14:imgProps>
-                </a:ext>
-                <a:ext uri="{28A0092B-C50C-407E-A947-70E740481C1C}">
-                  <a14:useLocalDpi xmlns:a14="http://schemas.microsoft.com/office/drawing/2010/main" val="0"/>
-                </a:ext>
-              </a:extLst>
-            </a:blip>
-            <a:srcRect/>
-            <a:tile tx="0" ty="-704850" sx="92000" sy="89000" flip="xy" algn="ctr"/>
-          </a:blipFill>
-          <a:ln>
-            <a:noFill/>
-          </a:ln>
-        </p:spPr>
-        <p:style>
-          <a:lnRef idx="2">
-            <a:schemeClr val="accent1">
-              <a:shade val="50000"/>
-            </a:schemeClr>
-          </a:lnRef>
-          <a:fillRef idx="1">
-            <a:schemeClr val="accent1"/>
-          </a:fillRef>
-          <a:effectRef idx="0">
-            <a:schemeClr val="accent1"/>
-          </a:effectRef>
-          <a:fontRef idx="minor">
-            <a:schemeClr val="lt1"/>
-          </a:fontRef>
-        </p:style>
-      </p:sp>
-      <p:grpSp>
-        <p:nvGrpSpPr>
-          <p:cNvPr id="143" name="Group 142">
-            <a:extLst>
-              <a:ext uri="{FF2B5EF4-FFF2-40B4-BE49-F238E27FC236}">
-                <a16:creationId xmlns:a16="http://schemas.microsoft.com/office/drawing/2014/main" id="{468FD2E2-2BBC-4CE0-8728-F7F04CF3DA80}"/>
-              </a:ext>
-              <a:ext uri="{C183D7F6-B498-43B3-948B-1728B52AA6E4}">
-                <adec:decorative xmlns:adec="http://schemas.microsoft.com/office/drawing/2017/decorative" val="1"/>
-              </a:ext>
-            </a:extLst>
-          </p:cNvPr>
-          <p:cNvGrpSpPr>
-            <a:grpSpLocks noGrp="1" noUngrp="1" noRot="1" noChangeAspect="1" noMove="1" noResize="1"/>
-          </p:cNvGrpSpPr>
-          <p:nvPr>
-            <p:extLst>
-              <p:ext uri="{386F3935-93C4-4BCD-93E2-E3B085C9AB24}">
-                <p16:designElem xmlns:p16="http://schemas.microsoft.com/office/powerpoint/2015/main" val="1"/>
-              </p:ext>
-            </p:extLst>
-          </p:nvPr>
-        </p:nvGrpSpPr>
-        <p:grpSpPr>
-          <a:xfrm>
-            <a:off x="9649215" y="4068923"/>
-            <a:ext cx="1080904" cy="1080902"/>
-            <a:chOff x="9685338" y="4460675"/>
-            <a:chExt cx="1080904" cy="1080902"/>
-          </a:xfrm>
-        </p:grpSpPr>
-        <p:sp>
-          <p:nvSpPr>
-            <p:cNvPr id="144" name="Oval 143">
-              <a:extLst>
-                <a:ext uri="{FF2B5EF4-FFF2-40B4-BE49-F238E27FC236}">
-                  <a16:creationId xmlns:a16="http://schemas.microsoft.com/office/drawing/2014/main" id="{DFDB4C9A-B334-4F22-B77C-0ABDFA489FB9}"/>
-                </a:ext>
-                <a:ext uri="{C183D7F6-B498-43B3-948B-1728B52AA6E4}">
-                  <adec:decorative xmlns:adec="http://schemas.microsoft.com/office/drawing/2017/decorative" val="1"/>
-                </a:ext>
-              </a:extLst>
-            </p:cNvPr>
-            <p:cNvSpPr/>
-            <p:nvPr>
-              <p:extLst>
-                <p:ext uri="{386F3935-93C4-4BCD-93E2-E3B085C9AB24}">
-                  <p16:designElem xmlns:p16="http://schemas.microsoft.com/office/powerpoint/2015/main" val="1"/>
-                </p:ext>
-              </p:extLst>
-            </p:nvPr>
-          </p:nvSpPr>
-          <p:spPr>
-            <a:xfrm>
-              <a:off x="9685338" y="4460675"/>
-              <a:ext cx="1080904" cy="1080902"/>
-            </a:xfrm>
-            <a:prstGeom prst="ellipse">
-              <a:avLst/>
-            </a:prstGeom>
-            <a:blipFill dpi="0" rotWithShape="1">
-              <a:blip r:embed="rId4">
-                <a:duotone>
-                  <a:schemeClr val="accent1">
-                    <a:shade val="45000"/>
-                    <a:satMod val="135000"/>
-                  </a:schemeClr>
-                  <a:prstClr val="white"/>
-                </a:duotone>
-                <a:extLst>
-                  <a:ext uri="{BEBA8EAE-BF5A-486C-A8C5-ECC9F3942E4B}">
-                    <a14:imgProps xmlns:a14="http://schemas.microsoft.com/office/drawing/2010/main">
-                      <a14:imgLayer r:embed="rId5">
-                        <a14:imgEffect>
-                          <a14:saturation sat="95000"/>
-                        </a14:imgEffect>
-                      </a14:imgLayer>
-                    </a14:imgProps>
-                  </a:ext>
-                </a:extLst>
-              </a:blip>
-              <a:srcRect/>
-              <a:tile tx="0" ty="0" sx="85000" sy="85000" flip="none" algn="tl"/>
-            </a:blipFill>
-            <a:ln w="25400" cap="flat" cmpd="sng" algn="ctr">
-              <a:noFill/>
-              <a:prstDash val="solid"/>
-            </a:ln>
-            <a:effectLst/>
-          </p:spPr>
-        </p:sp>
-        <p:sp>
-          <p:nvSpPr>
-            <p:cNvPr id="145" name="Oval 144">
-              <a:extLst>
-                <a:ext uri="{FF2B5EF4-FFF2-40B4-BE49-F238E27FC236}">
-                  <a16:creationId xmlns:a16="http://schemas.microsoft.com/office/drawing/2014/main" id="{20B25D87-B509-4BDD-8E23-850E1C3903D8}"/>
-                </a:ext>
-                <a:ext uri="{C183D7F6-B498-43B3-948B-1728B52AA6E4}">
-                  <adec:decorative xmlns:adec="http://schemas.microsoft.com/office/drawing/2017/decorative" val="1"/>
-                </a:ext>
-              </a:extLst>
-            </p:cNvPr>
-            <p:cNvSpPr/>
-            <p:nvPr>
-              <p:extLst>
-                <p:ext uri="{386F3935-93C4-4BCD-93E2-E3B085C9AB24}">
-                  <p16:designElem xmlns:p16="http://schemas.microsoft.com/office/powerpoint/2015/main" val="1"/>
-                </p:ext>
-              </p:extLst>
-            </p:nvPr>
-          </p:nvSpPr>
-          <p:spPr>
-            <a:xfrm>
-              <a:off x="9793429" y="4568765"/>
-              <a:ext cx="864723" cy="864722"/>
-            </a:xfrm>
-            <a:prstGeom prst="ellipse">
-              <a:avLst/>
-            </a:prstGeom>
-            <a:noFill/>
-            <a:ln w="25400" cap="flat" cmpd="sng" algn="ctr">
-              <a:solidFill>
-                <a:sysClr val="window" lastClr="FFFFFF"/>
-              </a:solidFill>
-              <a:prstDash val="solid"/>
-            </a:ln>
-            <a:effectLst/>
-          </p:spPr>
-        </p:sp>
-      </p:grpSp>
-      <p:sp useBgFill="1">
-        <p:nvSpPr>
-          <p:cNvPr id="147" name="Rectangle 146">
-            <a:extLst>
-              <a:ext uri="{FF2B5EF4-FFF2-40B4-BE49-F238E27FC236}">
-                <a16:creationId xmlns:a16="http://schemas.microsoft.com/office/drawing/2014/main" id="{19A1D830-E73C-47A9-A534-323CEEFF5B32}"/>
-              </a:ext>
-              <a:ext uri="{C183D7F6-B498-43B3-948B-1728B52AA6E4}">
-                <adec:decorative xmlns:adec="http://schemas.microsoft.com/office/drawing/2017/decorative" val="1"/>
-              </a:ext>
-            </a:extLst>
-          </p:cNvPr>
-          <p:cNvSpPr>
-            <a:spLocks noGrp="1" noRot="1" noChangeAspect="1" noMove="1" noResize="1" noEditPoints="1" noAdjustHandles="1" noChangeArrowheads="1" noChangeShapeType="1" noTextEdit="1"/>
-          </p:cNvSpPr>
-          <p:nvPr>
-            <p:extLst>
-              <p:ext uri="{386F3935-93C4-4BCD-93E2-E3B085C9AB24}">
-                <p16:designElem xmlns:p16="http://schemas.microsoft.com/office/powerpoint/2015/main" val="1"/>
-              </p:ext>
-            </p:extLst>
-          </p:nvPr>
-        </p:nvSpPr>
-        <p:spPr>
-          <a:xfrm>
-            <a:off x="0" y="0"/>
-            <a:ext cx="12192000" cy="6858000"/>
-          </a:xfrm>
-          <a:prstGeom prst="rect">
-            <a:avLst/>
-          </a:prstGeom>
-          <a:ln>
-            <a:noFill/>
-          </a:ln>
-        </p:spPr>
-        <p:style>
-          <a:lnRef idx="2">
-            <a:schemeClr val="accent1">
-              <a:shade val="50000"/>
-            </a:schemeClr>
-          </a:lnRef>
-          <a:fillRef idx="1">
-            <a:schemeClr val="accent1"/>
-          </a:fillRef>
-          <a:effectRef idx="0">
-            <a:schemeClr val="accent1"/>
-          </a:effectRef>
-          <a:fontRef idx="minor">
-            <a:schemeClr val="lt1"/>
-          </a:fontRef>
-        </p:style>
-        <p:txBody>
-          <a:bodyPr rtlCol="0" anchor="ctr"/>
-          <a:lstStyle/>
-          <a:p>
-            <a:pPr algn="ctr"/>
-            <a:endParaRPr lang="en-US"/>
-          </a:p>
-        </p:txBody>
-      </p:sp>
-      <p:sp>
-        <p:nvSpPr>
-          <p:cNvPr id="149" name="Rectangle 148">
-            <a:extLst>
-              <a:ext uri="{FF2B5EF4-FFF2-40B4-BE49-F238E27FC236}">
-                <a16:creationId xmlns:a16="http://schemas.microsoft.com/office/drawing/2014/main" id="{8F69FBEC-4C47-4288-962D-3FC20C79F3F5}"/>
-              </a:ext>
-              <a:ext uri="{C183D7F6-B498-43B3-948B-1728B52AA6E4}">
-                <adec:decorative xmlns:adec="http://schemas.microsoft.com/office/drawing/2017/decorative" val="1"/>
-              </a:ext>
-            </a:extLst>
-          </p:cNvPr>
-          <p:cNvSpPr>
-            <a:spLocks noGrp="1" noRot="1" noChangeAspect="1" noMove="1" noResize="1" noEditPoints="1" noAdjustHandles="1" noChangeArrowheads="1" noChangeShapeType="1" noTextEdit="1"/>
-          </p:cNvSpPr>
-          <p:nvPr>
-            <p:extLst>
-              <p:ext uri="{386F3935-93C4-4BCD-93E2-E3B085C9AB24}">
-                <p16:designElem xmlns:p16="http://schemas.microsoft.com/office/powerpoint/2015/main" val="1"/>
-              </p:ext>
-            </p:extLst>
-          </p:nvPr>
-        </p:nvSpPr>
-        <p:spPr>
-          <a:xfrm>
-            <a:off x="0" y="0"/>
-            <a:ext cx="12192000" cy="6857999"/>
-          </a:xfrm>
-          <a:prstGeom prst="rect">
-            <a:avLst/>
-          </a:prstGeom>
-          <a:blipFill dpi="0" rotWithShape="1">
-            <a:blip r:embed="rId2">
-              <a:alphaModFix amt="60000"/>
-              <a:lum bright="70000" contrast="-70000"/>
-              <a:extLst>
-                <a:ext uri="{BEBA8EAE-BF5A-486C-A8C5-ECC9F3942E4B}">
-                  <a14:imgProps xmlns:a14="http://schemas.microsoft.com/office/drawing/2010/main">
-                    <a14:imgLayer r:embed="rId3">
-                      <a14:imgEffect>
-                        <a14:sharpenSoften amount="61000"/>
-                      </a14:imgEffect>
-                    </a14:imgLayer>
-                  </a14:imgProps>
-                </a:ext>
-                <a:ext uri="{28A0092B-C50C-407E-A947-70E740481C1C}">
-                  <a14:useLocalDpi xmlns:a14="http://schemas.microsoft.com/office/drawing/2010/main" val="0"/>
-                </a:ext>
-              </a:extLst>
-            </a:blip>
-            <a:srcRect/>
-            <a:tile tx="0" ty="-704850" sx="92000" sy="89000" flip="xy" algn="ctr"/>
-          </a:blipFill>
-          <a:ln>
-            <a:noFill/>
-          </a:ln>
-        </p:spPr>
-        <p:style>
-          <a:lnRef idx="2">
-            <a:schemeClr val="accent1">
-              <a:shade val="50000"/>
-            </a:schemeClr>
-          </a:lnRef>
-          <a:fillRef idx="1">
-            <a:schemeClr val="accent1"/>
-          </a:fillRef>
-          <a:effectRef idx="0">
-            <a:schemeClr val="accent1"/>
-          </a:effectRef>
-          <a:fontRef idx="minor">
-            <a:schemeClr val="lt1"/>
-          </a:fontRef>
-        </p:style>
-        <p:txBody>
-          <a:bodyPr rtlCol="0" anchor="ctr"/>
-          <a:lstStyle/>
-          <a:p>
-            <a:pPr algn="ctr"/>
-            <a:endParaRPr lang="en-US"/>
-          </a:p>
-        </p:txBody>
-      </p:sp>
-      <p:sp>
-        <p:nvSpPr>
-          <p:cNvPr id="2" name="Titel 1">
-            <a:extLst>
-              <a:ext uri="{FF2B5EF4-FFF2-40B4-BE49-F238E27FC236}">
-                <a16:creationId xmlns:a16="http://schemas.microsoft.com/office/drawing/2014/main" id="{3D0A41E4-3A12-41DC-9FEF-57AE1299A214}"/>
-              </a:ext>
-            </a:extLst>
-          </p:cNvPr>
-          <p:cNvSpPr>
-            <a:spLocks noGrp="1"/>
-          </p:cNvSpPr>
-          <p:nvPr>
-            <p:ph type="title"/>
-          </p:nvPr>
-        </p:nvSpPr>
-        <p:spPr>
-          <a:xfrm>
-            <a:off x="7534654" y="702365"/>
-            <a:ext cx="3896264" cy="3765666"/>
-          </a:xfrm>
-        </p:spPr>
-        <p:txBody>
-          <a:bodyPr vert="horz" lIns="91440" tIns="45720" rIns="91440" bIns="45720" rtlCol="0" anchor="b">
+            <a:spLocks noGrp="1"/>
+          </p:cNvSpPr>
+          <p:nvPr>
+            <p:ph idx="1"/>
+          </p:nvPr>
+        </p:nvSpPr>
+        <p:spPr>
+          <a:xfrm>
+            <a:off x="1069848" y="2121408"/>
+            <a:ext cx="4759452" cy="4050792"/>
+          </a:xfrm>
+        </p:spPr>
+        <p:txBody>
+          <a:bodyPr>
             <a:normAutofit/>
           </a:bodyPr>
           <a:lstStyle/>
           <a:p>
-            <a:pPr>
-              <a:lnSpc>
-                <a:spcPct val="85000"/>
-              </a:lnSpc>
-            </a:pPr>
-            <a:r>
-              <a:rPr lang="en-US" dirty="0">
-                <a:blipFill dpi="0" rotWithShape="1">
-                  <a:blip r:embed="rId4"/>
-                  <a:srcRect/>
-                  <a:tile tx="6350" ty="-127000" sx="65000" sy="64000" flip="none" algn="tl"/>
-                </a:blipFill>
-              </a:rPr>
-              <a:t>S</a:t>
-            </a:r>
-            <a:r>
-              <a:rPr lang="nl-BE" dirty="0" err="1">
-                <a:blipFill dpi="0" rotWithShape="1">
-                  <a:blip r:embed="rId4"/>
-                  <a:srcRect/>
-                  <a:tile tx="6350" ty="-127000" sx="65000" sy="64000" flip="none" algn="tl"/>
-                </a:blipFill>
-              </a:rPr>
-              <a:t>oft</a:t>
-            </a:r>
-            <a:r>
-              <a:rPr lang="nl-BE" dirty="0">
-                <a:blipFill dpi="0" rotWithShape="1">
-                  <a:blip r:embed="rId4"/>
-                  <a:srcRect/>
-                  <a:tile tx="6350" ty="-127000" sx="65000" sy="64000" flip="none" algn="tl"/>
-                </a:blipFill>
-              </a:rPr>
-              <a:t>-skills</a:t>
-            </a:r>
-            <a:endParaRPr lang="en-US" dirty="0">
-              <a:blipFill dpi="0" rotWithShape="1">
-                <a:blip r:embed="rId4"/>
-                <a:srcRect/>
-                <a:tile tx="6350" ty="-127000" sx="65000" sy="64000" flip="none" algn="tl"/>
-              </a:blipFill>
-            </a:endParaRPr>
+            <a:r>
+              <a:rPr lang="en-US" dirty="0"/>
+              <a:t>Vincent Denys</a:t>
+            </a:r>
+          </a:p>
+          <a:p>
+            <a:r>
+              <a:rPr lang="en-US" dirty="0" err="1"/>
+              <a:t>Selfmade</a:t>
+            </a:r>
+            <a:r>
+              <a:rPr lang="en-US" dirty="0"/>
+              <a:t> programmer</a:t>
+            </a:r>
+          </a:p>
+          <a:p>
+            <a:r>
+              <a:rPr lang="en-US" dirty="0" err="1"/>
+              <a:t>Sharepoint</a:t>
+            </a:r>
+            <a:r>
+              <a:rPr lang="en-US" dirty="0"/>
+              <a:t> / </a:t>
+            </a:r>
+            <a:r>
+              <a:rPr lang="en-US" dirty="0" err="1"/>
+              <a:t>Telefonie</a:t>
+            </a:r>
+            <a:endParaRPr lang="en-US" dirty="0"/>
+          </a:p>
+          <a:p>
+            <a:r>
+              <a:rPr lang="en-US" dirty="0" err="1"/>
+              <a:t>Flexibele</a:t>
+            </a:r>
+            <a:r>
+              <a:rPr lang="en-US" dirty="0"/>
+              <a:t> planning</a:t>
+            </a:r>
+          </a:p>
+          <a:p>
+            <a:r>
+              <a:rPr lang="en-US" dirty="0"/>
+              <a:t>Meetings</a:t>
+            </a:r>
+          </a:p>
+          <a:p>
+            <a:r>
+              <a:rPr lang="en-US" dirty="0" err="1"/>
+              <a:t>Assertief</a:t>
+            </a:r>
+            <a:r>
+              <a:rPr lang="en-US" dirty="0"/>
+              <a:t> &amp; </a:t>
+            </a:r>
+            <a:r>
+              <a:rPr lang="en-US" dirty="0" err="1"/>
+              <a:t>spreken</a:t>
+            </a:r>
+            <a:r>
+              <a:rPr lang="en-US" dirty="0"/>
+              <a:t> met de </a:t>
+            </a:r>
+            <a:r>
+              <a:rPr lang="en-US" dirty="0" err="1"/>
+              <a:t>klant</a:t>
+            </a:r>
+            <a:endParaRPr lang="en-US" dirty="0"/>
+          </a:p>
+          <a:p>
+            <a:r>
+              <a:rPr lang="en-US" dirty="0" err="1"/>
+              <a:t>Technische</a:t>
+            </a:r>
+            <a:r>
+              <a:rPr lang="en-US" dirty="0"/>
+              <a:t> </a:t>
+            </a:r>
+            <a:r>
+              <a:rPr lang="en-US" dirty="0" err="1"/>
+              <a:t>praat</a:t>
+            </a:r>
+            <a:r>
+              <a:rPr lang="en-US" dirty="0"/>
+              <a:t> : </a:t>
+            </a:r>
+            <a:r>
+              <a:rPr lang="en-US" dirty="0" err="1"/>
+              <a:t>klant</a:t>
+            </a:r>
+            <a:r>
+              <a:rPr lang="en-US" dirty="0"/>
+              <a:t>?</a:t>
+            </a:r>
           </a:p>
         </p:txBody>
       </p:sp>
       <p:pic>
         <p:nvPicPr>
-          <p:cNvPr id="4100" name="Picture 4" descr="Free download Starting a Campus Wide Competency Development Program  Different [961x600] for your Desktop, Mobile &amp; Tablet | Explore 39+ Common  Backgrounds | Common Backgrounds, Common Loon Wallpaper Border, Common Cell  Phone Wallpaper Sizes">
+          <p:cNvPr id="5" name="Picture 2" descr="Op zoek naar IT voor jouw KMO? | VestaTech - jouw partner in ICT">
             <a:extLst>
               <a:ext uri="{FF2B5EF4-FFF2-40B4-BE49-F238E27FC236}">
-                <a16:creationId xmlns:a16="http://schemas.microsoft.com/office/drawing/2014/main" id="{233D108D-0572-43E5-BE96-7980F28DE1E2}"/>
+                <a16:creationId xmlns:a16="http://schemas.microsoft.com/office/drawing/2014/main" id="{6EB02699-D87B-4BD5-AFA5-6DC535A29589}"/>
               </a:ext>
             </a:extLst>
           </p:cNvPr>
@@ -8867,20 +6850,20 @@
           <p:nvPr/>
         </p:nvPicPr>
         <p:blipFill rotWithShape="1">
-          <a:blip r:embed="rId6">
+          <a:blip r:embed="rId2">
             <a:extLst>
               <a:ext uri="{28A0092B-C50C-407E-A947-70E740481C1C}">
                 <a14:useLocalDpi xmlns:a14="http://schemas.microsoft.com/office/drawing/2010/main" val="0"/>
               </a:ext>
             </a:extLst>
           </a:blip>
-          <a:srcRect l="15832" t="-1330" r="16486" b="-2921"/>
+          <a:srcRect r="1" b="16603"/>
           <a:stretch/>
         </p:blipFill>
         <p:spPr bwMode="auto">
           <a:xfrm>
-            <a:off x="-59297" y="-145775"/>
-            <a:ext cx="7426544" cy="7149547"/>
+            <a:off x="7160920" y="2197608"/>
+            <a:ext cx="4289449" cy="3577280"/>
           </a:xfrm>
           <a:prstGeom prst="rect">
             <a:avLst/>
@@ -8897,232 +6880,159 @@
           </a:extLst>
         </p:spPr>
       </p:pic>
-      <p:grpSp>
-        <p:nvGrpSpPr>
-          <p:cNvPr id="151" name="Group 150">
+    </p:spTree>
+    <p:extLst>
+      <p:ext uri="{BB962C8B-B14F-4D97-AF65-F5344CB8AC3E}">
+        <p14:creationId xmlns:p14="http://schemas.microsoft.com/office/powerpoint/2010/main" val="3635263753"/>
+      </p:ext>
+    </p:extLst>
+  </p:cSld>
+  <p:clrMapOvr>
+    <a:masterClrMapping/>
+  </p:clrMapOvr>
+</p:sld>
+</file>
+
+<file path=ppt/slides/slide9.xml><?xml version="1.0" encoding="utf-8"?>
+<p:sld xmlns:a="http://schemas.openxmlformats.org/drawingml/2006/main" xmlns:r="http://schemas.openxmlformats.org/officeDocument/2006/relationships" xmlns:p="http://schemas.openxmlformats.org/presentationml/2006/main">
+  <p:cSld>
+    <p:spTree>
+      <p:nvGrpSpPr>
+        <p:cNvPr id="1" name=""/>
+        <p:cNvGrpSpPr/>
+        <p:nvPr/>
+      </p:nvGrpSpPr>
+      <p:grpSpPr>
+        <a:xfrm>
+          <a:off x="0" y="0"/>
+          <a:ext cx="0" cy="0"/>
+          <a:chOff x="0" y="0"/>
+          <a:chExt cx="0" cy="0"/>
+        </a:xfrm>
+      </p:grpSpPr>
+      <p:sp>
+        <p:nvSpPr>
+          <p:cNvPr id="2" name="Titel 1">
             <a:extLst>
               <a:ext uri="{FF2B5EF4-FFF2-40B4-BE49-F238E27FC236}">
-                <a16:creationId xmlns:a16="http://schemas.microsoft.com/office/drawing/2014/main" id="{54F6FC82-E588-4DA0-8096-0C3BD54F17B5}"/>
-              </a:ext>
-              <a:ext uri="{C183D7F6-B498-43B3-948B-1728B52AA6E4}">
-                <adec:decorative xmlns:adec="http://schemas.microsoft.com/office/drawing/2017/decorative" val="1"/>
+                <a16:creationId xmlns:a16="http://schemas.microsoft.com/office/drawing/2014/main" id="{8A366717-BB07-4383-8441-9315118D613F}"/>
               </a:ext>
             </a:extLst>
           </p:cNvPr>
-          <p:cNvGrpSpPr>
-            <a:grpSpLocks noGrp="1" noUngrp="1" noRot="1" noChangeAspect="1" noMove="1" noResize="1"/>
-          </p:cNvGrpSpPr>
-          <p:nvPr>
-            <p:extLst>
-              <p:ext uri="{386F3935-93C4-4BCD-93E2-E3B085C9AB24}">
-                <p16:designElem xmlns:p16="http://schemas.microsoft.com/office/powerpoint/2015/main" val="1"/>
-              </p:ext>
-            </p:extLst>
-          </p:nvPr>
-        </p:nvGrpSpPr>
-        <p:grpSpPr>
-          <a:xfrm>
-            <a:off x="11401724" y="6229681"/>
-            <a:ext cx="457200" cy="457200"/>
-            <a:chOff x="11361456" y="6195813"/>
-            <a:chExt cx="548640" cy="548640"/>
-          </a:xfrm>
-        </p:grpSpPr>
-        <p:sp>
-          <p:nvSpPr>
-            <p:cNvPr id="152" name="Oval 151">
-              <a:extLst>
-                <a:ext uri="{FF2B5EF4-FFF2-40B4-BE49-F238E27FC236}">
-                  <a16:creationId xmlns:a16="http://schemas.microsoft.com/office/drawing/2014/main" id="{E8898E90-044F-45FF-8B4D-CE0F6A630A46}"/>
-                </a:ext>
-                <a:ext uri="{C183D7F6-B498-43B3-948B-1728B52AA6E4}">
-                  <adec:decorative xmlns:adec="http://schemas.microsoft.com/office/drawing/2017/decorative" val="1"/>
-                </a:ext>
-              </a:extLst>
-            </p:cNvPr>
-            <p:cNvSpPr/>
-            <p:nvPr>
-              <p:extLst>
-                <p:ext uri="{386F3935-93C4-4BCD-93E2-E3B085C9AB24}">
-                  <p16:designElem xmlns:p16="http://schemas.microsoft.com/office/powerpoint/2015/main" val="1"/>
-                </p:ext>
-              </p:extLst>
-            </p:nvPr>
-          </p:nvSpPr>
-          <p:spPr>
-            <a:xfrm>
-              <a:off x="11361456" y="6195813"/>
-              <a:ext cx="548640" cy="548640"/>
-            </a:xfrm>
-            <a:prstGeom prst="ellipse">
-              <a:avLst/>
-            </a:prstGeom>
-            <a:blipFill dpi="0" rotWithShape="1">
-              <a:blip r:embed="rId7">
-                <a:duotone>
-                  <a:schemeClr val="accent1">
-                    <a:shade val="45000"/>
-                    <a:satMod val="135000"/>
-                  </a:schemeClr>
-                  <a:prstClr val="white"/>
-                </a:duotone>
-              </a:blip>
-              <a:srcRect/>
-              <a:tile tx="50800" ty="0" sx="85000" sy="85000" flip="none" algn="tl"/>
-            </a:blipFill>
-            <a:ln w="25400" cap="flat" cmpd="sng" algn="ctr">
-              <a:noFill/>
-              <a:prstDash val="solid"/>
-            </a:ln>
-            <a:effectLst/>
-          </p:spPr>
-          <p:txBody>
-            <a:bodyPr lIns="0" tIns="0" rIns="0" bIns="0" rtlCol="0" anchor="ctr"/>
-            <a:lstStyle/>
-            <a:p>
-              <a:pPr marL="0" marR="0" lvl="0" indent="0" algn="ctr" defTabSz="914400" eaLnBrk="1" fontAlgn="auto" latinLnBrk="0" hangingPunct="1">
-                <a:lnSpc>
-                  <a:spcPct val="100000"/>
-                </a:lnSpc>
-                <a:spcBef>
-                  <a:spcPts val="0"/>
-                </a:spcBef>
-                <a:spcAft>
-                  <a:spcPts val="0"/>
-                </a:spcAft>
-                <a:buClrTx/>
-                <a:buSzTx/>
-                <a:buFontTx/>
-                <a:buNone/>
-                <a:tabLst/>
-                <a:defRPr/>
-              </a:pPr>
-              <a:endParaRPr kumimoji="0" lang="en-US" sz="2000" b="0" i="0" u="none" strike="noStrike" kern="0" cap="none" spc="0" normalizeH="0" baseline="0" noProof="0" dirty="0">
-                <a:ln>
-                  <a:noFill/>
-                </a:ln>
-                <a:solidFill>
-                  <a:prstClr val="white"/>
-                </a:solidFill>
-                <a:effectLst/>
-                <a:uLnTx/>
-                <a:uFillTx/>
-                <a:latin typeface="Rockwell Extra Bold" pitchFamily="18" charset="0"/>
-                <a:ea typeface="+mn-ea"/>
-                <a:cs typeface="+mn-cs"/>
-              </a:endParaRPr>
-            </a:p>
-          </p:txBody>
-        </p:sp>
-        <p:sp>
-          <p:nvSpPr>
-            <p:cNvPr id="153" name="Oval 152">
-              <a:extLst>
-                <a:ext uri="{FF2B5EF4-FFF2-40B4-BE49-F238E27FC236}">
-                  <a16:creationId xmlns:a16="http://schemas.microsoft.com/office/drawing/2014/main" id="{923BF161-A852-4DA5-BB4C-2DFC336B7779}"/>
-                </a:ext>
-                <a:ext uri="{C183D7F6-B498-43B3-948B-1728B52AA6E4}">
-                  <adec:decorative xmlns:adec="http://schemas.microsoft.com/office/drawing/2017/decorative" val="1"/>
-                </a:ext>
-              </a:extLst>
-            </p:cNvPr>
-            <p:cNvSpPr/>
-            <p:nvPr>
-              <p:extLst>
-                <p:ext uri="{386F3935-93C4-4BCD-93E2-E3B085C9AB24}">
-                  <p16:designElem xmlns:p16="http://schemas.microsoft.com/office/powerpoint/2015/main" val="1"/>
-                </p:ext>
-              </p:extLst>
-            </p:nvPr>
-          </p:nvSpPr>
-          <p:spPr>
-            <a:xfrm>
-              <a:off x="11396488" y="6230844"/>
-              <a:ext cx="478576" cy="478578"/>
-            </a:xfrm>
-            <a:prstGeom prst="ellipse">
-              <a:avLst/>
-            </a:prstGeom>
-            <a:noFill/>
-            <a:ln w="12700" cap="flat" cmpd="sng" algn="ctr">
-              <a:solidFill>
-                <a:srgbClr val="FFFFFF"/>
-              </a:solidFill>
-              <a:prstDash val="solid"/>
-            </a:ln>
-            <a:effectLst/>
-          </p:spPr>
-          <p:txBody>
-            <a:bodyPr rtlCol="0" anchor="ctr"/>
-            <a:lstStyle/>
-            <a:p>
-              <a:pPr marL="0" marR="0" lvl="0" indent="0" algn="ctr" defTabSz="914400" eaLnBrk="1" fontAlgn="auto" latinLnBrk="0" hangingPunct="1">
-                <a:lnSpc>
-                  <a:spcPct val="100000"/>
-                </a:lnSpc>
-                <a:spcBef>
-                  <a:spcPts val="0"/>
-                </a:spcBef>
-                <a:spcAft>
-                  <a:spcPts val="0"/>
-                </a:spcAft>
-                <a:buClrTx/>
-                <a:buSzTx/>
-                <a:buFontTx/>
-                <a:buNone/>
-                <a:tabLst/>
-                <a:defRPr/>
-              </a:pPr>
-              <a:endParaRPr kumimoji="0" lang="en-US" sz="1800" b="0" i="0" u="none" strike="noStrike" kern="0" cap="none" spc="0" normalizeH="0" baseline="0" noProof="0" dirty="0">
-                <a:ln>
-                  <a:noFill/>
-                </a:ln>
-                <a:solidFill>
-                  <a:prstClr val="white"/>
-                </a:solidFill>
-                <a:effectLst/>
-                <a:uLnTx/>
-                <a:uFillTx/>
-                <a:latin typeface="Calibri"/>
-                <a:ea typeface="+mn-ea"/>
-                <a:cs typeface="+mn-cs"/>
-              </a:endParaRPr>
-            </a:p>
-          </p:txBody>
-        </p:sp>
-      </p:grpSp>
-      <p:sp>
-        <p:nvSpPr>
-          <p:cNvPr id="5" name="Tijdelijke aanduiding voor voettekst 4">
+          <p:cNvSpPr>
+            <a:spLocks noGrp="1"/>
+          </p:cNvSpPr>
+          <p:nvPr>
+            <p:ph type="title"/>
+          </p:nvPr>
+        </p:nvSpPr>
+        <p:spPr>
+          <a:xfrm>
+            <a:off x="1069848" y="484632"/>
+            <a:ext cx="10058400" cy="1464366"/>
+          </a:xfrm>
+        </p:spPr>
+        <p:txBody>
+          <a:bodyPr>
+            <a:normAutofit/>
+          </a:bodyPr>
+          <a:lstStyle/>
+          <a:p>
+            <a:r>
+              <a:rPr lang="nl-NL" sz="3000" dirty="0"/>
+              <a:t>Programma</a:t>
+            </a:r>
+            <a:endParaRPr lang="nl-BE" sz="3000" dirty="0"/>
+          </a:p>
+        </p:txBody>
+      </p:sp>
+      <p:sp>
+        <p:nvSpPr>
+          <p:cNvPr id="6" name="Rechthoek: afgeronde hoeken 5">
             <a:extLst>
               <a:ext uri="{FF2B5EF4-FFF2-40B4-BE49-F238E27FC236}">
-                <a16:creationId xmlns:a16="http://schemas.microsoft.com/office/drawing/2014/main" id="{63E898EF-FAD6-476A-BBB5-2107135BCDAC}"/>
+                <a16:creationId xmlns:a16="http://schemas.microsoft.com/office/drawing/2014/main" id="{71B541F9-A0E5-4FFC-BA65-940CA347D74D}"/>
               </a:ext>
             </a:extLst>
           </p:cNvPr>
-          <p:cNvSpPr>
-            <a:spLocks noGrp="1"/>
-          </p:cNvSpPr>
-          <p:nvPr>
-            <p:ph type="ftr" sz="quarter" idx="11"/>
-          </p:nvPr>
-        </p:nvSpPr>
-        <p:spPr/>
-        <p:txBody>
-          <a:bodyPr/>
+          <p:cNvSpPr/>
+          <p:nvPr/>
+        </p:nvSpPr>
+        <p:spPr>
+          <a:xfrm>
+            <a:off x="6447452" y="2180750"/>
+            <a:ext cx="2453951" cy="3489649"/>
+          </a:xfrm>
+          <a:prstGeom prst="roundRect">
+            <a:avLst/>
+          </a:prstGeom>
+        </p:spPr>
+        <p:style>
+          <a:lnRef idx="2">
+            <a:schemeClr val="accent6"/>
+          </a:lnRef>
+          <a:fillRef idx="1">
+            <a:schemeClr val="lt1"/>
+          </a:fillRef>
+          <a:effectRef idx="0">
+            <a:schemeClr val="accent6"/>
+          </a:effectRef>
+          <a:fontRef idx="minor">
+            <a:schemeClr val="dk1"/>
+          </a:fontRef>
+        </p:style>
+        <p:txBody>
+          <a:bodyPr rtlCol="0" anchor="ctr"/>
           <a:lstStyle/>
           <a:p>
-            <a:r>
-              <a:rPr lang="nl-BE"/>
-              <a:t>Vesta Tech</a:t>
-            </a:r>
-          </a:p>
-        </p:txBody>
-      </p:sp>
+            <a:pPr algn="ctr"/>
+            <a:r>
+              <a:rPr lang="nl-NL" dirty="0"/>
+              <a:t>Soft-skills binnen het bedrijf</a:t>
+            </a:r>
+            <a:endParaRPr lang="nl-BE" dirty="0"/>
+          </a:p>
+        </p:txBody>
+      </p:sp>
+      <p:pic>
+        <p:nvPicPr>
+          <p:cNvPr id="14" name="Afbeelding 13" descr="Afbeelding met tekst, teken, illustratie&#10;&#10;Automatisch gegenereerde beschrijving">
+            <a:extLst>
+              <a:ext uri="{FF2B5EF4-FFF2-40B4-BE49-F238E27FC236}">
+                <a16:creationId xmlns:a16="http://schemas.microsoft.com/office/drawing/2014/main" id="{8237632A-FDF8-4150-90E8-F15DEAEF396B}"/>
+              </a:ext>
+            </a:extLst>
+          </p:cNvPr>
+          <p:cNvPicPr>
+            <a:picLocks noChangeAspect="1"/>
+          </p:cNvPicPr>
+          <p:nvPr/>
+        </p:nvPicPr>
+        <p:blipFill rotWithShape="1">
+          <a:blip r:embed="rId2">
+            <a:extLst>
+              <a:ext uri="{28A0092B-C50C-407E-A947-70E740481C1C}">
+                <a14:useLocalDpi xmlns:a14="http://schemas.microsoft.com/office/drawing/2010/main" val="0"/>
+              </a:ext>
+            </a:extLst>
+          </a:blip>
+          <a:srcRect b="14555"/>
+          <a:stretch/>
+        </p:blipFill>
+        <p:spPr>
+          <a:xfrm>
+            <a:off x="6995486" y="2607308"/>
+            <a:ext cx="1355412" cy="910941"/>
+          </a:xfrm>
+          <a:prstGeom prst="rect">
+            <a:avLst/>
+          </a:prstGeom>
+        </p:spPr>
+      </p:pic>
     </p:spTree>
     <p:extLst>
       <p:ext uri="{BB962C8B-B14F-4D97-AF65-F5344CB8AC3E}">
-        <p14:creationId xmlns:p14="http://schemas.microsoft.com/office/powerpoint/2010/main" val="980271654"/>
+        <p14:creationId xmlns:p14="http://schemas.microsoft.com/office/powerpoint/2010/main" val="4070698540"/>
       </p:ext>
     </p:extLst>
   </p:cSld>
@@ -9650,4 +7560,299 @@
     </a:ext>
   </a:extLst>
 </a:theme>
+</file>
+
+<file path=ppt/theme/theme3.xml><?xml version="1.0" encoding="utf-8"?>
+<a:theme xmlns:a="http://schemas.openxmlformats.org/drawingml/2006/main" name="Kantoorthema">
+  <a:themeElements>
+    <a:clrScheme name="Office">
+      <a:dk1>
+        <a:sysClr val="windowText" lastClr="000000"/>
+      </a:dk1>
+      <a:lt1>
+        <a:sysClr val="window" lastClr="FFFFFF"/>
+      </a:lt1>
+      <a:dk2>
+        <a:srgbClr val="44546A"/>
+      </a:dk2>
+      <a:lt2>
+        <a:srgbClr val="E7E6E6"/>
+      </a:lt2>
+      <a:accent1>
+        <a:srgbClr val="4472C4"/>
+      </a:accent1>
+      <a:accent2>
+        <a:srgbClr val="ED7D31"/>
+      </a:accent2>
+      <a:accent3>
+        <a:srgbClr val="A5A5A5"/>
+      </a:accent3>
+      <a:accent4>
+        <a:srgbClr val="FFC000"/>
+      </a:accent4>
+      <a:accent5>
+        <a:srgbClr val="5B9BD5"/>
+      </a:accent5>
+      <a:accent6>
+        <a:srgbClr val="70AD47"/>
+      </a:accent6>
+      <a:hlink>
+        <a:srgbClr val="0563C1"/>
+      </a:hlink>
+      <a:folHlink>
+        <a:srgbClr val="954F72"/>
+      </a:folHlink>
+    </a:clrScheme>
+    <a:fontScheme name="Office">
+      <a:majorFont>
+        <a:latin typeface="Calibri Light" panose="020F0302020204030204"/>
+        <a:ea typeface=""/>
+        <a:cs typeface=""/>
+        <a:font script="Jpan" typeface="游ゴシック Light"/>
+        <a:font script="Hang" typeface="맑은 고딕"/>
+        <a:font script="Hans" typeface="等线 Light"/>
+        <a:font script="Hant" typeface="新細明體"/>
+        <a:font script="Arab" typeface="Times New Roman"/>
+        <a:font script="Hebr" typeface="Times New Roman"/>
+        <a:font script="Thai" typeface="Angsana New"/>
+        <a:font script="Ethi" typeface="Nyala"/>
+        <a:font script="Beng" typeface="Vrinda"/>
+        <a:font script="Gujr" typeface="Shruti"/>
+        <a:font script="Khmr" typeface="MoolBoran"/>
+        <a:font script="Knda" typeface="Tunga"/>
+        <a:font script="Guru" typeface="Raavi"/>
+        <a:font script="Cans" typeface="Euphemia"/>
+        <a:font script="Cher" typeface="Plantagenet Cherokee"/>
+        <a:font script="Yiii" typeface="Microsoft Yi Baiti"/>
+        <a:font script="Tibt" typeface="Microsoft Himalaya"/>
+        <a:font script="Thaa" typeface="MV Boli"/>
+        <a:font script="Deva" typeface="Mangal"/>
+        <a:font script="Telu" typeface="Gautami"/>
+        <a:font script="Taml" typeface="Latha"/>
+        <a:font script="Syrc" typeface="Estrangelo Edessa"/>
+        <a:font script="Orya" typeface="Kalinga"/>
+        <a:font script="Mlym" typeface="Kartika"/>
+        <a:font script="Laoo" typeface="DokChampa"/>
+        <a:font script="Sinh" typeface="Iskoola Pota"/>
+        <a:font script="Mong" typeface="Mongolian Baiti"/>
+        <a:font script="Viet" typeface="Times New Roman"/>
+        <a:font script="Uigh" typeface="Microsoft Uighur"/>
+        <a:font script="Geor" typeface="Sylfaen"/>
+        <a:font script="Armn" typeface="Arial"/>
+        <a:font script="Bugi" typeface="Leelawadee UI"/>
+        <a:font script="Bopo" typeface="Microsoft JhengHei"/>
+        <a:font script="Java" typeface="Javanese Text"/>
+        <a:font script="Lisu" typeface="Segoe UI"/>
+        <a:font script="Mymr" typeface="Myanmar Text"/>
+        <a:font script="Nkoo" typeface="Ebrima"/>
+        <a:font script="Olck" typeface="Nirmala UI"/>
+        <a:font script="Osma" typeface="Ebrima"/>
+        <a:font script="Phag" typeface="Phagspa"/>
+        <a:font script="Syrn" typeface="Estrangelo Edessa"/>
+        <a:font script="Syrj" typeface="Estrangelo Edessa"/>
+        <a:font script="Syre" typeface="Estrangelo Edessa"/>
+        <a:font script="Sora" typeface="Nirmala UI"/>
+        <a:font script="Tale" typeface="Microsoft Tai Le"/>
+        <a:font script="Talu" typeface="Microsoft New Tai Lue"/>
+        <a:font script="Tfng" typeface="Ebrima"/>
+      </a:majorFont>
+      <a:minorFont>
+        <a:latin typeface="Calibri" panose="020F0502020204030204"/>
+        <a:ea typeface=""/>
+        <a:cs typeface=""/>
+        <a:font script="Jpan" typeface="游ゴシック"/>
+        <a:font script="Hang" typeface="맑은 고딕"/>
+        <a:font script="Hans" typeface="等线"/>
+        <a:font script="Hant" typeface="新細明體"/>
+        <a:font script="Arab" typeface="Arial"/>
+        <a:font script="Hebr" typeface="Arial"/>
+        <a:font script="Thai" typeface="Cordia New"/>
+        <a:font script="Ethi" typeface="Nyala"/>
+        <a:font script="Beng" typeface="Vrinda"/>
+        <a:font script="Gujr" typeface="Shruti"/>
+        <a:font script="Khmr" typeface="DaunPenh"/>
+        <a:font script="Knda" typeface="Tunga"/>
+        <a:font script="Guru" typeface="Raavi"/>
+        <a:font script="Cans" typeface="Euphemia"/>
+        <a:font script="Cher" typeface="Plantagenet Cherokee"/>
+        <a:font script="Yiii" typeface="Microsoft Yi Baiti"/>
+        <a:font script="Tibt" typeface="Microsoft Himalaya"/>
+        <a:font script="Thaa" typeface="MV Boli"/>
+        <a:font script="Deva" typeface="Mangal"/>
+        <a:font script="Telu" typeface="Gautami"/>
+        <a:font script="Taml" typeface="Latha"/>
+        <a:font script="Syrc" typeface="Estrangelo Edessa"/>
+        <a:font script="Orya" typeface="Kalinga"/>
+        <a:font script="Mlym" typeface="Kartika"/>
+        <a:font script="Laoo" typeface="DokChampa"/>
+        <a:font script="Sinh" typeface="Iskoola Pota"/>
+        <a:font script="Mong" typeface="Mongolian Baiti"/>
+        <a:font script="Viet" typeface="Arial"/>
+        <a:font script="Uigh" typeface="Microsoft Uighur"/>
+        <a:font script="Geor" typeface="Sylfaen"/>
+        <a:font script="Armn" typeface="Arial"/>
+        <a:font script="Bugi" typeface="Leelawadee UI"/>
+        <a:font script="Bopo" typeface="Microsoft JhengHei"/>
+        <a:font script="Java" typeface="Javanese Text"/>
+        <a:font script="Lisu" typeface="Segoe UI"/>
+        <a:font script="Mymr" typeface="Myanmar Text"/>
+        <a:font script="Nkoo" typeface="Ebrima"/>
+        <a:font script="Olck" typeface="Nirmala UI"/>
+        <a:font script="Osma" typeface="Ebrima"/>
+        <a:font script="Phag" typeface="Phagspa"/>
+        <a:font script="Syrn" typeface="Estrangelo Edessa"/>
+        <a:font script="Syrj" typeface="Estrangelo Edessa"/>
+        <a:font script="Syre" typeface="Estrangelo Edessa"/>
+        <a:font script="Sora" typeface="Nirmala UI"/>
+        <a:font script="Tale" typeface="Microsoft Tai Le"/>
+        <a:font script="Talu" typeface="Microsoft New Tai Lue"/>
+        <a:font script="Tfng" typeface="Ebrima"/>
+      </a:minorFont>
+    </a:fontScheme>
+    <a:fmtScheme name="Office">
+      <a:fillStyleLst>
+        <a:solidFill>
+          <a:schemeClr val="phClr"/>
+        </a:solidFill>
+        <a:gradFill rotWithShape="1">
+          <a:gsLst>
+            <a:gs pos="0">
+              <a:schemeClr val="phClr">
+                <a:lumMod val="110000"/>
+                <a:satMod val="105000"/>
+                <a:tint val="67000"/>
+              </a:schemeClr>
+            </a:gs>
+            <a:gs pos="50000">
+              <a:schemeClr val="phClr">
+                <a:lumMod val="105000"/>
+                <a:satMod val="103000"/>
+                <a:tint val="73000"/>
+              </a:schemeClr>
+            </a:gs>
+            <a:gs pos="100000">
+              <a:schemeClr val="phClr">
+                <a:lumMod val="105000"/>
+                <a:satMod val="109000"/>
+                <a:tint val="81000"/>
+              </a:schemeClr>
+            </a:gs>
+          </a:gsLst>
+          <a:lin ang="5400000" scaled="0"/>
+        </a:gradFill>
+        <a:gradFill rotWithShape="1">
+          <a:gsLst>
+            <a:gs pos="0">
+              <a:schemeClr val="phClr">
+                <a:satMod val="103000"/>
+                <a:lumMod val="102000"/>
+                <a:tint val="94000"/>
+              </a:schemeClr>
+            </a:gs>
+            <a:gs pos="50000">
+              <a:schemeClr val="phClr">
+                <a:satMod val="110000"/>
+                <a:lumMod val="100000"/>
+                <a:shade val="100000"/>
+              </a:schemeClr>
+            </a:gs>
+            <a:gs pos="100000">
+              <a:schemeClr val="phClr">
+                <a:lumMod val="99000"/>
+                <a:satMod val="120000"/>
+                <a:shade val="78000"/>
+              </a:schemeClr>
+            </a:gs>
+          </a:gsLst>
+          <a:lin ang="5400000" scaled="0"/>
+        </a:gradFill>
+      </a:fillStyleLst>
+      <a:lnStyleLst>
+        <a:ln w="6350" cap="flat" cmpd="sng" algn="ctr">
+          <a:solidFill>
+            <a:schemeClr val="phClr"/>
+          </a:solidFill>
+          <a:prstDash val="solid"/>
+          <a:miter lim="800000"/>
+        </a:ln>
+        <a:ln w="12700" cap="flat" cmpd="sng" algn="ctr">
+          <a:solidFill>
+            <a:schemeClr val="phClr"/>
+          </a:solidFill>
+          <a:prstDash val="solid"/>
+          <a:miter lim="800000"/>
+        </a:ln>
+        <a:ln w="19050" cap="flat" cmpd="sng" algn="ctr">
+          <a:solidFill>
+            <a:schemeClr val="phClr"/>
+          </a:solidFill>
+          <a:prstDash val="solid"/>
+          <a:miter lim="800000"/>
+        </a:ln>
+      </a:lnStyleLst>
+      <a:effectStyleLst>
+        <a:effectStyle>
+          <a:effectLst/>
+        </a:effectStyle>
+        <a:effectStyle>
+          <a:effectLst/>
+        </a:effectStyle>
+        <a:effectStyle>
+          <a:effectLst>
+            <a:outerShdw blurRad="57150" dist="19050" dir="5400000" algn="ctr" rotWithShape="0">
+              <a:srgbClr val="000000">
+                <a:alpha val="63000"/>
+              </a:srgbClr>
+            </a:outerShdw>
+          </a:effectLst>
+        </a:effectStyle>
+      </a:effectStyleLst>
+      <a:bgFillStyleLst>
+        <a:solidFill>
+          <a:schemeClr val="phClr"/>
+        </a:solidFill>
+        <a:solidFill>
+          <a:schemeClr val="phClr">
+            <a:tint val="95000"/>
+            <a:satMod val="170000"/>
+          </a:schemeClr>
+        </a:solidFill>
+        <a:gradFill rotWithShape="1">
+          <a:gsLst>
+            <a:gs pos="0">
+              <a:schemeClr val="phClr">
+                <a:tint val="93000"/>
+                <a:satMod val="150000"/>
+                <a:shade val="98000"/>
+                <a:lumMod val="102000"/>
+              </a:schemeClr>
+            </a:gs>
+            <a:gs pos="50000">
+              <a:schemeClr val="phClr">
+                <a:tint val="98000"/>
+                <a:satMod val="130000"/>
+                <a:shade val="90000"/>
+                <a:lumMod val="103000"/>
+              </a:schemeClr>
+            </a:gs>
+            <a:gs pos="100000">
+              <a:schemeClr val="phClr">
+                <a:shade val="63000"/>
+                <a:satMod val="120000"/>
+              </a:schemeClr>
+            </a:gs>
+          </a:gsLst>
+          <a:lin ang="5400000" scaled="0"/>
+        </a:gradFill>
+      </a:bgFillStyleLst>
+    </a:fmtScheme>
+  </a:themeElements>
+  <a:objectDefaults/>
+  <a:extraClrSchemeLst/>
+  <a:extLst>
+    <a:ext uri="{05A4C25C-085E-4340-85A3-A5531E510DB2}">
+      <thm15:themeFamily xmlns:thm15="http://schemas.microsoft.com/office/thememl/2012/main" name="Office Theme" id="{62F939B6-93AF-4DB8-9C6B-D6C7DFDC589F}" vid="{4A3C46E8-61CC-4603-A589-7422A47A8E4A}"/>
+    </a:ext>
+  </a:extLst>
+</a:theme>
 </file>